--- a/Documents/ME-LEI 2024-2025 - FB Metrics - Phase 2.pptx
+++ b/Documents/ME-LEI 2024-2025 - FB Metrics - Phase 2.pptx
@@ -5,12 +5,16 @@
     <p:sldMasterId id="2147483648" r:id="rId1"/>
   </p:sldMasterIdLst>
   <p:notesMasterIdLst>
-    <p:notesMasterId r:id="rId5"/>
+    <p:notesMasterId r:id="rId9"/>
   </p:notesMasterIdLst>
   <p:sldIdLst>
     <p:sldId id="256" r:id="rId2"/>
     <p:sldId id="257" r:id="rId3"/>
-    <p:sldId id="258" r:id="rId4"/>
+    <p:sldId id="261" r:id="rId4"/>
+    <p:sldId id="264" r:id="rId5"/>
+    <p:sldId id="265" r:id="rId6"/>
+    <p:sldId id="266" r:id="rId7"/>
+    <p:sldId id="258" r:id="rId8"/>
   </p:sldIdLst>
   <p:sldSz cx="12192000" cy="6858000"/>
   <p:notesSz cx="6858000" cy="9144000"/>
@@ -408,7 +412,7 @@
           <a:p>
             <a:fld id="{BE9F91BD-076C-4489-A913-397D3E044E26}" type="datetimeFigureOut">
               <a:rPr lang="en-US" smtClean="0"/>
-              <a:t>4/10/2025</a:t>
+              <a:t>4/11/2025</a:t>
             </a:fld>
             <a:endParaRPr lang="en-US"/>
           </a:p>
@@ -4321,13 +4325,13 @@
           <a:lstStyle/>
           <a:p>
             <a:r>
-              <a:rPr lang="pt-PT" sz="3200" noProof="0">
+              <a:rPr lang="pt-PT" sz="3200" noProof="0" dirty="0">
                 <a:solidFill>
                   <a:srgbClr val="0866FF"/>
                 </a:solidFill>
                 <a:latin typeface="Klavika Bold" panose="02000806040000020004" pitchFamily="50" charset="0"/>
               </a:rPr>
-              <a:t>Objeto de Estudo</a:t>
+              <a:t>Variáveis</a:t>
             </a:r>
           </a:p>
         </p:txBody>
@@ -4533,23 +4537,23 @@
           <a:p>
             <a:pPr algn="just"/>
             <a:r>
-              <a:rPr lang="pt-PT" sz="2000" noProof="0"/>
+              <a:rPr lang="pt-PT" sz="2000" noProof="0" dirty="0"/>
               <a:t>Estão a ser analisadas as </a:t>
             </a:r>
             <a:r>
-              <a:rPr lang="pt-PT" sz="2000" b="1" noProof="0"/>
+              <a:rPr lang="pt-PT" sz="2000" b="1" noProof="0" dirty="0"/>
               <a:t>publicações</a:t>
             </a:r>
             <a:r>
-              <a:rPr lang="pt-PT" sz="2000" noProof="0"/>
+              <a:rPr lang="pt-PT" sz="2000" noProof="0" dirty="0"/>
               <a:t> da página de Facebook de uma marca de cosméticos de renome para perceber como</a:t>
             </a:r>
             <a:r>
-              <a:rPr lang="pt-PT" sz="2000" b="1" noProof="0"/>
+              <a:rPr lang="pt-PT" sz="2000" b="1" noProof="0" dirty="0"/>
               <a:t> diferentes características influenciam a interação dos utilizadores</a:t>
             </a:r>
             <a:r>
-              <a:rPr lang="pt-PT" sz="2000" noProof="0"/>
+              <a:rPr lang="pt-PT" sz="2000" noProof="0" dirty="0"/>
               <a:t>.</a:t>
             </a:r>
           </a:p>
@@ -4812,6 +4816,6630 @@
 </file>
 
 <file path=ppt/slides/slide3.xml><?xml version="1.0" encoding="utf-8"?>
+<p:sld xmlns:a="http://schemas.openxmlformats.org/drawingml/2006/main" xmlns:r="http://schemas.openxmlformats.org/officeDocument/2006/relationships" xmlns:p="http://schemas.openxmlformats.org/presentationml/2006/main">
+  <p:cSld>
+    <p:spTree>
+      <p:nvGrpSpPr>
+        <p:cNvPr id="1" name="">
+          <a:extLst>
+            <a:ext uri="{FF2B5EF4-FFF2-40B4-BE49-F238E27FC236}">
+              <a16:creationId xmlns:a16="http://schemas.microsoft.com/office/drawing/2014/main" id="{ECC85F26-625C-3DE9-D24A-320B052CBFBE}"/>
+            </a:ext>
+          </a:extLst>
+        </p:cNvPr>
+        <p:cNvGrpSpPr/>
+        <p:nvPr/>
+      </p:nvGrpSpPr>
+      <p:grpSpPr>
+        <a:xfrm>
+          <a:off x="0" y="0"/>
+          <a:ext cx="0" cy="0"/>
+          <a:chOff x="0" y="0"/>
+          <a:chExt cx="0" cy="0"/>
+        </a:xfrm>
+      </p:grpSpPr>
+      <p:sp>
+        <p:nvSpPr>
+          <p:cNvPr id="7" name="TextBox 6">
+            <a:extLst>
+              <a:ext uri="{FF2B5EF4-FFF2-40B4-BE49-F238E27FC236}">
+                <a16:creationId xmlns:a16="http://schemas.microsoft.com/office/drawing/2014/main" id="{06D63D2A-F11A-05E8-E040-AF3C5106D345}"/>
+              </a:ext>
+            </a:extLst>
+          </p:cNvPr>
+          <p:cNvSpPr txBox="1"/>
+          <p:nvPr/>
+        </p:nvSpPr>
+        <p:spPr>
+          <a:xfrm>
+            <a:off x="838200" y="457201"/>
+            <a:ext cx="5257800" cy="457199"/>
+          </a:xfrm>
+          <a:prstGeom prst="rect">
+            <a:avLst/>
+          </a:prstGeom>
+          <a:noFill/>
+        </p:spPr>
+        <p:txBody>
+          <a:bodyPr wrap="none" lIns="0" tIns="45720" rIns="0" bIns="0" rtlCol="0" anchor="ctr">
+            <a:noAutofit/>
+          </a:bodyPr>
+          <a:lstStyle/>
+          <a:p>
+            <a:r>
+              <a:rPr lang="pt-PT" sz="3200" noProof="0" dirty="0">
+                <a:solidFill>
+                  <a:srgbClr val="0866FF"/>
+                </a:solidFill>
+                <a:latin typeface="Klavika Bold" panose="02000806040000020004" pitchFamily="50" charset="0"/>
+              </a:rPr>
+              <a:t>Variáveis</a:t>
+            </a:r>
+          </a:p>
+        </p:txBody>
+      </p:sp>
+      <p:sp>
+        <p:nvSpPr>
+          <p:cNvPr id="19" name="TextBox 18">
+            <a:extLst>
+              <a:ext uri="{FF2B5EF4-FFF2-40B4-BE49-F238E27FC236}">
+                <a16:creationId xmlns:a16="http://schemas.microsoft.com/office/drawing/2014/main" id="{22860E0E-EED5-2B8C-5362-F428788C71F3}"/>
+              </a:ext>
+            </a:extLst>
+          </p:cNvPr>
+          <p:cNvSpPr txBox="1"/>
+          <p:nvPr/>
+        </p:nvSpPr>
+        <p:spPr>
+          <a:xfrm>
+            <a:off x="8534400" y="457200"/>
+            <a:ext cx="2819400" cy="457200"/>
+          </a:xfrm>
+          <a:prstGeom prst="rect">
+            <a:avLst/>
+          </a:prstGeom>
+          <a:noFill/>
+        </p:spPr>
+        <p:txBody>
+          <a:bodyPr wrap="square" rtlCol="0" anchor="ctr">
+            <a:noAutofit/>
+          </a:bodyPr>
+          <a:lstStyle/>
+          <a:p>
+            <a:pPr algn="r"/>
+            <a:r>
+              <a:rPr lang="pt-PT" sz="1200" b="1" noProof="0" dirty="0"/>
+              <a:t>Facebook</a:t>
+            </a:r>
+          </a:p>
+          <a:p>
+            <a:pPr algn="r"/>
+            <a:r>
+              <a:rPr lang="pt-PT" sz="1200" noProof="0" dirty="0"/>
+              <a:t>Métricas de Interação | Fase 2</a:t>
+            </a:r>
+          </a:p>
+        </p:txBody>
+      </p:sp>
+      <p:graphicFrame>
+        <p:nvGraphicFramePr>
+          <p:cNvPr id="3" name="Table 2">
+            <a:extLst>
+              <a:ext uri="{FF2B5EF4-FFF2-40B4-BE49-F238E27FC236}">
+                <a16:creationId xmlns:a16="http://schemas.microsoft.com/office/drawing/2014/main" id="{27B3B5ED-497F-5B4F-0B1D-FA41236F38EF}"/>
+              </a:ext>
+            </a:extLst>
+          </p:cNvPr>
+          <p:cNvGraphicFramePr>
+            <a:graphicFrameLocks noGrp="1"/>
+          </p:cNvGraphicFramePr>
+          <p:nvPr>
+            <p:extLst>
+              <p:ext uri="{D42A27DB-BD31-4B8C-83A1-F6EECF244321}">
+                <p14:modId xmlns:p14="http://schemas.microsoft.com/office/powerpoint/2010/main" val="588787499"/>
+              </p:ext>
+            </p:extLst>
+          </p:nvPr>
+        </p:nvGraphicFramePr>
+        <p:xfrm>
+          <a:off x="838200" y="1122611"/>
+          <a:ext cx="10515600" cy="4993776"/>
+        </p:xfrm>
+        <a:graphic>
+          <a:graphicData uri="http://schemas.openxmlformats.org/drawingml/2006/table">
+            <a:tbl>
+              <a:tblPr firstRow="1" bandRow="1">
+                <a:tableStyleId>{2D5ABB26-0587-4C30-8999-92F81FD0307C}</a:tableStyleId>
+              </a:tblPr>
+              <a:tblGrid>
+                <a:gridCol w="476857">
+                  <a:extLst>
+                    <a:ext uri="{9D8B030D-6E8A-4147-A177-3AD203B41FA5}">
+                      <a16:colId xmlns:a16="http://schemas.microsoft.com/office/drawing/2014/main" val="2250048251"/>
+                    </a:ext>
+                  </a:extLst>
+                </a:gridCol>
+                <a:gridCol w="2180618">
+                  <a:extLst>
+                    <a:ext uri="{9D8B030D-6E8A-4147-A177-3AD203B41FA5}">
+                      <a16:colId xmlns:a16="http://schemas.microsoft.com/office/drawing/2014/main" val="2666622705"/>
+                    </a:ext>
+                  </a:extLst>
+                </a:gridCol>
+                <a:gridCol w="1238250">
+                  <a:extLst>
+                    <a:ext uri="{9D8B030D-6E8A-4147-A177-3AD203B41FA5}">
+                      <a16:colId xmlns:a16="http://schemas.microsoft.com/office/drawing/2014/main" val="2520955974"/>
+                    </a:ext>
+                  </a:extLst>
+                </a:gridCol>
+                <a:gridCol w="914400">
+                  <a:extLst>
+                    <a:ext uri="{9D8B030D-6E8A-4147-A177-3AD203B41FA5}">
+                      <a16:colId xmlns:a16="http://schemas.microsoft.com/office/drawing/2014/main" val="1336571727"/>
+                    </a:ext>
+                  </a:extLst>
+                </a:gridCol>
+                <a:gridCol w="5705475">
+                  <a:extLst>
+                    <a:ext uri="{9D8B030D-6E8A-4147-A177-3AD203B41FA5}">
+                      <a16:colId xmlns:a16="http://schemas.microsoft.com/office/drawing/2014/main" val="1421136256"/>
+                    </a:ext>
+                  </a:extLst>
+                </a:gridCol>
+              </a:tblGrid>
+              <a:tr h="534286">
+                <a:tc>
+                  <a:txBody>
+                    <a:bodyPr/>
+                    <a:lstStyle/>
+                    <a:p>
+                      <a:pPr algn="ctr">
+                        <a:spcBef>
+                          <a:spcPts val="300"/>
+                        </a:spcBef>
+                        <a:spcAft>
+                          <a:spcPts val="300"/>
+                        </a:spcAft>
+                        <a:buNone/>
+                      </a:pPr>
+                      <a:r>
+                        <a:rPr lang="pt-PT" sz="1400" b="1" noProof="0">
+                          <a:solidFill>
+                            <a:schemeClr val="bg1"/>
+                          </a:solidFill>
+                        </a:rPr>
+                        <a:t>E</a:t>
+                      </a:r>
+                    </a:p>
+                  </a:txBody>
+                  <a:tcPr marL="68580" marR="68580" marT="0" marB="0" anchor="ctr">
+                    <a:lnL w="9525" cap="flat" cmpd="sng" algn="ctr">
+                      <a:solidFill>
+                        <a:schemeClr val="tx1"/>
+                      </a:solidFill>
+                      <a:prstDash val="solid"/>
+                      <a:round/>
+                      <a:headEnd type="none" w="med" len="med"/>
+                      <a:tailEnd type="none" w="med" len="med"/>
+                    </a:lnL>
+                    <a:lnT w="9525" cap="flat" cmpd="sng" algn="ctr">
+                      <a:solidFill>
+                        <a:schemeClr val="tx1"/>
+                      </a:solidFill>
+                      <a:prstDash val="solid"/>
+                      <a:round/>
+                      <a:headEnd type="none" w="med" len="med"/>
+                      <a:tailEnd type="none" w="med" len="med"/>
+                    </a:lnT>
+                    <a:solidFill>
+                      <a:srgbClr val="0866FF"/>
+                    </a:solidFill>
+                  </a:tcPr>
+                </a:tc>
+                <a:tc>
+                  <a:txBody>
+                    <a:bodyPr/>
+                    <a:lstStyle/>
+                    <a:p>
+                      <a:pPr algn="ctr">
+                        <a:spcBef>
+                          <a:spcPts val="300"/>
+                        </a:spcBef>
+                        <a:spcAft>
+                          <a:spcPts val="300"/>
+                        </a:spcAft>
+                        <a:buNone/>
+                      </a:pPr>
+                      <a:r>
+                        <a:rPr lang="pt-PT" sz="1400" b="1" noProof="0" dirty="0">
+                          <a:solidFill>
+                            <a:schemeClr val="bg1"/>
+                          </a:solidFill>
+                        </a:rPr>
+                        <a:t>Variável</a:t>
+                      </a:r>
+                    </a:p>
+                  </a:txBody>
+                  <a:tcPr marL="68580" marR="68580" marT="0" marB="0" anchor="ctr">
+                    <a:lnT w="9525" cap="flat" cmpd="sng" algn="ctr">
+                      <a:solidFill>
+                        <a:schemeClr val="tx1"/>
+                      </a:solidFill>
+                      <a:prstDash val="solid"/>
+                      <a:round/>
+                      <a:headEnd type="none" w="med" len="med"/>
+                      <a:tailEnd type="none" w="med" len="med"/>
+                    </a:lnT>
+                    <a:solidFill>
+                      <a:srgbClr val="0866FF"/>
+                    </a:solidFill>
+                  </a:tcPr>
+                </a:tc>
+                <a:tc>
+                  <a:txBody>
+                    <a:bodyPr/>
+                    <a:lstStyle/>
+                    <a:p>
+                      <a:pPr algn="ctr">
+                        <a:spcBef>
+                          <a:spcPts val="300"/>
+                        </a:spcBef>
+                        <a:spcAft>
+                          <a:spcPts val="300"/>
+                        </a:spcAft>
+                        <a:buNone/>
+                      </a:pPr>
+                      <a:r>
+                        <a:rPr lang="pt-PT" sz="1400" b="1" noProof="0">
+                          <a:solidFill>
+                            <a:schemeClr val="bg1"/>
+                          </a:solidFill>
+                        </a:rPr>
+                        <a:t>Tipo</a:t>
+                      </a:r>
+                    </a:p>
+                  </a:txBody>
+                  <a:tcPr marL="68580" marR="68580" marT="0" marB="0" anchor="ctr">
+                    <a:lnT w="9525" cap="flat" cmpd="sng" algn="ctr">
+                      <a:solidFill>
+                        <a:schemeClr val="tx1"/>
+                      </a:solidFill>
+                      <a:prstDash val="solid"/>
+                      <a:round/>
+                      <a:headEnd type="none" w="med" len="med"/>
+                      <a:tailEnd type="none" w="med" len="med"/>
+                    </a:lnT>
+                    <a:solidFill>
+                      <a:srgbClr val="0866FF"/>
+                    </a:solidFill>
+                  </a:tcPr>
+                </a:tc>
+                <a:tc>
+                  <a:txBody>
+                    <a:bodyPr/>
+                    <a:lstStyle/>
+                    <a:p>
+                      <a:pPr algn="ctr">
+                        <a:spcBef>
+                          <a:spcPts val="300"/>
+                        </a:spcBef>
+                        <a:spcAft>
+                          <a:spcPts val="300"/>
+                        </a:spcAft>
+                        <a:buNone/>
+                      </a:pPr>
+                      <a:r>
+                        <a:rPr lang="pt-PT" sz="1400" b="1" noProof="0" err="1">
+                          <a:solidFill>
+                            <a:schemeClr val="bg1"/>
+                          </a:solidFill>
+                        </a:rPr>
+                        <a:t>Sub-Tipo</a:t>
+                      </a:r>
+                      <a:endParaRPr lang="pt-PT" sz="1400" b="1" noProof="0">
+                        <a:solidFill>
+                          <a:schemeClr val="bg1"/>
+                        </a:solidFill>
+                      </a:endParaRPr>
+                    </a:p>
+                  </a:txBody>
+                  <a:tcPr marL="68580" marR="68580" marT="0" marB="0" anchor="ctr">
+                    <a:lnT w="9525" cap="flat" cmpd="sng" algn="ctr">
+                      <a:solidFill>
+                        <a:schemeClr val="tx1"/>
+                      </a:solidFill>
+                      <a:prstDash val="solid"/>
+                      <a:round/>
+                      <a:headEnd type="none" w="med" len="med"/>
+                      <a:tailEnd type="none" w="med" len="med"/>
+                    </a:lnT>
+                    <a:solidFill>
+                      <a:srgbClr val="0866FF"/>
+                    </a:solidFill>
+                  </a:tcPr>
+                </a:tc>
+                <a:tc>
+                  <a:txBody>
+                    <a:bodyPr/>
+                    <a:lstStyle/>
+                    <a:p>
+                      <a:r>
+                        <a:rPr lang="pt-PT" sz="1400" b="1" noProof="0">
+                          <a:solidFill>
+                            <a:schemeClr val="bg1"/>
+                          </a:solidFill>
+                        </a:rPr>
+                        <a:t>Descrição</a:t>
+                      </a:r>
+                    </a:p>
+                  </a:txBody>
+                  <a:tcPr anchor="ctr">
+                    <a:lnR w="9525" cap="flat" cmpd="sng" algn="ctr">
+                      <a:solidFill>
+                        <a:schemeClr val="tx1"/>
+                      </a:solidFill>
+                      <a:prstDash val="solid"/>
+                      <a:round/>
+                      <a:headEnd type="none" w="med" len="med"/>
+                      <a:tailEnd type="none" w="med" len="med"/>
+                    </a:lnR>
+                    <a:lnT w="9525" cap="flat" cmpd="sng" algn="ctr">
+                      <a:solidFill>
+                        <a:schemeClr val="tx1"/>
+                      </a:solidFill>
+                      <a:prstDash val="solid"/>
+                      <a:round/>
+                      <a:headEnd type="none" w="med" len="med"/>
+                      <a:tailEnd type="none" w="med" len="med"/>
+                    </a:lnT>
+                    <a:solidFill>
+                      <a:srgbClr val="0866FF"/>
+                    </a:solidFill>
+                  </a:tcPr>
+                </a:tc>
+                <a:extLst>
+                  <a:ext uri="{0D108BD9-81ED-4DB2-BD59-A6C34878D82A}">
+                    <a16:rowId xmlns:a16="http://schemas.microsoft.com/office/drawing/2014/main" val="1624116784"/>
+                  </a:ext>
+                </a:extLst>
+              </a:tr>
+              <a:tr h="398551">
+                <a:tc>
+                  <a:txBody>
+                    <a:bodyPr/>
+                    <a:lstStyle/>
+                    <a:p>
+                      <a:pPr algn="ctr">
+                        <a:spcBef>
+                          <a:spcPts val="300"/>
+                        </a:spcBef>
+                        <a:spcAft>
+                          <a:spcPts val="300"/>
+                        </a:spcAft>
+                        <a:buNone/>
+                      </a:pPr>
+                      <a:r>
+                        <a:rPr lang="pt-PT" sz="1200" b="1" noProof="0" dirty="0"/>
+                        <a:t>I</a:t>
+                      </a:r>
+                    </a:p>
+                  </a:txBody>
+                  <a:tcPr marL="68580" marR="68580" marT="0" marB="0" anchor="ctr">
+                    <a:lnL w="9525" cap="flat" cmpd="sng" algn="ctr">
+                      <a:solidFill>
+                        <a:schemeClr val="tx1"/>
+                      </a:solidFill>
+                      <a:prstDash val="solid"/>
+                      <a:round/>
+                      <a:headEnd type="none" w="med" len="med"/>
+                      <a:tailEnd type="none" w="med" len="med"/>
+                    </a:lnL>
+                    <a:solidFill>
+                      <a:schemeClr val="accent1">
+                        <a:lumMod val="20000"/>
+                        <a:lumOff val="80000"/>
+                      </a:schemeClr>
+                    </a:solidFill>
+                  </a:tcPr>
+                </a:tc>
+                <a:tc>
+                  <a:txBody>
+                    <a:bodyPr/>
+                    <a:lstStyle/>
+                    <a:p>
+                      <a:pPr algn="ctr">
+                        <a:spcBef>
+                          <a:spcPts val="300"/>
+                        </a:spcBef>
+                        <a:spcAft>
+                          <a:spcPts val="300"/>
+                        </a:spcAft>
+                        <a:buNone/>
+                      </a:pPr>
+                      <a:r>
+                        <a:rPr lang="pt-PT" sz="1200" b="1" noProof="0" dirty="0" err="1"/>
+                        <a:t>Type</a:t>
+                      </a:r>
+                      <a:endParaRPr lang="pt-PT" sz="1200" b="1" noProof="0" dirty="0"/>
+                    </a:p>
+                  </a:txBody>
+                  <a:tcPr marL="68580" marR="68580" marT="0" marB="0" anchor="ctr">
+                    <a:solidFill>
+                      <a:schemeClr val="accent1">
+                        <a:lumMod val="20000"/>
+                        <a:lumOff val="80000"/>
+                      </a:schemeClr>
+                    </a:solidFill>
+                  </a:tcPr>
+                </a:tc>
+                <a:tc>
+                  <a:txBody>
+                    <a:bodyPr/>
+                    <a:lstStyle/>
+                    <a:p>
+                      <a:pPr algn="ctr">
+                        <a:spcBef>
+                          <a:spcPts val="300"/>
+                        </a:spcBef>
+                        <a:spcAft>
+                          <a:spcPts val="300"/>
+                        </a:spcAft>
+                        <a:buNone/>
+                      </a:pPr>
+                      <a:r>
+                        <a:rPr lang="pt-PT" sz="1200" b="1" noProof="0" dirty="0"/>
+                        <a:t>Qualitativa</a:t>
+                      </a:r>
+                    </a:p>
+                  </a:txBody>
+                  <a:tcPr marL="68580" marR="68580" marT="0" marB="0" anchor="ctr">
+                    <a:solidFill>
+                      <a:schemeClr val="accent1">
+                        <a:lumMod val="20000"/>
+                        <a:lumOff val="80000"/>
+                      </a:schemeClr>
+                    </a:solidFill>
+                  </a:tcPr>
+                </a:tc>
+                <a:tc>
+                  <a:txBody>
+                    <a:bodyPr/>
+                    <a:lstStyle/>
+                    <a:p>
+                      <a:pPr algn="ctr">
+                        <a:spcBef>
+                          <a:spcPts val="300"/>
+                        </a:spcBef>
+                        <a:spcAft>
+                          <a:spcPts val="300"/>
+                        </a:spcAft>
+                        <a:buNone/>
+                      </a:pPr>
+                      <a:r>
+                        <a:rPr lang="pt-PT" sz="1200" b="1" noProof="0" dirty="0"/>
+                        <a:t>Nominal</a:t>
+                      </a:r>
+                    </a:p>
+                  </a:txBody>
+                  <a:tcPr marL="68580" marR="68580" marT="0" marB="0" anchor="ctr">
+                    <a:solidFill>
+                      <a:schemeClr val="accent1">
+                        <a:lumMod val="20000"/>
+                        <a:lumOff val="80000"/>
+                      </a:schemeClr>
+                    </a:solidFill>
+                  </a:tcPr>
+                </a:tc>
+                <a:tc>
+                  <a:txBody>
+                    <a:bodyPr/>
+                    <a:lstStyle/>
+                    <a:p>
+                      <a:r>
+                        <a:rPr lang="pt-BR" sz="1200" b="1" noProof="0" dirty="0"/>
+                        <a:t>Tipo de publicação (foto, link ou estado).</a:t>
+                      </a:r>
+                      <a:endParaRPr lang="pt-PT" sz="1200" b="1" noProof="0" dirty="0"/>
+                    </a:p>
+                  </a:txBody>
+                  <a:tcPr anchor="ctr">
+                    <a:lnR w="9525" cap="flat" cmpd="sng" algn="ctr">
+                      <a:solidFill>
+                        <a:schemeClr val="tx1"/>
+                      </a:solidFill>
+                      <a:prstDash val="solid"/>
+                      <a:round/>
+                      <a:headEnd type="none" w="med" len="med"/>
+                      <a:tailEnd type="none" w="med" len="med"/>
+                    </a:lnR>
+                    <a:solidFill>
+                      <a:schemeClr val="accent1">
+                        <a:lumMod val="20000"/>
+                        <a:lumOff val="80000"/>
+                      </a:schemeClr>
+                    </a:solidFill>
+                  </a:tcPr>
+                </a:tc>
+                <a:extLst>
+                  <a:ext uri="{0D108BD9-81ED-4DB2-BD59-A6C34878D82A}">
+                    <a16:rowId xmlns:a16="http://schemas.microsoft.com/office/drawing/2014/main" val="3465758157"/>
+                  </a:ext>
+                </a:extLst>
+              </a:tr>
+              <a:tr h="387859">
+                <a:tc>
+                  <a:txBody>
+                    <a:bodyPr/>
+                    <a:lstStyle/>
+                    <a:p>
+                      <a:pPr algn="ctr">
+                        <a:spcBef>
+                          <a:spcPts val="300"/>
+                        </a:spcBef>
+                        <a:spcAft>
+                          <a:spcPts val="300"/>
+                        </a:spcAft>
+                        <a:buNone/>
+                      </a:pPr>
+                      <a:r>
+                        <a:rPr lang="pt-PT" sz="1200" b="1" noProof="0"/>
+                        <a:t>II</a:t>
+                      </a:r>
+                    </a:p>
+                  </a:txBody>
+                  <a:tcPr marL="68580" marR="68580" marT="0" marB="0" anchor="ctr">
+                    <a:lnL w="9525" cap="flat" cmpd="sng" algn="ctr">
+                      <a:solidFill>
+                        <a:schemeClr val="tx1"/>
+                      </a:solidFill>
+                      <a:prstDash val="solid"/>
+                      <a:round/>
+                      <a:headEnd type="none" w="med" len="med"/>
+                      <a:tailEnd type="none" w="med" len="med"/>
+                    </a:lnL>
+                    <a:solidFill>
+                      <a:schemeClr val="accent1">
+                        <a:lumMod val="20000"/>
+                        <a:lumOff val="80000"/>
+                      </a:schemeClr>
+                    </a:solidFill>
+                  </a:tcPr>
+                </a:tc>
+                <a:tc>
+                  <a:txBody>
+                    <a:bodyPr/>
+                    <a:lstStyle/>
+                    <a:p>
+                      <a:pPr algn="ctr">
+                        <a:spcBef>
+                          <a:spcPts val="300"/>
+                        </a:spcBef>
+                        <a:spcAft>
+                          <a:spcPts val="300"/>
+                        </a:spcAft>
+                        <a:buNone/>
+                      </a:pPr>
+                      <a:r>
+                        <a:rPr lang="pt-PT" sz="1200" b="1" noProof="0" dirty="0" err="1"/>
+                        <a:t>Category</a:t>
+                      </a:r>
+                      <a:endParaRPr lang="pt-PT" sz="1200" b="1" noProof="0" dirty="0"/>
+                    </a:p>
+                  </a:txBody>
+                  <a:tcPr marL="68580" marR="68580" marT="0" marB="0" anchor="ctr">
+                    <a:solidFill>
+                      <a:schemeClr val="accent1">
+                        <a:lumMod val="20000"/>
+                        <a:lumOff val="80000"/>
+                      </a:schemeClr>
+                    </a:solidFill>
+                  </a:tcPr>
+                </a:tc>
+                <a:tc>
+                  <a:txBody>
+                    <a:bodyPr/>
+                    <a:lstStyle/>
+                    <a:p>
+                      <a:pPr algn="ctr">
+                        <a:spcBef>
+                          <a:spcPts val="300"/>
+                        </a:spcBef>
+                        <a:spcAft>
+                          <a:spcPts val="300"/>
+                        </a:spcAft>
+                        <a:buNone/>
+                      </a:pPr>
+                      <a:r>
+                        <a:rPr lang="pt-PT" sz="1200" b="1" noProof="0"/>
+                        <a:t>Qualitativa</a:t>
+                      </a:r>
+                    </a:p>
+                  </a:txBody>
+                  <a:tcPr marL="68580" marR="68580" marT="0" marB="0" anchor="ctr">
+                    <a:solidFill>
+                      <a:schemeClr val="accent1">
+                        <a:lumMod val="20000"/>
+                        <a:lumOff val="80000"/>
+                      </a:schemeClr>
+                    </a:solidFill>
+                  </a:tcPr>
+                </a:tc>
+                <a:tc>
+                  <a:txBody>
+                    <a:bodyPr/>
+                    <a:lstStyle/>
+                    <a:p>
+                      <a:pPr algn="ctr">
+                        <a:spcBef>
+                          <a:spcPts val="300"/>
+                        </a:spcBef>
+                        <a:spcAft>
+                          <a:spcPts val="300"/>
+                        </a:spcAft>
+                        <a:buNone/>
+                      </a:pPr>
+                      <a:r>
+                        <a:rPr lang="pt-PT" sz="1200" b="1" noProof="0"/>
+                        <a:t>Nominal</a:t>
+                      </a:r>
+                    </a:p>
+                  </a:txBody>
+                  <a:tcPr marL="68580" marR="68580" marT="0" marB="0" anchor="ctr">
+                    <a:solidFill>
+                      <a:schemeClr val="accent1">
+                        <a:lumMod val="20000"/>
+                        <a:lumOff val="80000"/>
+                      </a:schemeClr>
+                    </a:solidFill>
+                  </a:tcPr>
+                </a:tc>
+                <a:tc>
+                  <a:txBody>
+                    <a:bodyPr/>
+                    <a:lstStyle/>
+                    <a:p>
+                      <a:r>
+                        <a:rPr lang="pt-BR" sz="1200" b="1" noProof="0"/>
+                        <a:t>Intuito da publicação (ação, produto ou inspiração).</a:t>
+                      </a:r>
+                      <a:endParaRPr lang="pt-PT" sz="1200" b="1" noProof="0"/>
+                    </a:p>
+                  </a:txBody>
+                  <a:tcPr anchor="ctr">
+                    <a:lnR w="9525" cap="flat" cmpd="sng" algn="ctr">
+                      <a:solidFill>
+                        <a:schemeClr val="tx1"/>
+                      </a:solidFill>
+                      <a:prstDash val="solid"/>
+                      <a:round/>
+                      <a:headEnd type="none" w="med" len="med"/>
+                      <a:tailEnd type="none" w="med" len="med"/>
+                    </a:lnR>
+                    <a:solidFill>
+                      <a:schemeClr val="accent1">
+                        <a:lumMod val="20000"/>
+                        <a:lumOff val="80000"/>
+                      </a:schemeClr>
+                    </a:solidFill>
+                  </a:tcPr>
+                </a:tc>
+                <a:extLst>
+                  <a:ext uri="{0D108BD9-81ED-4DB2-BD59-A6C34878D82A}">
+                    <a16:rowId xmlns:a16="http://schemas.microsoft.com/office/drawing/2014/main" val="749202451"/>
+                  </a:ext>
+                </a:extLst>
+              </a:tr>
+              <a:tr h="387859">
+                <a:tc>
+                  <a:txBody>
+                    <a:bodyPr/>
+                    <a:lstStyle/>
+                    <a:p>
+                      <a:pPr algn="ctr">
+                        <a:spcBef>
+                          <a:spcPts val="300"/>
+                        </a:spcBef>
+                        <a:spcAft>
+                          <a:spcPts val="300"/>
+                        </a:spcAft>
+                        <a:buNone/>
+                      </a:pPr>
+                      <a:r>
+                        <a:rPr lang="pt-PT" sz="1200" b="1" noProof="0"/>
+                        <a:t>III</a:t>
+                      </a:r>
+                    </a:p>
+                  </a:txBody>
+                  <a:tcPr marL="68580" marR="68580" marT="0" marB="0" anchor="ctr">
+                    <a:lnL w="9525" cap="flat" cmpd="sng" algn="ctr">
+                      <a:solidFill>
+                        <a:schemeClr val="tx1"/>
+                      </a:solidFill>
+                      <a:prstDash val="solid"/>
+                      <a:round/>
+                      <a:headEnd type="none" w="med" len="med"/>
+                      <a:tailEnd type="none" w="med" len="med"/>
+                    </a:lnL>
+                    <a:solidFill>
+                      <a:schemeClr val="accent1">
+                        <a:lumMod val="20000"/>
+                        <a:lumOff val="80000"/>
+                      </a:schemeClr>
+                    </a:solidFill>
+                  </a:tcPr>
+                </a:tc>
+                <a:tc>
+                  <a:txBody>
+                    <a:bodyPr/>
+                    <a:lstStyle/>
+                    <a:p>
+                      <a:pPr algn="ctr">
+                        <a:spcBef>
+                          <a:spcPts val="300"/>
+                        </a:spcBef>
+                        <a:spcAft>
+                          <a:spcPts val="300"/>
+                        </a:spcAft>
+                        <a:buNone/>
+                      </a:pPr>
+                      <a:r>
+                        <a:rPr lang="pt-PT" sz="1200" b="1" noProof="0" err="1"/>
+                        <a:t>Paid</a:t>
+                      </a:r>
+                      <a:endParaRPr lang="pt-PT" sz="1200" b="1" noProof="0"/>
+                    </a:p>
+                  </a:txBody>
+                  <a:tcPr marL="68580" marR="68580" marT="0" marB="0" anchor="ctr">
+                    <a:solidFill>
+                      <a:schemeClr val="accent1">
+                        <a:lumMod val="20000"/>
+                        <a:lumOff val="80000"/>
+                      </a:schemeClr>
+                    </a:solidFill>
+                  </a:tcPr>
+                </a:tc>
+                <a:tc>
+                  <a:txBody>
+                    <a:bodyPr/>
+                    <a:lstStyle/>
+                    <a:p>
+                      <a:pPr algn="ctr">
+                        <a:spcBef>
+                          <a:spcPts val="300"/>
+                        </a:spcBef>
+                        <a:spcAft>
+                          <a:spcPts val="300"/>
+                        </a:spcAft>
+                        <a:buNone/>
+                      </a:pPr>
+                      <a:r>
+                        <a:rPr lang="pt-PT" sz="1200" b="1" noProof="0" dirty="0"/>
+                        <a:t>Qualitativa</a:t>
+                      </a:r>
+                    </a:p>
+                  </a:txBody>
+                  <a:tcPr marL="68580" marR="68580" marT="0" marB="0" anchor="ctr">
+                    <a:solidFill>
+                      <a:schemeClr val="accent1">
+                        <a:lumMod val="20000"/>
+                        <a:lumOff val="80000"/>
+                      </a:schemeClr>
+                    </a:solidFill>
+                  </a:tcPr>
+                </a:tc>
+                <a:tc>
+                  <a:txBody>
+                    <a:bodyPr/>
+                    <a:lstStyle/>
+                    <a:p>
+                      <a:pPr algn="ctr">
+                        <a:spcBef>
+                          <a:spcPts val="300"/>
+                        </a:spcBef>
+                        <a:spcAft>
+                          <a:spcPts val="300"/>
+                        </a:spcAft>
+                        <a:buNone/>
+                      </a:pPr>
+                      <a:r>
+                        <a:rPr lang="pt-PT" sz="1200" b="1" noProof="0" dirty="0"/>
+                        <a:t>Nominal</a:t>
+                      </a:r>
+                    </a:p>
+                  </a:txBody>
+                  <a:tcPr marL="68580" marR="68580" marT="0" marB="0" anchor="ctr">
+                    <a:solidFill>
+                      <a:schemeClr val="accent1">
+                        <a:lumMod val="20000"/>
+                        <a:lumOff val="80000"/>
+                      </a:schemeClr>
+                    </a:solidFill>
+                  </a:tcPr>
+                </a:tc>
+                <a:tc>
+                  <a:txBody>
+                    <a:bodyPr/>
+                    <a:lstStyle/>
+                    <a:p>
+                      <a:r>
+                        <a:rPr lang="pt-BR" sz="1200" b="1" noProof="0" dirty="0"/>
+                        <a:t>Indica se a publicação é patrocinadaa.</a:t>
+                      </a:r>
+                      <a:endParaRPr lang="pt-PT" sz="1200" b="1" noProof="0" dirty="0"/>
+                    </a:p>
+                  </a:txBody>
+                  <a:tcPr anchor="ctr">
+                    <a:lnR w="9525" cap="flat" cmpd="sng" algn="ctr">
+                      <a:solidFill>
+                        <a:schemeClr val="tx1"/>
+                      </a:solidFill>
+                      <a:prstDash val="solid"/>
+                      <a:round/>
+                      <a:headEnd type="none" w="med" len="med"/>
+                      <a:tailEnd type="none" w="med" len="med"/>
+                    </a:lnR>
+                    <a:solidFill>
+                      <a:schemeClr val="accent1">
+                        <a:lumMod val="20000"/>
+                        <a:lumOff val="80000"/>
+                      </a:schemeClr>
+                    </a:solidFill>
+                  </a:tcPr>
+                </a:tc>
+                <a:extLst>
+                  <a:ext uri="{0D108BD9-81ED-4DB2-BD59-A6C34878D82A}">
+                    <a16:rowId xmlns:a16="http://schemas.microsoft.com/office/drawing/2014/main" val="1377538796"/>
+                  </a:ext>
+                </a:extLst>
+              </a:tr>
+              <a:tr h="387859">
+                <a:tc>
+                  <a:txBody>
+                    <a:bodyPr/>
+                    <a:lstStyle/>
+                    <a:p>
+                      <a:pPr algn="ctr">
+                        <a:spcBef>
+                          <a:spcPts val="300"/>
+                        </a:spcBef>
+                        <a:spcAft>
+                          <a:spcPts val="300"/>
+                        </a:spcAft>
+                        <a:buNone/>
+                      </a:pPr>
+                      <a:r>
+                        <a:rPr lang="pt-PT" sz="1200" noProof="0" dirty="0">
+                          <a:solidFill>
+                            <a:schemeClr val="bg1">
+                              <a:lumMod val="50000"/>
+                            </a:schemeClr>
+                          </a:solidFill>
+                        </a:rPr>
+                        <a:t>IV</a:t>
+                      </a:r>
+                    </a:p>
+                  </a:txBody>
+                  <a:tcPr marL="68580" marR="68580" marT="0" marB="0" anchor="ctr">
+                    <a:lnL w="9525" cap="flat" cmpd="sng" algn="ctr">
+                      <a:solidFill>
+                        <a:schemeClr val="tx1"/>
+                      </a:solidFill>
+                      <a:prstDash val="solid"/>
+                      <a:round/>
+                      <a:headEnd type="none" w="med" len="med"/>
+                      <a:tailEnd type="none" w="med" len="med"/>
+                    </a:lnL>
+                    <a:solidFill>
+                      <a:schemeClr val="tx2">
+                        <a:lumMod val="25000"/>
+                        <a:lumOff val="75000"/>
+                      </a:schemeClr>
+                    </a:solidFill>
+                  </a:tcPr>
+                </a:tc>
+                <a:tc>
+                  <a:txBody>
+                    <a:bodyPr/>
+                    <a:lstStyle/>
+                    <a:p>
+                      <a:pPr algn="ctr">
+                        <a:spcBef>
+                          <a:spcPts val="300"/>
+                        </a:spcBef>
+                        <a:spcAft>
+                          <a:spcPts val="300"/>
+                        </a:spcAft>
+                        <a:buNone/>
+                      </a:pPr>
+                      <a:r>
+                        <a:rPr lang="pt-PT" sz="1200" noProof="0" dirty="0" err="1">
+                          <a:solidFill>
+                            <a:schemeClr val="bg1">
+                              <a:lumMod val="50000"/>
+                            </a:schemeClr>
+                          </a:solidFill>
+                        </a:rPr>
+                        <a:t>Month</a:t>
+                      </a:r>
+                      <a:endParaRPr lang="pt-PT" sz="1200" noProof="0" dirty="0">
+                        <a:solidFill>
+                          <a:schemeClr val="bg1">
+                            <a:lumMod val="50000"/>
+                          </a:schemeClr>
+                        </a:solidFill>
+                      </a:endParaRPr>
+                    </a:p>
+                  </a:txBody>
+                  <a:tcPr marL="68580" marR="68580" marT="0" marB="0" anchor="ctr">
+                    <a:solidFill>
+                      <a:schemeClr val="tx2">
+                        <a:lumMod val="25000"/>
+                        <a:lumOff val="75000"/>
+                      </a:schemeClr>
+                    </a:solidFill>
+                  </a:tcPr>
+                </a:tc>
+                <a:tc>
+                  <a:txBody>
+                    <a:bodyPr/>
+                    <a:lstStyle/>
+                    <a:p>
+                      <a:pPr algn="ctr">
+                        <a:spcBef>
+                          <a:spcPts val="300"/>
+                        </a:spcBef>
+                        <a:spcAft>
+                          <a:spcPts val="300"/>
+                        </a:spcAft>
+                        <a:buNone/>
+                      </a:pPr>
+                      <a:r>
+                        <a:rPr lang="pt-PT" sz="1200" noProof="0" dirty="0">
+                          <a:solidFill>
+                            <a:schemeClr val="bg1">
+                              <a:lumMod val="50000"/>
+                            </a:schemeClr>
+                          </a:solidFill>
+                        </a:rPr>
+                        <a:t>Qualitativa</a:t>
+                      </a:r>
+                    </a:p>
+                  </a:txBody>
+                  <a:tcPr marL="68580" marR="68580" marT="0" marB="0" anchor="ctr">
+                    <a:solidFill>
+                      <a:schemeClr val="tx2">
+                        <a:lumMod val="25000"/>
+                        <a:lumOff val="75000"/>
+                      </a:schemeClr>
+                    </a:solidFill>
+                  </a:tcPr>
+                </a:tc>
+                <a:tc>
+                  <a:txBody>
+                    <a:bodyPr/>
+                    <a:lstStyle/>
+                    <a:p>
+                      <a:pPr algn="ctr">
+                        <a:spcBef>
+                          <a:spcPts val="300"/>
+                        </a:spcBef>
+                        <a:spcAft>
+                          <a:spcPts val="300"/>
+                        </a:spcAft>
+                        <a:buNone/>
+                      </a:pPr>
+                      <a:r>
+                        <a:rPr lang="pt-PT" sz="1200" noProof="0" dirty="0">
+                          <a:solidFill>
+                            <a:schemeClr val="bg1">
+                              <a:lumMod val="50000"/>
+                            </a:schemeClr>
+                          </a:solidFill>
+                        </a:rPr>
+                        <a:t>Ordinal</a:t>
+                      </a:r>
+                    </a:p>
+                  </a:txBody>
+                  <a:tcPr marL="68580" marR="68580" marT="0" marB="0" anchor="ctr">
+                    <a:solidFill>
+                      <a:schemeClr val="tx2">
+                        <a:lumMod val="25000"/>
+                        <a:lumOff val="75000"/>
+                      </a:schemeClr>
+                    </a:solidFill>
+                  </a:tcPr>
+                </a:tc>
+                <a:tc>
+                  <a:txBody>
+                    <a:bodyPr/>
+                    <a:lstStyle/>
+                    <a:p>
+                      <a:r>
+                        <a:rPr lang="pt-BR" sz="1200" noProof="0" dirty="0">
+                          <a:solidFill>
+                            <a:schemeClr val="bg1">
+                              <a:lumMod val="50000"/>
+                            </a:schemeClr>
+                          </a:solidFill>
+                        </a:rPr>
+                        <a:t>Mês em que a publicação foi realizada.</a:t>
+                      </a:r>
+                      <a:endParaRPr lang="pt-PT" sz="1200" noProof="0" dirty="0">
+                        <a:solidFill>
+                          <a:schemeClr val="bg1">
+                            <a:lumMod val="50000"/>
+                          </a:schemeClr>
+                        </a:solidFill>
+                      </a:endParaRPr>
+                    </a:p>
+                  </a:txBody>
+                  <a:tcPr anchor="ctr">
+                    <a:lnR w="9525" cap="flat" cmpd="sng" algn="ctr">
+                      <a:solidFill>
+                        <a:schemeClr val="tx1"/>
+                      </a:solidFill>
+                      <a:prstDash val="solid"/>
+                      <a:round/>
+                      <a:headEnd type="none" w="med" len="med"/>
+                      <a:tailEnd type="none" w="med" len="med"/>
+                    </a:lnR>
+                    <a:solidFill>
+                      <a:schemeClr val="tx2">
+                        <a:lumMod val="25000"/>
+                        <a:lumOff val="75000"/>
+                      </a:schemeClr>
+                    </a:solidFill>
+                  </a:tcPr>
+                </a:tc>
+                <a:extLst>
+                  <a:ext uri="{0D108BD9-81ED-4DB2-BD59-A6C34878D82A}">
+                    <a16:rowId xmlns:a16="http://schemas.microsoft.com/office/drawing/2014/main" val="3568166177"/>
+                  </a:ext>
+                </a:extLst>
+              </a:tr>
+              <a:tr h="387859">
+                <a:tc>
+                  <a:txBody>
+                    <a:bodyPr/>
+                    <a:lstStyle/>
+                    <a:p>
+                      <a:pPr algn="ctr">
+                        <a:spcBef>
+                          <a:spcPts val="300"/>
+                        </a:spcBef>
+                        <a:spcAft>
+                          <a:spcPts val="300"/>
+                        </a:spcAft>
+                        <a:buNone/>
+                      </a:pPr>
+                      <a:r>
+                        <a:rPr lang="pt-PT" sz="1200" noProof="0">
+                          <a:solidFill>
+                            <a:schemeClr val="bg1">
+                              <a:lumMod val="50000"/>
+                            </a:schemeClr>
+                          </a:solidFill>
+                        </a:rPr>
+                        <a:t>V</a:t>
+                      </a:r>
+                    </a:p>
+                  </a:txBody>
+                  <a:tcPr marL="68580" marR="68580" marT="0" marB="0" anchor="ctr">
+                    <a:lnL w="9525" cap="flat" cmpd="sng" algn="ctr">
+                      <a:solidFill>
+                        <a:schemeClr val="tx1"/>
+                      </a:solidFill>
+                      <a:prstDash val="solid"/>
+                      <a:round/>
+                      <a:headEnd type="none" w="med" len="med"/>
+                      <a:tailEnd type="none" w="med" len="med"/>
+                    </a:lnL>
+                    <a:solidFill>
+                      <a:schemeClr val="tx2">
+                        <a:lumMod val="25000"/>
+                        <a:lumOff val="75000"/>
+                      </a:schemeClr>
+                    </a:solidFill>
+                  </a:tcPr>
+                </a:tc>
+                <a:tc>
+                  <a:txBody>
+                    <a:bodyPr/>
+                    <a:lstStyle/>
+                    <a:p>
+                      <a:pPr algn="ctr">
+                        <a:spcBef>
+                          <a:spcPts val="300"/>
+                        </a:spcBef>
+                        <a:spcAft>
+                          <a:spcPts val="300"/>
+                        </a:spcAft>
+                        <a:buNone/>
+                      </a:pPr>
+                      <a:r>
+                        <a:rPr lang="pt-PT" sz="1200" noProof="0" err="1">
+                          <a:solidFill>
+                            <a:schemeClr val="bg1">
+                              <a:lumMod val="50000"/>
+                            </a:schemeClr>
+                          </a:solidFill>
+                        </a:rPr>
+                        <a:t>Weekday</a:t>
+                      </a:r>
+                      <a:endParaRPr lang="pt-PT" sz="1200" noProof="0">
+                        <a:solidFill>
+                          <a:schemeClr val="bg1">
+                            <a:lumMod val="50000"/>
+                          </a:schemeClr>
+                        </a:solidFill>
+                      </a:endParaRPr>
+                    </a:p>
+                  </a:txBody>
+                  <a:tcPr marL="68580" marR="68580" marT="0" marB="0" anchor="ctr">
+                    <a:solidFill>
+                      <a:schemeClr val="tx2">
+                        <a:lumMod val="25000"/>
+                        <a:lumOff val="75000"/>
+                      </a:schemeClr>
+                    </a:solidFill>
+                  </a:tcPr>
+                </a:tc>
+                <a:tc>
+                  <a:txBody>
+                    <a:bodyPr/>
+                    <a:lstStyle/>
+                    <a:p>
+                      <a:pPr algn="ctr">
+                        <a:spcBef>
+                          <a:spcPts val="300"/>
+                        </a:spcBef>
+                        <a:spcAft>
+                          <a:spcPts val="300"/>
+                        </a:spcAft>
+                        <a:buNone/>
+                      </a:pPr>
+                      <a:r>
+                        <a:rPr lang="pt-PT" sz="1200" noProof="0" dirty="0">
+                          <a:solidFill>
+                            <a:schemeClr val="bg1">
+                              <a:lumMod val="50000"/>
+                            </a:schemeClr>
+                          </a:solidFill>
+                        </a:rPr>
+                        <a:t>Qualitativa</a:t>
+                      </a:r>
+                    </a:p>
+                  </a:txBody>
+                  <a:tcPr marL="68580" marR="68580" marT="0" marB="0" anchor="ctr">
+                    <a:solidFill>
+                      <a:schemeClr val="tx2">
+                        <a:lumMod val="25000"/>
+                        <a:lumOff val="75000"/>
+                      </a:schemeClr>
+                    </a:solidFill>
+                  </a:tcPr>
+                </a:tc>
+                <a:tc>
+                  <a:txBody>
+                    <a:bodyPr/>
+                    <a:lstStyle/>
+                    <a:p>
+                      <a:pPr algn="ctr">
+                        <a:spcBef>
+                          <a:spcPts val="300"/>
+                        </a:spcBef>
+                        <a:spcAft>
+                          <a:spcPts val="300"/>
+                        </a:spcAft>
+                        <a:buNone/>
+                      </a:pPr>
+                      <a:r>
+                        <a:rPr lang="pt-PT" sz="1200" noProof="0" dirty="0">
+                          <a:solidFill>
+                            <a:schemeClr val="bg1">
+                              <a:lumMod val="50000"/>
+                            </a:schemeClr>
+                          </a:solidFill>
+                        </a:rPr>
+                        <a:t>Ordinal</a:t>
+                      </a:r>
+                    </a:p>
+                  </a:txBody>
+                  <a:tcPr marL="68580" marR="68580" marT="0" marB="0" anchor="ctr">
+                    <a:solidFill>
+                      <a:schemeClr val="tx2">
+                        <a:lumMod val="25000"/>
+                        <a:lumOff val="75000"/>
+                      </a:schemeClr>
+                    </a:solidFill>
+                  </a:tcPr>
+                </a:tc>
+                <a:tc>
+                  <a:txBody>
+                    <a:bodyPr/>
+                    <a:lstStyle/>
+                    <a:p>
+                      <a:r>
+                        <a:rPr lang="pt-BR" sz="1200" noProof="0" dirty="0">
+                          <a:solidFill>
+                            <a:schemeClr val="bg1">
+                              <a:lumMod val="50000"/>
+                            </a:schemeClr>
+                          </a:solidFill>
+                        </a:rPr>
+                        <a:t>Dia da semana em que a publicação foi realizada.</a:t>
+                      </a:r>
+                      <a:endParaRPr lang="pt-PT" sz="1200" noProof="0" dirty="0">
+                        <a:solidFill>
+                          <a:schemeClr val="bg1">
+                            <a:lumMod val="50000"/>
+                          </a:schemeClr>
+                        </a:solidFill>
+                      </a:endParaRPr>
+                    </a:p>
+                  </a:txBody>
+                  <a:tcPr anchor="ctr">
+                    <a:lnR w="9525" cap="flat" cmpd="sng" algn="ctr">
+                      <a:solidFill>
+                        <a:schemeClr val="tx1"/>
+                      </a:solidFill>
+                      <a:prstDash val="solid"/>
+                      <a:round/>
+                      <a:headEnd type="none" w="med" len="med"/>
+                      <a:tailEnd type="none" w="med" len="med"/>
+                    </a:lnR>
+                    <a:solidFill>
+                      <a:schemeClr val="tx2">
+                        <a:lumMod val="25000"/>
+                        <a:lumOff val="75000"/>
+                      </a:schemeClr>
+                    </a:solidFill>
+                  </a:tcPr>
+                </a:tc>
+                <a:extLst>
+                  <a:ext uri="{0D108BD9-81ED-4DB2-BD59-A6C34878D82A}">
+                    <a16:rowId xmlns:a16="http://schemas.microsoft.com/office/drawing/2014/main" val="3960005518"/>
+                  </a:ext>
+                </a:extLst>
+              </a:tr>
+              <a:tr h="387859">
+                <a:tc>
+                  <a:txBody>
+                    <a:bodyPr/>
+                    <a:lstStyle/>
+                    <a:p>
+                      <a:pPr algn="ctr">
+                        <a:spcBef>
+                          <a:spcPts val="300"/>
+                        </a:spcBef>
+                        <a:spcAft>
+                          <a:spcPts val="300"/>
+                        </a:spcAft>
+                        <a:buNone/>
+                      </a:pPr>
+                      <a:r>
+                        <a:rPr lang="pt-PT" sz="1200" b="1" noProof="0"/>
+                        <a:t>VI</a:t>
+                      </a:r>
+                    </a:p>
+                  </a:txBody>
+                  <a:tcPr marL="68580" marR="68580" marT="0" marB="0" anchor="ctr">
+                    <a:lnL w="9525" cap="flat" cmpd="sng" algn="ctr">
+                      <a:solidFill>
+                        <a:schemeClr val="tx1"/>
+                      </a:solidFill>
+                      <a:prstDash val="solid"/>
+                      <a:round/>
+                      <a:headEnd type="none" w="med" len="med"/>
+                      <a:tailEnd type="none" w="med" len="med"/>
+                    </a:lnL>
+                    <a:solidFill>
+                      <a:schemeClr val="bg1"/>
+                    </a:solidFill>
+                  </a:tcPr>
+                </a:tc>
+                <a:tc>
+                  <a:txBody>
+                    <a:bodyPr/>
+                    <a:lstStyle/>
+                    <a:p>
+                      <a:pPr algn="ctr">
+                        <a:spcBef>
+                          <a:spcPts val="300"/>
+                        </a:spcBef>
+                        <a:spcAft>
+                          <a:spcPts val="300"/>
+                        </a:spcAft>
+                        <a:buNone/>
+                      </a:pPr>
+                      <a:r>
+                        <a:rPr lang="pt-PT" sz="1200" b="1" noProof="0" dirty="0" err="1"/>
+                        <a:t>Hour</a:t>
+                      </a:r>
+                      <a:endParaRPr lang="pt-PT" sz="1200" b="1" noProof="0" dirty="0"/>
+                    </a:p>
+                  </a:txBody>
+                  <a:tcPr marL="68580" marR="68580" marT="0" marB="0" anchor="ctr">
+                    <a:solidFill>
+                      <a:schemeClr val="bg1"/>
+                    </a:solidFill>
+                  </a:tcPr>
+                </a:tc>
+                <a:tc>
+                  <a:txBody>
+                    <a:bodyPr/>
+                    <a:lstStyle/>
+                    <a:p>
+                      <a:pPr algn="ctr">
+                        <a:spcBef>
+                          <a:spcPts val="300"/>
+                        </a:spcBef>
+                        <a:spcAft>
+                          <a:spcPts val="300"/>
+                        </a:spcAft>
+                        <a:buNone/>
+                      </a:pPr>
+                      <a:r>
+                        <a:rPr lang="pt-PT" sz="1200" b="1" noProof="0"/>
+                        <a:t>Quantitativa</a:t>
+                      </a:r>
+                    </a:p>
+                  </a:txBody>
+                  <a:tcPr marL="68580" marR="68580" marT="0" marB="0" anchor="ctr">
+                    <a:solidFill>
+                      <a:schemeClr val="bg1"/>
+                    </a:solidFill>
+                  </a:tcPr>
+                </a:tc>
+                <a:tc>
+                  <a:txBody>
+                    <a:bodyPr/>
+                    <a:lstStyle/>
+                    <a:p>
+                      <a:pPr algn="ctr">
+                        <a:spcBef>
+                          <a:spcPts val="300"/>
+                        </a:spcBef>
+                        <a:spcAft>
+                          <a:spcPts val="300"/>
+                        </a:spcAft>
+                        <a:buNone/>
+                      </a:pPr>
+                      <a:r>
+                        <a:rPr lang="pt-PT" sz="1200" b="1" noProof="0"/>
+                        <a:t>Discreta</a:t>
+                      </a:r>
+                    </a:p>
+                  </a:txBody>
+                  <a:tcPr marL="68580" marR="68580" marT="0" marB="0" anchor="ctr">
+                    <a:solidFill>
+                      <a:schemeClr val="bg1"/>
+                    </a:solidFill>
+                  </a:tcPr>
+                </a:tc>
+                <a:tc>
+                  <a:txBody>
+                    <a:bodyPr/>
+                    <a:lstStyle/>
+                    <a:p>
+                      <a:r>
+                        <a:rPr lang="pt-BR" sz="1200" b="1" noProof="0" dirty="0"/>
+                        <a:t>Hora em que a publicação foi realizada.</a:t>
+                      </a:r>
+                      <a:endParaRPr lang="pt-PT" sz="1200" b="1" noProof="0" dirty="0"/>
+                    </a:p>
+                  </a:txBody>
+                  <a:tcPr anchor="ctr">
+                    <a:lnR w="9525" cap="flat" cmpd="sng" algn="ctr">
+                      <a:solidFill>
+                        <a:schemeClr val="tx1"/>
+                      </a:solidFill>
+                      <a:prstDash val="solid"/>
+                      <a:round/>
+                      <a:headEnd type="none" w="med" len="med"/>
+                      <a:tailEnd type="none" w="med" len="med"/>
+                    </a:lnR>
+                    <a:solidFill>
+                      <a:schemeClr val="bg1"/>
+                    </a:solidFill>
+                  </a:tcPr>
+                </a:tc>
+                <a:extLst>
+                  <a:ext uri="{0D108BD9-81ED-4DB2-BD59-A6C34878D82A}">
+                    <a16:rowId xmlns:a16="http://schemas.microsoft.com/office/drawing/2014/main" val="1095782635"/>
+                  </a:ext>
+                </a:extLst>
+              </a:tr>
+              <a:tr h="387859">
+                <a:tc>
+                  <a:txBody>
+                    <a:bodyPr/>
+                    <a:lstStyle/>
+                    <a:p>
+                      <a:pPr algn="ctr">
+                        <a:spcBef>
+                          <a:spcPts val="300"/>
+                        </a:spcBef>
+                        <a:spcAft>
+                          <a:spcPts val="300"/>
+                        </a:spcAft>
+                        <a:buNone/>
+                      </a:pPr>
+                      <a:r>
+                        <a:rPr lang="pt-PT" sz="1200" noProof="0" dirty="0">
+                          <a:solidFill>
+                            <a:schemeClr val="bg1">
+                              <a:lumMod val="50000"/>
+                            </a:schemeClr>
+                          </a:solidFill>
+                        </a:rPr>
+                        <a:t>VII</a:t>
+                      </a:r>
+                    </a:p>
+                  </a:txBody>
+                  <a:tcPr marL="68580" marR="68580" marT="0" marB="0" anchor="ctr">
+                    <a:lnL w="9525" cap="flat" cmpd="sng" algn="ctr">
+                      <a:solidFill>
+                        <a:schemeClr val="tx1"/>
+                      </a:solidFill>
+                      <a:prstDash val="solid"/>
+                      <a:round/>
+                      <a:headEnd type="none" w="med" len="med"/>
+                      <a:tailEnd type="none" w="med" len="med"/>
+                    </a:lnL>
+                    <a:solidFill>
+                      <a:schemeClr val="bg1"/>
+                    </a:solidFill>
+                  </a:tcPr>
+                </a:tc>
+                <a:tc>
+                  <a:txBody>
+                    <a:bodyPr/>
+                    <a:lstStyle/>
+                    <a:p>
+                      <a:pPr algn="ctr">
+                        <a:spcBef>
+                          <a:spcPts val="300"/>
+                        </a:spcBef>
+                        <a:spcAft>
+                          <a:spcPts val="300"/>
+                        </a:spcAft>
+                        <a:buNone/>
+                      </a:pPr>
+                      <a:r>
+                        <a:rPr lang="pt-PT" sz="1200" noProof="0" dirty="0">
+                          <a:solidFill>
+                            <a:schemeClr val="bg1">
+                              <a:lumMod val="50000"/>
+                            </a:schemeClr>
+                          </a:solidFill>
+                        </a:rPr>
+                        <a:t>Total </a:t>
+                      </a:r>
+                      <a:r>
+                        <a:rPr lang="pt-PT" sz="1200" noProof="0" dirty="0" err="1">
+                          <a:solidFill>
+                            <a:schemeClr val="bg1">
+                              <a:lumMod val="50000"/>
+                            </a:schemeClr>
+                          </a:solidFill>
+                        </a:rPr>
+                        <a:t>Reach</a:t>
+                      </a:r>
+                      <a:endParaRPr lang="pt-PT" sz="1200" noProof="0" dirty="0">
+                        <a:solidFill>
+                          <a:schemeClr val="bg1">
+                            <a:lumMod val="50000"/>
+                          </a:schemeClr>
+                        </a:solidFill>
+                      </a:endParaRPr>
+                    </a:p>
+                  </a:txBody>
+                  <a:tcPr marL="68580" marR="68580" marT="0" marB="0" anchor="ctr">
+                    <a:solidFill>
+                      <a:schemeClr val="bg1"/>
+                    </a:solidFill>
+                  </a:tcPr>
+                </a:tc>
+                <a:tc>
+                  <a:txBody>
+                    <a:bodyPr/>
+                    <a:lstStyle/>
+                    <a:p>
+                      <a:pPr algn="ctr">
+                        <a:spcBef>
+                          <a:spcPts val="300"/>
+                        </a:spcBef>
+                        <a:spcAft>
+                          <a:spcPts val="300"/>
+                        </a:spcAft>
+                        <a:buNone/>
+                      </a:pPr>
+                      <a:r>
+                        <a:rPr lang="pt-PT" sz="1200" noProof="0">
+                          <a:solidFill>
+                            <a:schemeClr val="bg1">
+                              <a:lumMod val="50000"/>
+                            </a:schemeClr>
+                          </a:solidFill>
+                        </a:rPr>
+                        <a:t>Quantitativa</a:t>
+                      </a:r>
+                    </a:p>
+                  </a:txBody>
+                  <a:tcPr marL="68580" marR="68580" marT="0" marB="0" anchor="ctr">
+                    <a:solidFill>
+                      <a:schemeClr val="bg1"/>
+                    </a:solidFill>
+                  </a:tcPr>
+                </a:tc>
+                <a:tc>
+                  <a:txBody>
+                    <a:bodyPr/>
+                    <a:lstStyle/>
+                    <a:p>
+                      <a:pPr algn="ctr">
+                        <a:spcBef>
+                          <a:spcPts val="300"/>
+                        </a:spcBef>
+                        <a:spcAft>
+                          <a:spcPts val="300"/>
+                        </a:spcAft>
+                        <a:buNone/>
+                      </a:pPr>
+                      <a:r>
+                        <a:rPr lang="pt-PT" sz="1200" noProof="0">
+                          <a:solidFill>
+                            <a:schemeClr val="bg1">
+                              <a:lumMod val="50000"/>
+                            </a:schemeClr>
+                          </a:solidFill>
+                        </a:rPr>
+                        <a:t>Discreta</a:t>
+                      </a:r>
+                    </a:p>
+                  </a:txBody>
+                  <a:tcPr marL="68580" marR="68580" marT="0" marB="0" anchor="ctr">
+                    <a:solidFill>
+                      <a:schemeClr val="bg1"/>
+                    </a:solidFill>
+                  </a:tcPr>
+                </a:tc>
+                <a:tc>
+                  <a:txBody>
+                    <a:bodyPr/>
+                    <a:lstStyle/>
+                    <a:p>
+                      <a:r>
+                        <a:rPr lang="pt-BR" sz="1200" noProof="0">
+                          <a:solidFill>
+                            <a:schemeClr val="bg1">
+                              <a:lumMod val="50000"/>
+                            </a:schemeClr>
+                          </a:solidFill>
+                        </a:rPr>
+                        <a:t>Número total de utilizadores únicos alcançados pela publicação.</a:t>
+                      </a:r>
+                      <a:endParaRPr lang="pt-PT" sz="1200" noProof="0">
+                        <a:solidFill>
+                          <a:schemeClr val="bg1">
+                            <a:lumMod val="50000"/>
+                          </a:schemeClr>
+                        </a:solidFill>
+                      </a:endParaRPr>
+                    </a:p>
+                  </a:txBody>
+                  <a:tcPr anchor="ctr">
+                    <a:lnR w="9525" cap="flat" cmpd="sng" algn="ctr">
+                      <a:solidFill>
+                        <a:schemeClr val="tx1"/>
+                      </a:solidFill>
+                      <a:prstDash val="solid"/>
+                      <a:round/>
+                      <a:headEnd type="none" w="med" len="med"/>
+                      <a:tailEnd type="none" w="med" len="med"/>
+                    </a:lnR>
+                    <a:solidFill>
+                      <a:schemeClr val="bg1"/>
+                    </a:solidFill>
+                  </a:tcPr>
+                </a:tc>
+                <a:extLst>
+                  <a:ext uri="{0D108BD9-81ED-4DB2-BD59-A6C34878D82A}">
+                    <a16:rowId xmlns:a16="http://schemas.microsoft.com/office/drawing/2014/main" val="3976880300"/>
+                  </a:ext>
+                </a:extLst>
+              </a:tr>
+              <a:tr h="570208">
+                <a:tc>
+                  <a:txBody>
+                    <a:bodyPr/>
+                    <a:lstStyle/>
+                    <a:p>
+                      <a:pPr algn="ctr">
+                        <a:spcBef>
+                          <a:spcPts val="300"/>
+                        </a:spcBef>
+                        <a:spcAft>
+                          <a:spcPts val="300"/>
+                        </a:spcAft>
+                        <a:buNone/>
+                      </a:pPr>
+                      <a:r>
+                        <a:rPr lang="pt-PT" sz="1200" noProof="0">
+                          <a:solidFill>
+                            <a:schemeClr val="bg1">
+                              <a:lumMod val="50000"/>
+                            </a:schemeClr>
+                          </a:solidFill>
+                        </a:rPr>
+                        <a:t>X</a:t>
+                      </a:r>
+                    </a:p>
+                  </a:txBody>
+                  <a:tcPr marL="68580" marR="68580" marT="0" marB="0" anchor="ctr">
+                    <a:lnL w="9525" cap="flat" cmpd="sng" algn="ctr">
+                      <a:solidFill>
+                        <a:schemeClr val="tx1"/>
+                      </a:solidFill>
+                      <a:prstDash val="solid"/>
+                      <a:round/>
+                      <a:headEnd type="none" w="med" len="med"/>
+                      <a:tailEnd type="none" w="med" len="med"/>
+                    </a:lnL>
+                    <a:solidFill>
+                      <a:schemeClr val="bg1"/>
+                    </a:solidFill>
+                  </a:tcPr>
+                </a:tc>
+                <a:tc>
+                  <a:txBody>
+                    <a:bodyPr/>
+                    <a:lstStyle/>
+                    <a:p>
+                      <a:pPr algn="ctr">
+                        <a:spcBef>
+                          <a:spcPts val="300"/>
+                        </a:spcBef>
+                        <a:spcAft>
+                          <a:spcPts val="300"/>
+                        </a:spcAft>
+                        <a:buNone/>
+                      </a:pPr>
+                      <a:r>
+                        <a:rPr lang="pt-PT" sz="1200" noProof="0" dirty="0" err="1">
+                          <a:solidFill>
+                            <a:schemeClr val="bg1">
+                              <a:lumMod val="50000"/>
+                            </a:schemeClr>
+                          </a:solidFill>
+                        </a:rPr>
+                        <a:t>Reach</a:t>
+                      </a:r>
+                      <a:r>
+                        <a:rPr lang="pt-PT" sz="1200" noProof="0" dirty="0">
+                          <a:solidFill>
+                            <a:schemeClr val="bg1">
+                              <a:lumMod val="50000"/>
+                            </a:schemeClr>
+                          </a:solidFill>
+                        </a:rPr>
+                        <a:t> </a:t>
+                      </a:r>
+                      <a:r>
+                        <a:rPr lang="pt-PT" sz="1200" noProof="0" dirty="0" err="1">
+                          <a:solidFill>
+                            <a:schemeClr val="bg1">
+                              <a:lumMod val="50000"/>
+                            </a:schemeClr>
+                          </a:solidFill>
+                        </a:rPr>
+                        <a:t>by</a:t>
+                      </a:r>
+                      <a:r>
+                        <a:rPr lang="pt-PT" sz="1200" noProof="0" dirty="0">
+                          <a:solidFill>
+                            <a:schemeClr val="bg1">
+                              <a:lumMod val="50000"/>
+                            </a:schemeClr>
+                          </a:solidFill>
+                        </a:rPr>
+                        <a:t> </a:t>
+                      </a:r>
+                      <a:r>
+                        <a:rPr lang="pt-PT" sz="1200" noProof="0" dirty="0" err="1">
+                          <a:solidFill>
+                            <a:schemeClr val="bg1">
+                              <a:lumMod val="50000"/>
+                            </a:schemeClr>
+                          </a:solidFill>
+                        </a:rPr>
+                        <a:t>Followers</a:t>
+                      </a:r>
+                      <a:endParaRPr lang="pt-PT" sz="1200" noProof="0" dirty="0">
+                        <a:solidFill>
+                          <a:schemeClr val="bg1">
+                            <a:lumMod val="50000"/>
+                          </a:schemeClr>
+                        </a:solidFill>
+                      </a:endParaRPr>
+                    </a:p>
+                  </a:txBody>
+                  <a:tcPr marL="68580" marR="68580" marT="0" marB="0" anchor="ctr">
+                    <a:solidFill>
+                      <a:schemeClr val="bg1"/>
+                    </a:solidFill>
+                  </a:tcPr>
+                </a:tc>
+                <a:tc>
+                  <a:txBody>
+                    <a:bodyPr/>
+                    <a:lstStyle/>
+                    <a:p>
+                      <a:pPr algn="ctr">
+                        <a:spcBef>
+                          <a:spcPts val="300"/>
+                        </a:spcBef>
+                        <a:spcAft>
+                          <a:spcPts val="300"/>
+                        </a:spcAft>
+                        <a:buNone/>
+                      </a:pPr>
+                      <a:r>
+                        <a:rPr lang="pt-PT" sz="1200" noProof="0" dirty="0">
+                          <a:solidFill>
+                            <a:schemeClr val="bg1">
+                              <a:lumMod val="50000"/>
+                            </a:schemeClr>
+                          </a:solidFill>
+                        </a:rPr>
+                        <a:t>Quantitativa</a:t>
+                      </a:r>
+                    </a:p>
+                  </a:txBody>
+                  <a:tcPr marL="68580" marR="68580" marT="0" marB="0" anchor="ctr">
+                    <a:solidFill>
+                      <a:schemeClr val="bg1"/>
+                    </a:solidFill>
+                  </a:tcPr>
+                </a:tc>
+                <a:tc>
+                  <a:txBody>
+                    <a:bodyPr/>
+                    <a:lstStyle/>
+                    <a:p>
+                      <a:pPr algn="ctr">
+                        <a:spcBef>
+                          <a:spcPts val="300"/>
+                        </a:spcBef>
+                        <a:spcAft>
+                          <a:spcPts val="300"/>
+                        </a:spcAft>
+                        <a:buNone/>
+                      </a:pPr>
+                      <a:r>
+                        <a:rPr lang="pt-PT" sz="1200" noProof="0" dirty="0">
+                          <a:solidFill>
+                            <a:schemeClr val="bg1">
+                              <a:lumMod val="50000"/>
+                            </a:schemeClr>
+                          </a:solidFill>
+                        </a:rPr>
+                        <a:t>Discreta</a:t>
+                      </a:r>
+                    </a:p>
+                  </a:txBody>
+                  <a:tcPr marL="68580" marR="68580" marT="0" marB="0" anchor="ctr">
+                    <a:solidFill>
+                      <a:schemeClr val="bg1"/>
+                    </a:solidFill>
+                  </a:tcPr>
+                </a:tc>
+                <a:tc>
+                  <a:txBody>
+                    <a:bodyPr/>
+                    <a:lstStyle/>
+                    <a:p>
+                      <a:r>
+                        <a:rPr lang="pt-BR" sz="1200" noProof="0" dirty="0">
+                          <a:solidFill>
+                            <a:schemeClr val="bg1">
+                              <a:lumMod val="50000"/>
+                            </a:schemeClr>
+                          </a:solidFill>
+                        </a:rPr>
+                        <a:t>Número de utilizadores únicos seguidores da marca alcançados pela publicação.</a:t>
+                      </a:r>
+                      <a:endParaRPr lang="pt-PT" sz="1200" noProof="0" dirty="0">
+                        <a:solidFill>
+                          <a:schemeClr val="bg1">
+                            <a:lumMod val="50000"/>
+                          </a:schemeClr>
+                        </a:solidFill>
+                      </a:endParaRPr>
+                    </a:p>
+                  </a:txBody>
+                  <a:tcPr anchor="ctr">
+                    <a:lnR w="9525" cap="flat" cmpd="sng" algn="ctr">
+                      <a:solidFill>
+                        <a:schemeClr val="tx1"/>
+                      </a:solidFill>
+                      <a:prstDash val="solid"/>
+                      <a:round/>
+                      <a:headEnd type="none" w="med" len="med"/>
+                      <a:tailEnd type="none" w="med" len="med"/>
+                    </a:lnR>
+                    <a:solidFill>
+                      <a:schemeClr val="bg1"/>
+                    </a:solidFill>
+                  </a:tcPr>
+                </a:tc>
+                <a:extLst>
+                  <a:ext uri="{0D108BD9-81ED-4DB2-BD59-A6C34878D82A}">
+                    <a16:rowId xmlns:a16="http://schemas.microsoft.com/office/drawing/2014/main" val="2971304296"/>
+                  </a:ext>
+                </a:extLst>
+              </a:tr>
+              <a:tr h="387859">
+                <a:tc>
+                  <a:txBody>
+                    <a:bodyPr/>
+                    <a:lstStyle/>
+                    <a:p>
+                      <a:pPr algn="ctr">
+                        <a:spcBef>
+                          <a:spcPts val="300"/>
+                        </a:spcBef>
+                        <a:spcAft>
+                          <a:spcPts val="300"/>
+                        </a:spcAft>
+                        <a:buNone/>
+                      </a:pPr>
+                      <a:r>
+                        <a:rPr lang="pt-PT" sz="1200" b="1" noProof="0" dirty="0"/>
+                        <a:t>XIII</a:t>
+                      </a:r>
+                    </a:p>
+                  </a:txBody>
+                  <a:tcPr marL="68580" marR="68580" marT="0" marB="0" anchor="ctr">
+                    <a:lnL w="9525" cap="flat" cmpd="sng" algn="ctr">
+                      <a:solidFill>
+                        <a:schemeClr val="tx1"/>
+                      </a:solidFill>
+                      <a:prstDash val="solid"/>
+                      <a:round/>
+                      <a:headEnd type="none" w="med" len="med"/>
+                      <a:tailEnd type="none" w="med" len="med"/>
+                    </a:lnL>
+                    <a:solidFill>
+                      <a:schemeClr val="bg1"/>
+                    </a:solidFill>
+                  </a:tcPr>
+                </a:tc>
+                <a:tc>
+                  <a:txBody>
+                    <a:bodyPr/>
+                    <a:lstStyle/>
+                    <a:p>
+                      <a:pPr algn="ctr">
+                        <a:spcBef>
+                          <a:spcPts val="300"/>
+                        </a:spcBef>
+                        <a:spcAft>
+                          <a:spcPts val="300"/>
+                        </a:spcAft>
+                        <a:buNone/>
+                      </a:pPr>
+                      <a:r>
+                        <a:rPr lang="pt-PT" sz="1200" b="1" noProof="0" dirty="0" err="1"/>
+                        <a:t>Comments</a:t>
+                      </a:r>
+                      <a:endParaRPr lang="pt-PT" sz="1200" b="1" noProof="0" dirty="0"/>
+                    </a:p>
+                  </a:txBody>
+                  <a:tcPr marL="68580" marR="68580" marT="0" marB="0" anchor="ctr">
+                    <a:solidFill>
+                      <a:schemeClr val="bg1"/>
+                    </a:solidFill>
+                  </a:tcPr>
+                </a:tc>
+                <a:tc>
+                  <a:txBody>
+                    <a:bodyPr/>
+                    <a:lstStyle/>
+                    <a:p>
+                      <a:pPr algn="ctr">
+                        <a:spcBef>
+                          <a:spcPts val="300"/>
+                        </a:spcBef>
+                        <a:spcAft>
+                          <a:spcPts val="300"/>
+                        </a:spcAft>
+                        <a:buNone/>
+                      </a:pPr>
+                      <a:r>
+                        <a:rPr lang="pt-PT" sz="1200" b="1" noProof="0" dirty="0"/>
+                        <a:t>Quantitativa</a:t>
+                      </a:r>
+                    </a:p>
+                  </a:txBody>
+                  <a:tcPr marL="68580" marR="68580" marT="0" marB="0" anchor="ctr">
+                    <a:solidFill>
+                      <a:schemeClr val="bg1"/>
+                    </a:solidFill>
+                  </a:tcPr>
+                </a:tc>
+                <a:tc>
+                  <a:txBody>
+                    <a:bodyPr/>
+                    <a:lstStyle/>
+                    <a:p>
+                      <a:pPr algn="ctr">
+                        <a:spcBef>
+                          <a:spcPts val="300"/>
+                        </a:spcBef>
+                        <a:spcAft>
+                          <a:spcPts val="300"/>
+                        </a:spcAft>
+                        <a:buNone/>
+                      </a:pPr>
+                      <a:r>
+                        <a:rPr lang="pt-PT" sz="1200" b="1" noProof="0" dirty="0"/>
+                        <a:t>Discreta</a:t>
+                      </a:r>
+                    </a:p>
+                  </a:txBody>
+                  <a:tcPr marL="68580" marR="68580" marT="0" marB="0" anchor="ctr">
+                    <a:solidFill>
+                      <a:schemeClr val="bg1"/>
+                    </a:solidFill>
+                  </a:tcPr>
+                </a:tc>
+                <a:tc>
+                  <a:txBody>
+                    <a:bodyPr/>
+                    <a:lstStyle/>
+                    <a:p>
+                      <a:r>
+                        <a:rPr lang="pt-BR" sz="1200" b="1" noProof="0"/>
+                        <a:t>Número total de comentários na publicação.</a:t>
+                      </a:r>
+                      <a:endParaRPr lang="pt-PT" sz="1200" b="1" noProof="0"/>
+                    </a:p>
+                  </a:txBody>
+                  <a:tcPr anchor="ctr">
+                    <a:lnR w="9525" cap="flat" cmpd="sng" algn="ctr">
+                      <a:solidFill>
+                        <a:schemeClr val="tx1"/>
+                      </a:solidFill>
+                      <a:prstDash val="solid"/>
+                      <a:round/>
+                      <a:headEnd type="none" w="med" len="med"/>
+                      <a:tailEnd type="none" w="med" len="med"/>
+                    </a:lnR>
+                    <a:solidFill>
+                      <a:schemeClr val="bg1"/>
+                    </a:solidFill>
+                  </a:tcPr>
+                </a:tc>
+                <a:extLst>
+                  <a:ext uri="{0D108BD9-81ED-4DB2-BD59-A6C34878D82A}">
+                    <a16:rowId xmlns:a16="http://schemas.microsoft.com/office/drawing/2014/main" val="2664185116"/>
+                  </a:ext>
+                </a:extLst>
+              </a:tr>
+              <a:tr h="387859">
+                <a:tc>
+                  <a:txBody>
+                    <a:bodyPr/>
+                    <a:lstStyle/>
+                    <a:p>
+                      <a:pPr algn="ctr">
+                        <a:spcBef>
+                          <a:spcPts val="300"/>
+                        </a:spcBef>
+                        <a:spcAft>
+                          <a:spcPts val="300"/>
+                        </a:spcAft>
+                        <a:buNone/>
+                      </a:pPr>
+                      <a:r>
+                        <a:rPr lang="pt-PT" sz="1200" b="1" noProof="0"/>
+                        <a:t>XIV</a:t>
+                      </a:r>
+                    </a:p>
+                  </a:txBody>
+                  <a:tcPr marL="68580" marR="68580" marT="0" marB="0" anchor="ctr">
+                    <a:lnL w="9525" cap="flat" cmpd="sng" algn="ctr">
+                      <a:solidFill>
+                        <a:schemeClr val="tx1"/>
+                      </a:solidFill>
+                      <a:prstDash val="solid"/>
+                      <a:round/>
+                      <a:headEnd type="none" w="med" len="med"/>
+                      <a:tailEnd type="none" w="med" len="med"/>
+                    </a:lnL>
+                    <a:solidFill>
+                      <a:schemeClr val="bg1"/>
+                    </a:solidFill>
+                  </a:tcPr>
+                </a:tc>
+                <a:tc>
+                  <a:txBody>
+                    <a:bodyPr/>
+                    <a:lstStyle/>
+                    <a:p>
+                      <a:pPr algn="ctr">
+                        <a:spcBef>
+                          <a:spcPts val="300"/>
+                        </a:spcBef>
+                        <a:spcAft>
+                          <a:spcPts val="300"/>
+                        </a:spcAft>
+                        <a:buNone/>
+                      </a:pPr>
+                      <a:r>
+                        <a:rPr lang="pt-PT" sz="1200" b="1" noProof="0" err="1"/>
+                        <a:t>Likes</a:t>
+                      </a:r>
+                      <a:endParaRPr lang="pt-PT" sz="1200" b="1" noProof="0"/>
+                    </a:p>
+                  </a:txBody>
+                  <a:tcPr marL="68580" marR="68580" marT="0" marB="0" anchor="ctr">
+                    <a:solidFill>
+                      <a:schemeClr val="bg1"/>
+                    </a:solidFill>
+                  </a:tcPr>
+                </a:tc>
+                <a:tc>
+                  <a:txBody>
+                    <a:bodyPr/>
+                    <a:lstStyle/>
+                    <a:p>
+                      <a:pPr algn="ctr">
+                        <a:spcBef>
+                          <a:spcPts val="300"/>
+                        </a:spcBef>
+                        <a:spcAft>
+                          <a:spcPts val="300"/>
+                        </a:spcAft>
+                        <a:buNone/>
+                      </a:pPr>
+                      <a:r>
+                        <a:rPr lang="pt-PT" sz="1200" b="1" noProof="0"/>
+                        <a:t>Quantitativa</a:t>
+                      </a:r>
+                    </a:p>
+                  </a:txBody>
+                  <a:tcPr marL="68580" marR="68580" marT="0" marB="0" anchor="ctr">
+                    <a:solidFill>
+                      <a:schemeClr val="bg1"/>
+                    </a:solidFill>
+                  </a:tcPr>
+                </a:tc>
+                <a:tc>
+                  <a:txBody>
+                    <a:bodyPr/>
+                    <a:lstStyle/>
+                    <a:p>
+                      <a:pPr algn="ctr">
+                        <a:spcBef>
+                          <a:spcPts val="300"/>
+                        </a:spcBef>
+                        <a:spcAft>
+                          <a:spcPts val="300"/>
+                        </a:spcAft>
+                        <a:buNone/>
+                      </a:pPr>
+                      <a:r>
+                        <a:rPr lang="pt-PT" sz="1200" b="1" noProof="0" dirty="0"/>
+                        <a:t>Discreta</a:t>
+                      </a:r>
+                    </a:p>
+                  </a:txBody>
+                  <a:tcPr marL="68580" marR="68580" marT="0" marB="0" anchor="ctr">
+                    <a:solidFill>
+                      <a:schemeClr val="bg1"/>
+                    </a:solidFill>
+                  </a:tcPr>
+                </a:tc>
+                <a:tc>
+                  <a:txBody>
+                    <a:bodyPr/>
+                    <a:lstStyle/>
+                    <a:p>
+                      <a:r>
+                        <a:rPr lang="pt-BR" sz="1200" b="1" noProof="0"/>
+                        <a:t>Número total de "likes" na publicação.</a:t>
+                      </a:r>
+                      <a:endParaRPr lang="pt-PT" sz="1200" b="1" noProof="0"/>
+                    </a:p>
+                  </a:txBody>
+                  <a:tcPr anchor="ctr">
+                    <a:lnR w="9525" cap="flat" cmpd="sng" algn="ctr">
+                      <a:solidFill>
+                        <a:schemeClr val="tx1"/>
+                      </a:solidFill>
+                      <a:prstDash val="solid"/>
+                      <a:round/>
+                      <a:headEnd type="none" w="med" len="med"/>
+                      <a:tailEnd type="none" w="med" len="med"/>
+                    </a:lnR>
+                    <a:solidFill>
+                      <a:schemeClr val="bg1"/>
+                    </a:solidFill>
+                  </a:tcPr>
+                </a:tc>
+                <a:extLst>
+                  <a:ext uri="{0D108BD9-81ED-4DB2-BD59-A6C34878D82A}">
+                    <a16:rowId xmlns:a16="http://schemas.microsoft.com/office/drawing/2014/main" val="2242809180"/>
+                  </a:ext>
+                </a:extLst>
+              </a:tr>
+              <a:tr h="387859">
+                <a:tc>
+                  <a:txBody>
+                    <a:bodyPr/>
+                    <a:lstStyle/>
+                    <a:p>
+                      <a:pPr algn="ctr">
+                        <a:spcBef>
+                          <a:spcPts val="300"/>
+                        </a:spcBef>
+                        <a:spcAft>
+                          <a:spcPts val="300"/>
+                        </a:spcAft>
+                        <a:buNone/>
+                      </a:pPr>
+                      <a:r>
+                        <a:rPr lang="pt-PT" sz="1200" b="1" noProof="0"/>
+                        <a:t>XV</a:t>
+                      </a:r>
+                    </a:p>
+                  </a:txBody>
+                  <a:tcPr marL="68580" marR="68580" marT="0" marB="0" anchor="ctr">
+                    <a:lnL w="9525" cap="flat" cmpd="sng" algn="ctr">
+                      <a:solidFill>
+                        <a:schemeClr val="tx1"/>
+                      </a:solidFill>
+                      <a:prstDash val="solid"/>
+                      <a:round/>
+                      <a:headEnd type="none" w="med" len="med"/>
+                      <a:tailEnd type="none" w="med" len="med"/>
+                    </a:lnL>
+                    <a:lnB w="9525" cap="flat" cmpd="sng" algn="ctr">
+                      <a:solidFill>
+                        <a:schemeClr val="tx1"/>
+                      </a:solidFill>
+                      <a:prstDash val="solid"/>
+                      <a:round/>
+                      <a:headEnd type="none" w="med" len="med"/>
+                      <a:tailEnd type="none" w="med" len="med"/>
+                    </a:lnB>
+                    <a:solidFill>
+                      <a:schemeClr val="bg1"/>
+                    </a:solidFill>
+                  </a:tcPr>
+                </a:tc>
+                <a:tc>
+                  <a:txBody>
+                    <a:bodyPr/>
+                    <a:lstStyle/>
+                    <a:p>
+                      <a:pPr algn="ctr">
+                        <a:spcBef>
+                          <a:spcPts val="300"/>
+                        </a:spcBef>
+                        <a:spcAft>
+                          <a:spcPts val="300"/>
+                        </a:spcAft>
+                        <a:buNone/>
+                      </a:pPr>
+                      <a:r>
+                        <a:rPr lang="pt-PT" sz="1200" b="1" noProof="0"/>
+                        <a:t>Shares</a:t>
+                      </a:r>
+                    </a:p>
+                  </a:txBody>
+                  <a:tcPr marL="68580" marR="68580" marT="0" marB="0" anchor="ctr">
+                    <a:lnB w="9525" cap="flat" cmpd="sng" algn="ctr">
+                      <a:solidFill>
+                        <a:schemeClr val="tx1"/>
+                      </a:solidFill>
+                      <a:prstDash val="solid"/>
+                      <a:round/>
+                      <a:headEnd type="none" w="med" len="med"/>
+                      <a:tailEnd type="none" w="med" len="med"/>
+                    </a:lnB>
+                    <a:solidFill>
+                      <a:schemeClr val="bg1"/>
+                    </a:solidFill>
+                  </a:tcPr>
+                </a:tc>
+                <a:tc>
+                  <a:txBody>
+                    <a:bodyPr/>
+                    <a:lstStyle/>
+                    <a:p>
+                      <a:pPr algn="ctr">
+                        <a:spcBef>
+                          <a:spcPts val="300"/>
+                        </a:spcBef>
+                        <a:spcAft>
+                          <a:spcPts val="300"/>
+                        </a:spcAft>
+                        <a:buNone/>
+                      </a:pPr>
+                      <a:r>
+                        <a:rPr lang="pt-PT" sz="1200" b="1" noProof="0"/>
+                        <a:t>Quantitativa</a:t>
+                      </a:r>
+                    </a:p>
+                  </a:txBody>
+                  <a:tcPr marL="68580" marR="68580" marT="0" marB="0" anchor="ctr">
+                    <a:lnB w="9525" cap="flat" cmpd="sng" algn="ctr">
+                      <a:solidFill>
+                        <a:schemeClr val="tx1"/>
+                      </a:solidFill>
+                      <a:prstDash val="solid"/>
+                      <a:round/>
+                      <a:headEnd type="none" w="med" len="med"/>
+                      <a:tailEnd type="none" w="med" len="med"/>
+                    </a:lnB>
+                    <a:solidFill>
+                      <a:schemeClr val="bg1"/>
+                    </a:solidFill>
+                  </a:tcPr>
+                </a:tc>
+                <a:tc>
+                  <a:txBody>
+                    <a:bodyPr/>
+                    <a:lstStyle/>
+                    <a:p>
+                      <a:pPr algn="ctr">
+                        <a:spcBef>
+                          <a:spcPts val="300"/>
+                        </a:spcBef>
+                        <a:spcAft>
+                          <a:spcPts val="300"/>
+                        </a:spcAft>
+                        <a:buNone/>
+                      </a:pPr>
+                      <a:r>
+                        <a:rPr lang="pt-PT" sz="1200" b="1" noProof="0"/>
+                        <a:t>Discreta</a:t>
+                      </a:r>
+                    </a:p>
+                  </a:txBody>
+                  <a:tcPr marL="68580" marR="68580" marT="0" marB="0" anchor="ctr">
+                    <a:lnB w="9525" cap="flat" cmpd="sng" algn="ctr">
+                      <a:solidFill>
+                        <a:schemeClr val="tx1"/>
+                      </a:solidFill>
+                      <a:prstDash val="solid"/>
+                      <a:round/>
+                      <a:headEnd type="none" w="med" len="med"/>
+                      <a:tailEnd type="none" w="med" len="med"/>
+                    </a:lnB>
+                    <a:solidFill>
+                      <a:schemeClr val="bg1"/>
+                    </a:solidFill>
+                  </a:tcPr>
+                </a:tc>
+                <a:tc>
+                  <a:txBody>
+                    <a:bodyPr/>
+                    <a:lstStyle/>
+                    <a:p>
+                      <a:r>
+                        <a:rPr lang="pt-BR" sz="1200" b="1" dirty="0"/>
+                        <a:t>Número total de vezes que a publicação foi partilhada.</a:t>
+                      </a:r>
+                      <a:endParaRPr lang="pt-PT" sz="1200" b="1" noProof="0" dirty="0"/>
+                    </a:p>
+                  </a:txBody>
+                  <a:tcPr anchor="ctr">
+                    <a:lnR w="9525" cap="flat" cmpd="sng" algn="ctr">
+                      <a:solidFill>
+                        <a:schemeClr val="tx1"/>
+                      </a:solidFill>
+                      <a:prstDash val="solid"/>
+                      <a:round/>
+                      <a:headEnd type="none" w="med" len="med"/>
+                      <a:tailEnd type="none" w="med" len="med"/>
+                    </a:lnR>
+                    <a:lnB w="9525" cap="flat" cmpd="sng" algn="ctr">
+                      <a:solidFill>
+                        <a:schemeClr val="tx1"/>
+                      </a:solidFill>
+                      <a:prstDash val="solid"/>
+                      <a:round/>
+                      <a:headEnd type="none" w="med" len="med"/>
+                      <a:tailEnd type="none" w="med" len="med"/>
+                    </a:lnB>
+                    <a:solidFill>
+                      <a:schemeClr val="bg1"/>
+                    </a:solidFill>
+                  </a:tcPr>
+                </a:tc>
+                <a:extLst>
+                  <a:ext uri="{0D108BD9-81ED-4DB2-BD59-A6C34878D82A}">
+                    <a16:rowId xmlns:a16="http://schemas.microsoft.com/office/drawing/2014/main" val="671116002"/>
+                  </a:ext>
+                </a:extLst>
+              </a:tr>
+            </a:tbl>
+          </a:graphicData>
+        </a:graphic>
+      </p:graphicFrame>
+      <p:sp>
+        <p:nvSpPr>
+          <p:cNvPr id="4" name="Date Placeholder 3">
+            <a:extLst>
+              <a:ext uri="{FF2B5EF4-FFF2-40B4-BE49-F238E27FC236}">
+                <a16:creationId xmlns:a16="http://schemas.microsoft.com/office/drawing/2014/main" id="{82221DF0-7BB2-0732-CA1C-741BBA3D010B}"/>
+              </a:ext>
+            </a:extLst>
+          </p:cNvPr>
+          <p:cNvSpPr>
+            <a:spLocks noGrp="1"/>
+          </p:cNvSpPr>
+          <p:nvPr>
+            <p:ph type="dt" sz="half" idx="10"/>
+          </p:nvPr>
+        </p:nvSpPr>
+        <p:spPr/>
+        <p:txBody>
+          <a:bodyPr/>
+          <a:lstStyle/>
+          <a:p>
+            <a:r>
+              <a:rPr lang="en-US" dirty="0"/>
+              <a:t>11/04/2025</a:t>
+            </a:r>
+          </a:p>
+        </p:txBody>
+      </p:sp>
+      <p:sp>
+        <p:nvSpPr>
+          <p:cNvPr id="5" name="Slide Number Placeholder 4">
+            <a:extLst>
+              <a:ext uri="{FF2B5EF4-FFF2-40B4-BE49-F238E27FC236}">
+                <a16:creationId xmlns:a16="http://schemas.microsoft.com/office/drawing/2014/main" id="{50C76105-5455-61DA-2501-5A997423C526}"/>
+              </a:ext>
+            </a:extLst>
+          </p:cNvPr>
+          <p:cNvSpPr>
+            <a:spLocks noGrp="1"/>
+          </p:cNvSpPr>
+          <p:nvPr>
+            <p:ph type="sldNum" sz="quarter" idx="12"/>
+          </p:nvPr>
+        </p:nvSpPr>
+        <p:spPr/>
+        <p:txBody>
+          <a:bodyPr/>
+          <a:lstStyle/>
+          <a:p>
+            <a:fld id="{10451DF5-CD77-4BF3-911A-C2DA240CBD91}" type="slidenum">
+              <a:rPr lang="en-US" smtClean="0"/>
+              <a:t>3</a:t>
+            </a:fld>
+            <a:endParaRPr lang="en-US"/>
+          </a:p>
+        </p:txBody>
+      </p:sp>
+    </p:spTree>
+    <p:extLst>
+      <p:ext uri="{BB962C8B-B14F-4D97-AF65-F5344CB8AC3E}">
+        <p14:creationId xmlns:p14="http://schemas.microsoft.com/office/powerpoint/2010/main" val="535587558"/>
+      </p:ext>
+    </p:extLst>
+  </p:cSld>
+  <p:clrMapOvr>
+    <a:masterClrMapping/>
+  </p:clrMapOvr>
+</p:sld>
+</file>
+
+<file path=ppt/slides/slide4.xml><?xml version="1.0" encoding="utf-8"?>
+<p:sld xmlns:a="http://schemas.openxmlformats.org/drawingml/2006/main" xmlns:r="http://schemas.openxmlformats.org/officeDocument/2006/relationships" xmlns:p="http://schemas.openxmlformats.org/presentationml/2006/main">
+  <p:cSld>
+    <p:spTree>
+      <p:nvGrpSpPr>
+        <p:cNvPr id="1" name="">
+          <a:extLst>
+            <a:ext uri="{FF2B5EF4-FFF2-40B4-BE49-F238E27FC236}">
+              <a16:creationId xmlns:a16="http://schemas.microsoft.com/office/drawing/2014/main" id="{1ED8FC55-02BA-771C-6D88-13EFC7423CC7}"/>
+            </a:ext>
+          </a:extLst>
+        </p:cNvPr>
+        <p:cNvGrpSpPr/>
+        <p:nvPr/>
+      </p:nvGrpSpPr>
+      <p:grpSpPr>
+        <a:xfrm>
+          <a:off x="0" y="0"/>
+          <a:ext cx="0" cy="0"/>
+          <a:chOff x="0" y="0"/>
+          <a:chExt cx="0" cy="0"/>
+        </a:xfrm>
+      </p:grpSpPr>
+      <p:sp>
+        <p:nvSpPr>
+          <p:cNvPr id="7" name="TextBox 6">
+            <a:extLst>
+              <a:ext uri="{FF2B5EF4-FFF2-40B4-BE49-F238E27FC236}">
+                <a16:creationId xmlns:a16="http://schemas.microsoft.com/office/drawing/2014/main" id="{842790D4-8583-049C-95D1-D57AC267A433}"/>
+              </a:ext>
+            </a:extLst>
+          </p:cNvPr>
+          <p:cNvSpPr txBox="1"/>
+          <p:nvPr/>
+        </p:nvSpPr>
+        <p:spPr>
+          <a:xfrm>
+            <a:off x="838200" y="457201"/>
+            <a:ext cx="5257800" cy="457199"/>
+          </a:xfrm>
+          <a:prstGeom prst="rect">
+            <a:avLst/>
+          </a:prstGeom>
+          <a:noFill/>
+        </p:spPr>
+        <p:txBody>
+          <a:bodyPr wrap="none" lIns="0" tIns="45720" rIns="0" bIns="0" rtlCol="0" anchor="ctr">
+            <a:noAutofit/>
+          </a:bodyPr>
+          <a:lstStyle/>
+          <a:p>
+            <a:r>
+              <a:rPr lang="pt-PT" sz="3200" noProof="0" dirty="0">
+                <a:solidFill>
+                  <a:srgbClr val="0866FF"/>
+                </a:solidFill>
+                <a:latin typeface="Klavika Bold" panose="02000806040000020004" pitchFamily="50" charset="0"/>
+              </a:rPr>
+              <a:t>Variáveis - Qualitativa</a:t>
+            </a:r>
+          </a:p>
+        </p:txBody>
+      </p:sp>
+      <p:sp>
+        <p:nvSpPr>
+          <p:cNvPr id="19" name="TextBox 18">
+            <a:extLst>
+              <a:ext uri="{FF2B5EF4-FFF2-40B4-BE49-F238E27FC236}">
+                <a16:creationId xmlns:a16="http://schemas.microsoft.com/office/drawing/2014/main" id="{3C3CA495-DE20-F960-92CB-75CD09A6D590}"/>
+              </a:ext>
+            </a:extLst>
+          </p:cNvPr>
+          <p:cNvSpPr txBox="1"/>
+          <p:nvPr/>
+        </p:nvSpPr>
+        <p:spPr>
+          <a:xfrm>
+            <a:off x="8534400" y="457200"/>
+            <a:ext cx="2819400" cy="457200"/>
+          </a:xfrm>
+          <a:prstGeom prst="rect">
+            <a:avLst/>
+          </a:prstGeom>
+          <a:noFill/>
+        </p:spPr>
+        <p:txBody>
+          <a:bodyPr wrap="square" rtlCol="0" anchor="ctr">
+            <a:noAutofit/>
+          </a:bodyPr>
+          <a:lstStyle/>
+          <a:p>
+            <a:pPr algn="r"/>
+            <a:r>
+              <a:rPr lang="pt-PT" sz="1200" b="1" noProof="0" dirty="0"/>
+              <a:t>Facebook</a:t>
+            </a:r>
+          </a:p>
+          <a:p>
+            <a:pPr algn="r"/>
+            <a:r>
+              <a:rPr lang="pt-PT" sz="1200" noProof="0" dirty="0"/>
+              <a:t>Métricas de Interação | Fase 2</a:t>
+            </a:r>
+          </a:p>
+        </p:txBody>
+      </p:sp>
+      <p:sp>
+        <p:nvSpPr>
+          <p:cNvPr id="4" name="Date Placeholder 3">
+            <a:extLst>
+              <a:ext uri="{FF2B5EF4-FFF2-40B4-BE49-F238E27FC236}">
+                <a16:creationId xmlns:a16="http://schemas.microsoft.com/office/drawing/2014/main" id="{B0186153-7526-E876-3628-BE42C4EAB5EE}"/>
+              </a:ext>
+            </a:extLst>
+          </p:cNvPr>
+          <p:cNvSpPr>
+            <a:spLocks noGrp="1"/>
+          </p:cNvSpPr>
+          <p:nvPr>
+            <p:ph type="dt" sz="half" idx="10"/>
+          </p:nvPr>
+        </p:nvSpPr>
+        <p:spPr/>
+        <p:txBody>
+          <a:bodyPr/>
+          <a:lstStyle/>
+          <a:p>
+            <a:r>
+              <a:rPr lang="en-US" dirty="0"/>
+              <a:t>11/04/2025</a:t>
+            </a:r>
+          </a:p>
+        </p:txBody>
+      </p:sp>
+      <p:sp>
+        <p:nvSpPr>
+          <p:cNvPr id="5" name="Slide Number Placeholder 4">
+            <a:extLst>
+              <a:ext uri="{FF2B5EF4-FFF2-40B4-BE49-F238E27FC236}">
+                <a16:creationId xmlns:a16="http://schemas.microsoft.com/office/drawing/2014/main" id="{D340935A-BC2D-26B8-EA7C-F86DFF9FA971}"/>
+              </a:ext>
+            </a:extLst>
+          </p:cNvPr>
+          <p:cNvSpPr>
+            <a:spLocks noGrp="1"/>
+          </p:cNvSpPr>
+          <p:nvPr>
+            <p:ph type="sldNum" sz="quarter" idx="12"/>
+          </p:nvPr>
+        </p:nvSpPr>
+        <p:spPr/>
+        <p:txBody>
+          <a:bodyPr/>
+          <a:lstStyle/>
+          <a:p>
+            <a:fld id="{10451DF5-CD77-4BF3-911A-C2DA240CBD91}" type="slidenum">
+              <a:rPr lang="en-US" smtClean="0"/>
+              <a:t>4</a:t>
+            </a:fld>
+            <a:endParaRPr lang="en-US"/>
+          </a:p>
+        </p:txBody>
+      </p:sp>
+      <p:pic>
+        <p:nvPicPr>
+          <p:cNvPr id="6" name="Picture 5" descr="A graph of posts and status&#10;&#10;AI-generated content may be incorrect.">
+            <a:extLst>
+              <a:ext uri="{FF2B5EF4-FFF2-40B4-BE49-F238E27FC236}">
+                <a16:creationId xmlns:a16="http://schemas.microsoft.com/office/drawing/2014/main" id="{7038348D-7AEF-0C51-9F2B-5268912EF7A2}"/>
+              </a:ext>
+            </a:extLst>
+          </p:cNvPr>
+          <p:cNvPicPr>
+            <a:picLocks noChangeAspect="1"/>
+          </p:cNvPicPr>
+          <p:nvPr/>
+        </p:nvPicPr>
+        <p:blipFill>
+          <a:blip r:embed="rId2">
+            <a:extLst>
+              <a:ext uri="{28A0092B-C50C-407E-A947-70E740481C1C}">
+                <a14:useLocalDpi xmlns:a14="http://schemas.microsoft.com/office/drawing/2010/main" val="0"/>
+              </a:ext>
+            </a:extLst>
+          </a:blip>
+          <a:stretch>
+            <a:fillRect/>
+          </a:stretch>
+        </p:blipFill>
+        <p:spPr>
+          <a:xfrm>
+            <a:off x="6286502" y="1790700"/>
+            <a:ext cx="4876800" cy="3657600"/>
+          </a:xfrm>
+          <a:prstGeom prst="rect">
+            <a:avLst/>
+          </a:prstGeom>
+          <a:ln w="19050">
+            <a:solidFill>
+              <a:srgbClr val="0866FF"/>
+            </a:solidFill>
+          </a:ln>
+        </p:spPr>
+      </p:pic>
+      <p:graphicFrame>
+        <p:nvGraphicFramePr>
+          <p:cNvPr id="8" name="Table 7">
+            <a:extLst>
+              <a:ext uri="{FF2B5EF4-FFF2-40B4-BE49-F238E27FC236}">
+                <a16:creationId xmlns:a16="http://schemas.microsoft.com/office/drawing/2014/main" id="{BC7F705D-2A58-F681-98E8-446C0E3D27FE}"/>
+              </a:ext>
+            </a:extLst>
+          </p:cNvPr>
+          <p:cNvGraphicFramePr>
+            <a:graphicFrameLocks noGrp="1"/>
+          </p:cNvGraphicFramePr>
+          <p:nvPr>
+            <p:extLst>
+              <p:ext uri="{D42A27DB-BD31-4B8C-83A1-F6EECF244321}">
+                <p14:modId xmlns:p14="http://schemas.microsoft.com/office/powerpoint/2010/main" val="2101610853"/>
+              </p:ext>
+            </p:extLst>
+          </p:nvPr>
+        </p:nvGraphicFramePr>
+        <p:xfrm>
+          <a:off x="1089660" y="3619500"/>
+          <a:ext cx="4754880" cy="1828800"/>
+        </p:xfrm>
+        <a:graphic>
+          <a:graphicData uri="http://schemas.openxmlformats.org/drawingml/2006/table">
+            <a:tbl>
+              <a:tblPr firstRow="1" bandRow="1">
+                <a:tableStyleId>{2D5ABB26-0587-4C30-8999-92F81FD0307C}</a:tableStyleId>
+              </a:tblPr>
+              <a:tblGrid>
+                <a:gridCol w="1463040">
+                  <a:extLst>
+                    <a:ext uri="{9D8B030D-6E8A-4147-A177-3AD203B41FA5}">
+                      <a16:colId xmlns:a16="http://schemas.microsoft.com/office/drawing/2014/main" val="2250048251"/>
+                    </a:ext>
+                  </a:extLst>
+                </a:gridCol>
+                <a:gridCol w="822960">
+                  <a:extLst>
+                    <a:ext uri="{9D8B030D-6E8A-4147-A177-3AD203B41FA5}">
+                      <a16:colId xmlns:a16="http://schemas.microsoft.com/office/drawing/2014/main" val="2666622705"/>
+                    </a:ext>
+                  </a:extLst>
+                </a:gridCol>
+                <a:gridCol w="822960">
+                  <a:extLst>
+                    <a:ext uri="{9D8B030D-6E8A-4147-A177-3AD203B41FA5}">
+                      <a16:colId xmlns:a16="http://schemas.microsoft.com/office/drawing/2014/main" val="2520955974"/>
+                    </a:ext>
+                  </a:extLst>
+                </a:gridCol>
+                <a:gridCol w="822960">
+                  <a:extLst>
+                    <a:ext uri="{9D8B030D-6E8A-4147-A177-3AD203B41FA5}">
+                      <a16:colId xmlns:a16="http://schemas.microsoft.com/office/drawing/2014/main" val="1331230434"/>
+                    </a:ext>
+                  </a:extLst>
+                </a:gridCol>
+                <a:gridCol w="822960">
+                  <a:extLst>
+                    <a:ext uri="{9D8B030D-6E8A-4147-A177-3AD203B41FA5}">
+                      <a16:colId xmlns:a16="http://schemas.microsoft.com/office/drawing/2014/main" val="2490568336"/>
+                    </a:ext>
+                  </a:extLst>
+                </a:gridCol>
+              </a:tblGrid>
+              <a:tr h="365760">
+                <a:tc>
+                  <a:txBody>
+                    <a:bodyPr/>
+                    <a:lstStyle/>
+                    <a:p>
+                      <a:pPr algn="l">
+                        <a:spcBef>
+                          <a:spcPts val="300"/>
+                        </a:spcBef>
+                        <a:spcAft>
+                          <a:spcPts val="300"/>
+                        </a:spcAft>
+                        <a:buNone/>
+                      </a:pPr>
+                      <a:r>
+                        <a:rPr lang="pt-PT" sz="1400" b="0" noProof="0" dirty="0">
+                          <a:solidFill>
+                            <a:schemeClr val="bg1"/>
+                          </a:solidFill>
+                        </a:rPr>
+                        <a:t>xi</a:t>
+                      </a:r>
+                    </a:p>
+                  </a:txBody>
+                  <a:tcPr marL="182880" marR="182880" marT="0" marB="0" anchor="ctr">
+                    <a:lnL w="12700" cap="flat" cmpd="sng" algn="ctr">
+                      <a:solidFill>
+                        <a:srgbClr val="0866FF"/>
+                      </a:solidFill>
+                      <a:prstDash val="solid"/>
+                      <a:round/>
+                      <a:headEnd type="none" w="med" len="med"/>
+                      <a:tailEnd type="none" w="med" len="med"/>
+                    </a:lnL>
+                    <a:lnT w="12700" cap="flat" cmpd="sng" algn="ctr">
+                      <a:solidFill>
+                        <a:srgbClr val="0866FF"/>
+                      </a:solidFill>
+                      <a:prstDash val="solid"/>
+                      <a:round/>
+                      <a:headEnd type="none" w="med" len="med"/>
+                      <a:tailEnd type="none" w="med" len="med"/>
+                    </a:lnT>
+                    <a:solidFill>
+                      <a:srgbClr val="0866FF"/>
+                    </a:solidFill>
+                  </a:tcPr>
+                </a:tc>
+                <a:tc>
+                  <a:txBody>
+                    <a:bodyPr/>
+                    <a:lstStyle/>
+                    <a:p>
+                      <a:pPr algn="ctr">
+                        <a:spcBef>
+                          <a:spcPts val="300"/>
+                        </a:spcBef>
+                        <a:spcAft>
+                          <a:spcPts val="300"/>
+                        </a:spcAft>
+                        <a:buNone/>
+                      </a:pPr>
+                      <a:r>
+                        <a:rPr lang="pt-PT" sz="1400" b="1" noProof="0" dirty="0">
+                          <a:solidFill>
+                            <a:schemeClr val="bg1"/>
+                          </a:solidFill>
+                        </a:rPr>
+                        <a:t>ni</a:t>
+                      </a:r>
+                    </a:p>
+                  </a:txBody>
+                  <a:tcPr marL="182880" marR="182880" marT="0" marB="0" anchor="ctr">
+                    <a:lnT w="12700" cap="flat" cmpd="sng" algn="ctr">
+                      <a:solidFill>
+                        <a:srgbClr val="0866FF"/>
+                      </a:solidFill>
+                      <a:prstDash val="solid"/>
+                      <a:round/>
+                      <a:headEnd type="none" w="med" len="med"/>
+                      <a:tailEnd type="none" w="med" len="med"/>
+                    </a:lnT>
+                    <a:solidFill>
+                      <a:srgbClr val="0866FF"/>
+                    </a:solidFill>
+                  </a:tcPr>
+                </a:tc>
+                <a:tc>
+                  <a:txBody>
+                    <a:bodyPr/>
+                    <a:lstStyle/>
+                    <a:p>
+                      <a:pPr algn="ctr">
+                        <a:spcBef>
+                          <a:spcPts val="300"/>
+                        </a:spcBef>
+                        <a:spcAft>
+                          <a:spcPts val="300"/>
+                        </a:spcAft>
+                        <a:buNone/>
+                      </a:pPr>
+                      <a:r>
+                        <a:rPr lang="pt-PT" sz="1400" b="1" noProof="0" dirty="0">
+                          <a:solidFill>
+                            <a:schemeClr val="bg1"/>
+                          </a:solidFill>
+                        </a:rPr>
+                        <a:t>fi</a:t>
+                      </a:r>
+                    </a:p>
+                  </a:txBody>
+                  <a:tcPr marL="182880" marR="182880" marT="0" marB="0" anchor="ctr">
+                    <a:lnT w="12700" cap="flat" cmpd="sng" algn="ctr">
+                      <a:solidFill>
+                        <a:srgbClr val="0866FF"/>
+                      </a:solidFill>
+                      <a:prstDash val="solid"/>
+                      <a:round/>
+                      <a:headEnd type="none" w="med" len="med"/>
+                      <a:tailEnd type="none" w="med" len="med"/>
+                    </a:lnT>
+                    <a:solidFill>
+                      <a:srgbClr val="0866FF"/>
+                    </a:solidFill>
+                  </a:tcPr>
+                </a:tc>
+                <a:tc>
+                  <a:txBody>
+                    <a:bodyPr/>
+                    <a:lstStyle/>
+                    <a:p>
+                      <a:pPr algn="ctr">
+                        <a:spcBef>
+                          <a:spcPts val="300"/>
+                        </a:spcBef>
+                        <a:spcAft>
+                          <a:spcPts val="300"/>
+                        </a:spcAft>
+                        <a:buNone/>
+                      </a:pPr>
+                      <a:r>
+                        <a:rPr lang="pt-PT" sz="1400" b="1" noProof="0" dirty="0">
+                          <a:solidFill>
+                            <a:schemeClr val="bg1"/>
+                          </a:solidFill>
+                        </a:rPr>
+                        <a:t>NI</a:t>
+                      </a:r>
+                    </a:p>
+                  </a:txBody>
+                  <a:tcPr marL="182880" marR="182880" marT="0" marB="0" anchor="ctr">
+                    <a:lnT w="12700" cap="flat" cmpd="sng" algn="ctr">
+                      <a:solidFill>
+                        <a:srgbClr val="0866FF"/>
+                      </a:solidFill>
+                      <a:prstDash val="solid"/>
+                      <a:round/>
+                      <a:headEnd type="none" w="med" len="med"/>
+                      <a:tailEnd type="none" w="med" len="med"/>
+                    </a:lnT>
+                    <a:solidFill>
+                      <a:srgbClr val="0866FF"/>
+                    </a:solidFill>
+                  </a:tcPr>
+                </a:tc>
+                <a:tc>
+                  <a:txBody>
+                    <a:bodyPr/>
+                    <a:lstStyle/>
+                    <a:p>
+                      <a:pPr algn="ctr">
+                        <a:spcBef>
+                          <a:spcPts val="300"/>
+                        </a:spcBef>
+                        <a:spcAft>
+                          <a:spcPts val="300"/>
+                        </a:spcAft>
+                        <a:buNone/>
+                      </a:pPr>
+                      <a:r>
+                        <a:rPr lang="pt-PT" sz="1400" b="1" noProof="0" dirty="0">
+                          <a:solidFill>
+                            <a:schemeClr val="bg1"/>
+                          </a:solidFill>
+                        </a:rPr>
+                        <a:t>FI</a:t>
+                      </a:r>
+                    </a:p>
+                  </a:txBody>
+                  <a:tcPr marL="182880" marR="182880" marT="0" marB="0" anchor="ctr">
+                    <a:lnR w="12700" cap="flat" cmpd="sng" algn="ctr">
+                      <a:solidFill>
+                        <a:srgbClr val="0866FF"/>
+                      </a:solidFill>
+                      <a:prstDash val="solid"/>
+                      <a:round/>
+                      <a:headEnd type="none" w="med" len="med"/>
+                      <a:tailEnd type="none" w="med" len="med"/>
+                    </a:lnR>
+                    <a:lnT w="12700" cap="flat" cmpd="sng" algn="ctr">
+                      <a:solidFill>
+                        <a:srgbClr val="0866FF"/>
+                      </a:solidFill>
+                      <a:prstDash val="solid"/>
+                      <a:round/>
+                      <a:headEnd type="none" w="med" len="med"/>
+                      <a:tailEnd type="none" w="med" len="med"/>
+                    </a:lnT>
+                    <a:solidFill>
+                      <a:srgbClr val="0866FF"/>
+                    </a:solidFill>
+                  </a:tcPr>
+                </a:tc>
+                <a:extLst>
+                  <a:ext uri="{0D108BD9-81ED-4DB2-BD59-A6C34878D82A}">
+                    <a16:rowId xmlns:a16="http://schemas.microsoft.com/office/drawing/2014/main" val="1624116784"/>
+                  </a:ext>
+                </a:extLst>
+              </a:tr>
+              <a:tr h="365760">
+                <a:tc>
+                  <a:txBody>
+                    <a:bodyPr/>
+                    <a:lstStyle/>
+                    <a:p>
+                      <a:pPr algn="l">
+                        <a:spcBef>
+                          <a:spcPts val="300"/>
+                        </a:spcBef>
+                        <a:spcAft>
+                          <a:spcPts val="300"/>
+                        </a:spcAft>
+                        <a:buNone/>
+                      </a:pPr>
+                      <a:r>
+                        <a:rPr lang="pt-PT" sz="1200" b="1" noProof="0" dirty="0">
+                          <a:solidFill>
+                            <a:schemeClr val="tx1"/>
+                          </a:solidFill>
+                        </a:rPr>
+                        <a:t>Link</a:t>
+                      </a:r>
+                    </a:p>
+                  </a:txBody>
+                  <a:tcPr marL="182880" marR="182880" marT="0" marB="0" anchor="ctr">
+                    <a:lnL w="12700" cap="flat" cmpd="sng" algn="ctr">
+                      <a:solidFill>
+                        <a:srgbClr val="0866FF"/>
+                      </a:solidFill>
+                      <a:prstDash val="solid"/>
+                      <a:round/>
+                      <a:headEnd type="none" w="med" len="med"/>
+                      <a:tailEnd type="none" w="med" len="med"/>
+                    </a:lnL>
+                    <a:lnB w="12700" cap="flat" cmpd="sng" algn="ctr">
+                      <a:solidFill>
+                        <a:schemeClr val="tx1">
+                          <a:lumMod val="50000"/>
+                          <a:lumOff val="50000"/>
+                        </a:schemeClr>
+                      </a:solidFill>
+                      <a:prstDash val="solid"/>
+                      <a:round/>
+                      <a:headEnd type="none" w="med" len="med"/>
+                      <a:tailEnd type="none" w="med" len="med"/>
+                    </a:lnB>
+                    <a:solidFill>
+                      <a:schemeClr val="bg1"/>
+                    </a:solidFill>
+                  </a:tcPr>
+                </a:tc>
+                <a:tc>
+                  <a:txBody>
+                    <a:bodyPr/>
+                    <a:lstStyle/>
+                    <a:p>
+                      <a:pPr algn="ctr">
+                        <a:spcBef>
+                          <a:spcPts val="300"/>
+                        </a:spcBef>
+                        <a:spcAft>
+                          <a:spcPts val="300"/>
+                        </a:spcAft>
+                        <a:buNone/>
+                      </a:pPr>
+                      <a:r>
+                        <a:rPr lang="pt-PT" sz="1200" b="0" noProof="0" dirty="0">
+                          <a:solidFill>
+                            <a:schemeClr val="tx1"/>
+                          </a:solidFill>
+                        </a:rPr>
+                        <a:t>22</a:t>
+                      </a:r>
+                    </a:p>
+                  </a:txBody>
+                  <a:tcPr marL="182880" marR="182880" marT="0" marB="0" anchor="ctr">
+                    <a:lnB w="12700" cap="flat" cmpd="sng" algn="ctr">
+                      <a:solidFill>
+                        <a:schemeClr val="tx1">
+                          <a:lumMod val="50000"/>
+                          <a:lumOff val="50000"/>
+                        </a:schemeClr>
+                      </a:solidFill>
+                      <a:prstDash val="solid"/>
+                      <a:round/>
+                      <a:headEnd type="none" w="med" len="med"/>
+                      <a:tailEnd type="none" w="med" len="med"/>
+                    </a:lnB>
+                    <a:solidFill>
+                      <a:schemeClr val="bg1"/>
+                    </a:solidFill>
+                  </a:tcPr>
+                </a:tc>
+                <a:tc>
+                  <a:txBody>
+                    <a:bodyPr/>
+                    <a:lstStyle/>
+                    <a:p>
+                      <a:pPr algn="ctr">
+                        <a:spcBef>
+                          <a:spcPts val="300"/>
+                        </a:spcBef>
+                        <a:spcAft>
+                          <a:spcPts val="300"/>
+                        </a:spcAft>
+                        <a:buNone/>
+                      </a:pPr>
+                      <a:r>
+                        <a:rPr lang="pt-PT" sz="1200" b="0" noProof="0" dirty="0">
+                          <a:solidFill>
+                            <a:schemeClr val="tx1"/>
+                          </a:solidFill>
+                        </a:rPr>
+                        <a:t>0.044</a:t>
+                      </a:r>
+                    </a:p>
+                  </a:txBody>
+                  <a:tcPr marL="182880" marR="182880" marT="0" marB="0" anchor="ctr">
+                    <a:lnB w="12700" cap="flat" cmpd="sng" algn="ctr">
+                      <a:solidFill>
+                        <a:schemeClr val="tx1">
+                          <a:lumMod val="50000"/>
+                          <a:lumOff val="50000"/>
+                        </a:schemeClr>
+                      </a:solidFill>
+                      <a:prstDash val="solid"/>
+                      <a:round/>
+                      <a:headEnd type="none" w="med" len="med"/>
+                      <a:tailEnd type="none" w="med" len="med"/>
+                    </a:lnB>
+                    <a:solidFill>
+                      <a:schemeClr val="bg1"/>
+                    </a:solidFill>
+                  </a:tcPr>
+                </a:tc>
+                <a:tc>
+                  <a:txBody>
+                    <a:bodyPr/>
+                    <a:lstStyle/>
+                    <a:p>
+                      <a:pPr algn="ctr">
+                        <a:spcBef>
+                          <a:spcPts val="300"/>
+                        </a:spcBef>
+                        <a:spcAft>
+                          <a:spcPts val="300"/>
+                        </a:spcAft>
+                        <a:buNone/>
+                      </a:pPr>
+                      <a:r>
+                        <a:rPr lang="pt-PT" sz="1200" b="0" noProof="0" dirty="0">
+                          <a:solidFill>
+                            <a:schemeClr val="tx1"/>
+                          </a:solidFill>
+                        </a:rPr>
+                        <a:t>22</a:t>
+                      </a:r>
+                    </a:p>
+                  </a:txBody>
+                  <a:tcPr marL="182880" marR="182880" marT="0" marB="0" anchor="ctr">
+                    <a:lnB w="12700" cap="flat" cmpd="sng" algn="ctr">
+                      <a:solidFill>
+                        <a:schemeClr val="tx1">
+                          <a:lumMod val="50000"/>
+                          <a:lumOff val="50000"/>
+                        </a:schemeClr>
+                      </a:solidFill>
+                      <a:prstDash val="solid"/>
+                      <a:round/>
+                      <a:headEnd type="none" w="med" len="med"/>
+                      <a:tailEnd type="none" w="med" len="med"/>
+                    </a:lnB>
+                    <a:solidFill>
+                      <a:schemeClr val="bg1"/>
+                    </a:solidFill>
+                  </a:tcPr>
+                </a:tc>
+                <a:tc>
+                  <a:txBody>
+                    <a:bodyPr/>
+                    <a:lstStyle/>
+                    <a:p>
+                      <a:pPr algn="ctr">
+                        <a:spcBef>
+                          <a:spcPts val="300"/>
+                        </a:spcBef>
+                        <a:spcAft>
+                          <a:spcPts val="300"/>
+                        </a:spcAft>
+                        <a:buNone/>
+                      </a:pPr>
+                      <a:r>
+                        <a:rPr lang="pt-PT" sz="1200" b="0" noProof="0" dirty="0">
+                          <a:solidFill>
+                            <a:schemeClr val="tx1"/>
+                          </a:solidFill>
+                        </a:rPr>
+                        <a:t>0.044</a:t>
+                      </a:r>
+                    </a:p>
+                  </a:txBody>
+                  <a:tcPr marL="182880" marR="182880" marT="0" marB="0" anchor="ctr">
+                    <a:lnR w="12700" cap="flat" cmpd="sng" algn="ctr">
+                      <a:solidFill>
+                        <a:srgbClr val="0866FF"/>
+                      </a:solidFill>
+                      <a:prstDash val="solid"/>
+                      <a:round/>
+                      <a:headEnd type="none" w="med" len="med"/>
+                      <a:tailEnd type="none" w="med" len="med"/>
+                    </a:lnR>
+                    <a:lnB w="12700" cap="flat" cmpd="sng" algn="ctr">
+                      <a:solidFill>
+                        <a:schemeClr val="tx1">
+                          <a:lumMod val="50000"/>
+                          <a:lumOff val="50000"/>
+                        </a:schemeClr>
+                      </a:solidFill>
+                      <a:prstDash val="solid"/>
+                      <a:round/>
+                      <a:headEnd type="none" w="med" len="med"/>
+                      <a:tailEnd type="none" w="med" len="med"/>
+                    </a:lnB>
+                    <a:solidFill>
+                      <a:schemeClr val="bg1"/>
+                    </a:solidFill>
+                  </a:tcPr>
+                </a:tc>
+                <a:extLst>
+                  <a:ext uri="{0D108BD9-81ED-4DB2-BD59-A6C34878D82A}">
+                    <a16:rowId xmlns:a16="http://schemas.microsoft.com/office/drawing/2014/main" val="3465758157"/>
+                  </a:ext>
+                </a:extLst>
+              </a:tr>
+              <a:tr h="365760">
+                <a:tc>
+                  <a:txBody>
+                    <a:bodyPr/>
+                    <a:lstStyle/>
+                    <a:p>
+                      <a:pPr algn="l">
+                        <a:spcBef>
+                          <a:spcPts val="300"/>
+                        </a:spcBef>
+                        <a:spcAft>
+                          <a:spcPts val="300"/>
+                        </a:spcAft>
+                        <a:buNone/>
+                      </a:pPr>
+                      <a:r>
+                        <a:rPr lang="pt-PT" sz="1200" b="1" noProof="0" dirty="0" err="1">
+                          <a:solidFill>
+                            <a:schemeClr val="tx1"/>
+                          </a:solidFill>
+                        </a:rPr>
+                        <a:t>Photo</a:t>
+                      </a:r>
+                      <a:endParaRPr lang="pt-PT" sz="1200" b="1" noProof="0" dirty="0">
+                        <a:solidFill>
+                          <a:schemeClr val="tx1"/>
+                        </a:solidFill>
+                      </a:endParaRPr>
+                    </a:p>
+                  </a:txBody>
+                  <a:tcPr marL="182880" marR="182880" marT="0" marB="0" anchor="ctr">
+                    <a:lnL w="12700" cap="flat" cmpd="sng" algn="ctr">
+                      <a:solidFill>
+                        <a:srgbClr val="0866FF"/>
+                      </a:solidFill>
+                      <a:prstDash val="solid"/>
+                      <a:round/>
+                      <a:headEnd type="none" w="med" len="med"/>
+                      <a:tailEnd type="none" w="med" len="med"/>
+                    </a:lnL>
+                    <a:lnT w="12700" cap="flat" cmpd="sng" algn="ctr">
+                      <a:solidFill>
+                        <a:schemeClr val="tx1">
+                          <a:lumMod val="50000"/>
+                          <a:lumOff val="50000"/>
+                        </a:schemeClr>
+                      </a:solidFill>
+                      <a:prstDash val="solid"/>
+                      <a:round/>
+                      <a:headEnd type="none" w="med" len="med"/>
+                      <a:tailEnd type="none" w="med" len="med"/>
+                    </a:lnT>
+                    <a:lnB w="12700" cap="flat" cmpd="sng" algn="ctr">
+                      <a:solidFill>
+                        <a:schemeClr val="tx1">
+                          <a:lumMod val="50000"/>
+                          <a:lumOff val="50000"/>
+                        </a:schemeClr>
+                      </a:solidFill>
+                      <a:prstDash val="solid"/>
+                      <a:round/>
+                      <a:headEnd type="none" w="med" len="med"/>
+                      <a:tailEnd type="none" w="med" len="med"/>
+                    </a:lnB>
+                    <a:solidFill>
+                      <a:schemeClr val="bg1"/>
+                    </a:solidFill>
+                  </a:tcPr>
+                </a:tc>
+                <a:tc>
+                  <a:txBody>
+                    <a:bodyPr/>
+                    <a:lstStyle/>
+                    <a:p>
+                      <a:pPr algn="ctr">
+                        <a:spcBef>
+                          <a:spcPts val="300"/>
+                        </a:spcBef>
+                        <a:spcAft>
+                          <a:spcPts val="300"/>
+                        </a:spcAft>
+                        <a:buNone/>
+                      </a:pPr>
+                      <a:r>
+                        <a:rPr lang="pt-PT" sz="1200" b="0" noProof="0" dirty="0">
+                          <a:solidFill>
+                            <a:schemeClr val="tx1"/>
+                          </a:solidFill>
+                        </a:rPr>
+                        <a:t>426</a:t>
+                      </a:r>
+                    </a:p>
+                  </a:txBody>
+                  <a:tcPr marL="182880" marR="182880" marT="0" marB="0" anchor="ctr">
+                    <a:lnT w="12700" cap="flat" cmpd="sng" algn="ctr">
+                      <a:solidFill>
+                        <a:schemeClr val="tx1">
+                          <a:lumMod val="50000"/>
+                          <a:lumOff val="50000"/>
+                        </a:schemeClr>
+                      </a:solidFill>
+                      <a:prstDash val="solid"/>
+                      <a:round/>
+                      <a:headEnd type="none" w="med" len="med"/>
+                      <a:tailEnd type="none" w="med" len="med"/>
+                    </a:lnT>
+                    <a:lnB w="12700" cap="flat" cmpd="sng" algn="ctr">
+                      <a:solidFill>
+                        <a:schemeClr val="tx1">
+                          <a:lumMod val="50000"/>
+                          <a:lumOff val="50000"/>
+                        </a:schemeClr>
+                      </a:solidFill>
+                      <a:prstDash val="solid"/>
+                      <a:round/>
+                      <a:headEnd type="none" w="med" len="med"/>
+                      <a:tailEnd type="none" w="med" len="med"/>
+                    </a:lnB>
+                    <a:solidFill>
+                      <a:schemeClr val="bg1"/>
+                    </a:solidFill>
+                  </a:tcPr>
+                </a:tc>
+                <a:tc>
+                  <a:txBody>
+                    <a:bodyPr/>
+                    <a:lstStyle/>
+                    <a:p>
+                      <a:pPr algn="ctr">
+                        <a:spcBef>
+                          <a:spcPts val="300"/>
+                        </a:spcBef>
+                        <a:spcAft>
+                          <a:spcPts val="300"/>
+                        </a:spcAft>
+                        <a:buNone/>
+                      </a:pPr>
+                      <a:r>
+                        <a:rPr lang="pt-PT" sz="1200" b="0" noProof="0" dirty="0">
+                          <a:solidFill>
+                            <a:schemeClr val="tx1"/>
+                          </a:solidFill>
+                        </a:rPr>
+                        <a:t>0.852</a:t>
+                      </a:r>
+                    </a:p>
+                  </a:txBody>
+                  <a:tcPr marL="182880" marR="182880" marT="0" marB="0" anchor="ctr">
+                    <a:lnT w="12700" cap="flat" cmpd="sng" algn="ctr">
+                      <a:solidFill>
+                        <a:schemeClr val="tx1">
+                          <a:lumMod val="50000"/>
+                          <a:lumOff val="50000"/>
+                        </a:schemeClr>
+                      </a:solidFill>
+                      <a:prstDash val="solid"/>
+                      <a:round/>
+                      <a:headEnd type="none" w="med" len="med"/>
+                      <a:tailEnd type="none" w="med" len="med"/>
+                    </a:lnT>
+                    <a:lnB w="12700" cap="flat" cmpd="sng" algn="ctr">
+                      <a:solidFill>
+                        <a:schemeClr val="tx1">
+                          <a:lumMod val="50000"/>
+                          <a:lumOff val="50000"/>
+                        </a:schemeClr>
+                      </a:solidFill>
+                      <a:prstDash val="solid"/>
+                      <a:round/>
+                      <a:headEnd type="none" w="med" len="med"/>
+                      <a:tailEnd type="none" w="med" len="med"/>
+                    </a:lnB>
+                    <a:solidFill>
+                      <a:schemeClr val="bg1"/>
+                    </a:solidFill>
+                  </a:tcPr>
+                </a:tc>
+                <a:tc>
+                  <a:txBody>
+                    <a:bodyPr/>
+                    <a:lstStyle/>
+                    <a:p>
+                      <a:pPr algn="ctr">
+                        <a:spcBef>
+                          <a:spcPts val="300"/>
+                        </a:spcBef>
+                        <a:spcAft>
+                          <a:spcPts val="300"/>
+                        </a:spcAft>
+                        <a:buNone/>
+                      </a:pPr>
+                      <a:r>
+                        <a:rPr lang="pt-PT" sz="1200" b="0" noProof="0" dirty="0">
+                          <a:solidFill>
+                            <a:schemeClr val="tx1"/>
+                          </a:solidFill>
+                        </a:rPr>
+                        <a:t>448</a:t>
+                      </a:r>
+                    </a:p>
+                  </a:txBody>
+                  <a:tcPr marL="182880" marR="182880" marT="0" marB="0" anchor="ctr">
+                    <a:lnT w="12700" cap="flat" cmpd="sng" algn="ctr">
+                      <a:solidFill>
+                        <a:schemeClr val="tx1">
+                          <a:lumMod val="50000"/>
+                          <a:lumOff val="50000"/>
+                        </a:schemeClr>
+                      </a:solidFill>
+                      <a:prstDash val="solid"/>
+                      <a:round/>
+                      <a:headEnd type="none" w="med" len="med"/>
+                      <a:tailEnd type="none" w="med" len="med"/>
+                    </a:lnT>
+                    <a:lnB w="12700" cap="flat" cmpd="sng" algn="ctr">
+                      <a:solidFill>
+                        <a:schemeClr val="tx1">
+                          <a:lumMod val="50000"/>
+                          <a:lumOff val="50000"/>
+                        </a:schemeClr>
+                      </a:solidFill>
+                      <a:prstDash val="solid"/>
+                      <a:round/>
+                      <a:headEnd type="none" w="med" len="med"/>
+                      <a:tailEnd type="none" w="med" len="med"/>
+                    </a:lnB>
+                    <a:solidFill>
+                      <a:schemeClr val="bg1"/>
+                    </a:solidFill>
+                  </a:tcPr>
+                </a:tc>
+                <a:tc>
+                  <a:txBody>
+                    <a:bodyPr/>
+                    <a:lstStyle/>
+                    <a:p>
+                      <a:pPr algn="ctr">
+                        <a:spcBef>
+                          <a:spcPts val="300"/>
+                        </a:spcBef>
+                        <a:spcAft>
+                          <a:spcPts val="300"/>
+                        </a:spcAft>
+                        <a:buNone/>
+                      </a:pPr>
+                      <a:r>
+                        <a:rPr lang="pt-PT" sz="1200" b="0" noProof="0" dirty="0">
+                          <a:solidFill>
+                            <a:schemeClr val="tx1"/>
+                          </a:solidFill>
+                        </a:rPr>
+                        <a:t>0.896</a:t>
+                      </a:r>
+                    </a:p>
+                  </a:txBody>
+                  <a:tcPr marL="182880" marR="182880" marT="0" marB="0" anchor="ctr">
+                    <a:lnR w="12700" cap="flat" cmpd="sng" algn="ctr">
+                      <a:solidFill>
+                        <a:srgbClr val="0866FF"/>
+                      </a:solidFill>
+                      <a:prstDash val="solid"/>
+                      <a:round/>
+                      <a:headEnd type="none" w="med" len="med"/>
+                      <a:tailEnd type="none" w="med" len="med"/>
+                    </a:lnR>
+                    <a:lnT w="12700" cap="flat" cmpd="sng" algn="ctr">
+                      <a:solidFill>
+                        <a:schemeClr val="tx1">
+                          <a:lumMod val="50000"/>
+                          <a:lumOff val="50000"/>
+                        </a:schemeClr>
+                      </a:solidFill>
+                      <a:prstDash val="solid"/>
+                      <a:round/>
+                      <a:headEnd type="none" w="med" len="med"/>
+                      <a:tailEnd type="none" w="med" len="med"/>
+                    </a:lnT>
+                    <a:lnB w="12700" cap="flat" cmpd="sng" algn="ctr">
+                      <a:solidFill>
+                        <a:schemeClr val="tx1">
+                          <a:lumMod val="50000"/>
+                          <a:lumOff val="50000"/>
+                        </a:schemeClr>
+                      </a:solidFill>
+                      <a:prstDash val="solid"/>
+                      <a:round/>
+                      <a:headEnd type="none" w="med" len="med"/>
+                      <a:tailEnd type="none" w="med" len="med"/>
+                    </a:lnB>
+                    <a:solidFill>
+                      <a:schemeClr val="bg1"/>
+                    </a:solidFill>
+                  </a:tcPr>
+                </a:tc>
+                <a:extLst>
+                  <a:ext uri="{0D108BD9-81ED-4DB2-BD59-A6C34878D82A}">
+                    <a16:rowId xmlns:a16="http://schemas.microsoft.com/office/drawing/2014/main" val="749202451"/>
+                  </a:ext>
+                </a:extLst>
+              </a:tr>
+              <a:tr h="365760">
+                <a:tc>
+                  <a:txBody>
+                    <a:bodyPr/>
+                    <a:lstStyle/>
+                    <a:p>
+                      <a:pPr algn="l">
+                        <a:spcBef>
+                          <a:spcPts val="300"/>
+                        </a:spcBef>
+                        <a:spcAft>
+                          <a:spcPts val="300"/>
+                        </a:spcAft>
+                        <a:buNone/>
+                      </a:pPr>
+                      <a:r>
+                        <a:rPr lang="pt-PT" sz="1200" b="1" noProof="0" dirty="0">
+                          <a:solidFill>
+                            <a:schemeClr val="tx1"/>
+                          </a:solidFill>
+                        </a:rPr>
+                        <a:t>Status</a:t>
+                      </a:r>
+                    </a:p>
+                  </a:txBody>
+                  <a:tcPr marL="182880" marR="182880" marT="0" marB="0" anchor="ctr">
+                    <a:lnL w="12700" cap="flat" cmpd="sng" algn="ctr">
+                      <a:solidFill>
+                        <a:srgbClr val="0866FF"/>
+                      </a:solidFill>
+                      <a:prstDash val="solid"/>
+                      <a:round/>
+                      <a:headEnd type="none" w="med" len="med"/>
+                      <a:tailEnd type="none" w="med" len="med"/>
+                    </a:lnL>
+                    <a:lnT w="12700" cap="flat" cmpd="sng" algn="ctr">
+                      <a:solidFill>
+                        <a:schemeClr val="tx1">
+                          <a:lumMod val="50000"/>
+                          <a:lumOff val="50000"/>
+                        </a:schemeClr>
+                      </a:solidFill>
+                      <a:prstDash val="solid"/>
+                      <a:round/>
+                      <a:headEnd type="none" w="med" len="med"/>
+                      <a:tailEnd type="none" w="med" len="med"/>
+                    </a:lnT>
+                    <a:lnB w="12700" cap="flat" cmpd="sng" algn="ctr">
+                      <a:solidFill>
+                        <a:schemeClr val="tx1">
+                          <a:lumMod val="50000"/>
+                          <a:lumOff val="50000"/>
+                        </a:schemeClr>
+                      </a:solidFill>
+                      <a:prstDash val="solid"/>
+                      <a:round/>
+                      <a:headEnd type="none" w="med" len="med"/>
+                      <a:tailEnd type="none" w="med" len="med"/>
+                    </a:lnB>
+                    <a:solidFill>
+                      <a:schemeClr val="bg1"/>
+                    </a:solidFill>
+                  </a:tcPr>
+                </a:tc>
+                <a:tc>
+                  <a:txBody>
+                    <a:bodyPr/>
+                    <a:lstStyle/>
+                    <a:p>
+                      <a:pPr algn="ctr">
+                        <a:spcBef>
+                          <a:spcPts val="300"/>
+                        </a:spcBef>
+                        <a:spcAft>
+                          <a:spcPts val="300"/>
+                        </a:spcAft>
+                        <a:buNone/>
+                      </a:pPr>
+                      <a:r>
+                        <a:rPr lang="pt-PT" sz="1200" b="0" noProof="0" dirty="0">
+                          <a:solidFill>
+                            <a:schemeClr val="tx1"/>
+                          </a:solidFill>
+                        </a:rPr>
+                        <a:t>45</a:t>
+                      </a:r>
+                    </a:p>
+                  </a:txBody>
+                  <a:tcPr marL="182880" marR="182880" marT="0" marB="0" anchor="ctr">
+                    <a:lnT w="12700" cap="flat" cmpd="sng" algn="ctr">
+                      <a:solidFill>
+                        <a:schemeClr val="tx1">
+                          <a:lumMod val="50000"/>
+                          <a:lumOff val="50000"/>
+                        </a:schemeClr>
+                      </a:solidFill>
+                      <a:prstDash val="solid"/>
+                      <a:round/>
+                      <a:headEnd type="none" w="med" len="med"/>
+                      <a:tailEnd type="none" w="med" len="med"/>
+                    </a:lnT>
+                    <a:lnB w="12700" cap="flat" cmpd="sng" algn="ctr">
+                      <a:solidFill>
+                        <a:schemeClr val="tx1">
+                          <a:lumMod val="50000"/>
+                          <a:lumOff val="50000"/>
+                        </a:schemeClr>
+                      </a:solidFill>
+                      <a:prstDash val="solid"/>
+                      <a:round/>
+                      <a:headEnd type="none" w="med" len="med"/>
+                      <a:tailEnd type="none" w="med" len="med"/>
+                    </a:lnB>
+                    <a:solidFill>
+                      <a:schemeClr val="bg1"/>
+                    </a:solidFill>
+                  </a:tcPr>
+                </a:tc>
+                <a:tc>
+                  <a:txBody>
+                    <a:bodyPr/>
+                    <a:lstStyle/>
+                    <a:p>
+                      <a:pPr algn="ctr">
+                        <a:spcBef>
+                          <a:spcPts val="300"/>
+                        </a:spcBef>
+                        <a:spcAft>
+                          <a:spcPts val="300"/>
+                        </a:spcAft>
+                        <a:buNone/>
+                      </a:pPr>
+                      <a:r>
+                        <a:rPr lang="pt-PT" sz="1200" b="0" noProof="0" dirty="0">
+                          <a:solidFill>
+                            <a:schemeClr val="tx1"/>
+                          </a:solidFill>
+                        </a:rPr>
+                        <a:t>0.090</a:t>
+                      </a:r>
+                    </a:p>
+                  </a:txBody>
+                  <a:tcPr marL="182880" marR="182880" marT="0" marB="0" anchor="ctr">
+                    <a:lnT w="12700" cap="flat" cmpd="sng" algn="ctr">
+                      <a:solidFill>
+                        <a:schemeClr val="tx1">
+                          <a:lumMod val="50000"/>
+                          <a:lumOff val="50000"/>
+                        </a:schemeClr>
+                      </a:solidFill>
+                      <a:prstDash val="solid"/>
+                      <a:round/>
+                      <a:headEnd type="none" w="med" len="med"/>
+                      <a:tailEnd type="none" w="med" len="med"/>
+                    </a:lnT>
+                    <a:lnB w="12700" cap="flat" cmpd="sng" algn="ctr">
+                      <a:solidFill>
+                        <a:schemeClr val="tx1">
+                          <a:lumMod val="50000"/>
+                          <a:lumOff val="50000"/>
+                        </a:schemeClr>
+                      </a:solidFill>
+                      <a:prstDash val="solid"/>
+                      <a:round/>
+                      <a:headEnd type="none" w="med" len="med"/>
+                      <a:tailEnd type="none" w="med" len="med"/>
+                    </a:lnB>
+                    <a:solidFill>
+                      <a:schemeClr val="bg1"/>
+                    </a:solidFill>
+                  </a:tcPr>
+                </a:tc>
+                <a:tc>
+                  <a:txBody>
+                    <a:bodyPr/>
+                    <a:lstStyle/>
+                    <a:p>
+                      <a:pPr algn="ctr">
+                        <a:spcBef>
+                          <a:spcPts val="300"/>
+                        </a:spcBef>
+                        <a:spcAft>
+                          <a:spcPts val="300"/>
+                        </a:spcAft>
+                        <a:buNone/>
+                      </a:pPr>
+                      <a:r>
+                        <a:rPr lang="pt-PT" sz="1200" b="0" noProof="0" dirty="0">
+                          <a:solidFill>
+                            <a:schemeClr val="tx1"/>
+                          </a:solidFill>
+                        </a:rPr>
+                        <a:t>493</a:t>
+                      </a:r>
+                    </a:p>
+                  </a:txBody>
+                  <a:tcPr marL="182880" marR="182880" marT="0" marB="0" anchor="ctr">
+                    <a:lnT w="12700" cap="flat" cmpd="sng" algn="ctr">
+                      <a:solidFill>
+                        <a:schemeClr val="tx1">
+                          <a:lumMod val="50000"/>
+                          <a:lumOff val="50000"/>
+                        </a:schemeClr>
+                      </a:solidFill>
+                      <a:prstDash val="solid"/>
+                      <a:round/>
+                      <a:headEnd type="none" w="med" len="med"/>
+                      <a:tailEnd type="none" w="med" len="med"/>
+                    </a:lnT>
+                    <a:lnB w="12700" cap="flat" cmpd="sng" algn="ctr">
+                      <a:solidFill>
+                        <a:schemeClr val="tx1">
+                          <a:lumMod val="50000"/>
+                          <a:lumOff val="50000"/>
+                        </a:schemeClr>
+                      </a:solidFill>
+                      <a:prstDash val="solid"/>
+                      <a:round/>
+                      <a:headEnd type="none" w="med" len="med"/>
+                      <a:tailEnd type="none" w="med" len="med"/>
+                    </a:lnB>
+                    <a:solidFill>
+                      <a:schemeClr val="bg1"/>
+                    </a:solidFill>
+                  </a:tcPr>
+                </a:tc>
+                <a:tc>
+                  <a:txBody>
+                    <a:bodyPr/>
+                    <a:lstStyle/>
+                    <a:p>
+                      <a:pPr algn="ctr">
+                        <a:spcBef>
+                          <a:spcPts val="300"/>
+                        </a:spcBef>
+                        <a:spcAft>
+                          <a:spcPts val="300"/>
+                        </a:spcAft>
+                        <a:buNone/>
+                      </a:pPr>
+                      <a:r>
+                        <a:rPr lang="pt-PT" sz="1200" b="0" noProof="0" dirty="0">
+                          <a:solidFill>
+                            <a:schemeClr val="tx1"/>
+                          </a:solidFill>
+                        </a:rPr>
+                        <a:t>0.986</a:t>
+                      </a:r>
+                    </a:p>
+                  </a:txBody>
+                  <a:tcPr marL="182880" marR="182880" marT="0" marB="0" anchor="ctr">
+                    <a:lnR w="12700" cap="flat" cmpd="sng" algn="ctr">
+                      <a:solidFill>
+                        <a:srgbClr val="0866FF"/>
+                      </a:solidFill>
+                      <a:prstDash val="solid"/>
+                      <a:round/>
+                      <a:headEnd type="none" w="med" len="med"/>
+                      <a:tailEnd type="none" w="med" len="med"/>
+                    </a:lnR>
+                    <a:lnT w="12700" cap="flat" cmpd="sng" algn="ctr">
+                      <a:solidFill>
+                        <a:schemeClr val="tx1">
+                          <a:lumMod val="50000"/>
+                          <a:lumOff val="50000"/>
+                        </a:schemeClr>
+                      </a:solidFill>
+                      <a:prstDash val="solid"/>
+                      <a:round/>
+                      <a:headEnd type="none" w="med" len="med"/>
+                      <a:tailEnd type="none" w="med" len="med"/>
+                    </a:lnT>
+                    <a:lnB w="12700" cap="flat" cmpd="sng" algn="ctr">
+                      <a:solidFill>
+                        <a:schemeClr val="tx1">
+                          <a:lumMod val="50000"/>
+                          <a:lumOff val="50000"/>
+                        </a:schemeClr>
+                      </a:solidFill>
+                      <a:prstDash val="solid"/>
+                      <a:round/>
+                      <a:headEnd type="none" w="med" len="med"/>
+                      <a:tailEnd type="none" w="med" len="med"/>
+                    </a:lnB>
+                    <a:solidFill>
+                      <a:schemeClr val="bg1"/>
+                    </a:solidFill>
+                  </a:tcPr>
+                </a:tc>
+                <a:extLst>
+                  <a:ext uri="{0D108BD9-81ED-4DB2-BD59-A6C34878D82A}">
+                    <a16:rowId xmlns:a16="http://schemas.microsoft.com/office/drawing/2014/main" val="1377538796"/>
+                  </a:ext>
+                </a:extLst>
+              </a:tr>
+              <a:tr h="365760">
+                <a:tc>
+                  <a:txBody>
+                    <a:bodyPr/>
+                    <a:lstStyle/>
+                    <a:p>
+                      <a:pPr algn="l">
+                        <a:spcBef>
+                          <a:spcPts val="300"/>
+                        </a:spcBef>
+                        <a:spcAft>
+                          <a:spcPts val="300"/>
+                        </a:spcAft>
+                        <a:buNone/>
+                      </a:pPr>
+                      <a:r>
+                        <a:rPr lang="pt-PT" sz="1200" b="1" noProof="0" dirty="0" err="1">
+                          <a:solidFill>
+                            <a:schemeClr val="tx1"/>
+                          </a:solidFill>
+                        </a:rPr>
+                        <a:t>Video</a:t>
+                      </a:r>
+                      <a:endParaRPr lang="pt-PT" sz="1200" b="1" noProof="0" dirty="0">
+                        <a:solidFill>
+                          <a:schemeClr val="tx1"/>
+                        </a:solidFill>
+                      </a:endParaRPr>
+                    </a:p>
+                  </a:txBody>
+                  <a:tcPr marL="182880" marR="182880" marT="0" marB="0" anchor="ctr">
+                    <a:lnL w="12700" cap="flat" cmpd="sng" algn="ctr">
+                      <a:solidFill>
+                        <a:srgbClr val="0866FF"/>
+                      </a:solidFill>
+                      <a:prstDash val="solid"/>
+                      <a:round/>
+                      <a:headEnd type="none" w="med" len="med"/>
+                      <a:tailEnd type="none" w="med" len="med"/>
+                    </a:lnL>
+                    <a:lnT w="12700" cap="flat" cmpd="sng" algn="ctr">
+                      <a:solidFill>
+                        <a:schemeClr val="tx1">
+                          <a:lumMod val="50000"/>
+                          <a:lumOff val="50000"/>
+                        </a:schemeClr>
+                      </a:solidFill>
+                      <a:prstDash val="solid"/>
+                      <a:round/>
+                      <a:headEnd type="none" w="med" len="med"/>
+                      <a:tailEnd type="none" w="med" len="med"/>
+                    </a:lnT>
+                    <a:lnB w="12700" cap="flat" cmpd="sng" algn="ctr">
+                      <a:solidFill>
+                        <a:srgbClr val="0866FF"/>
+                      </a:solidFill>
+                      <a:prstDash val="solid"/>
+                      <a:round/>
+                      <a:headEnd type="none" w="med" len="med"/>
+                      <a:tailEnd type="none" w="med" len="med"/>
+                    </a:lnB>
+                    <a:solidFill>
+                      <a:schemeClr val="bg1"/>
+                    </a:solidFill>
+                  </a:tcPr>
+                </a:tc>
+                <a:tc>
+                  <a:txBody>
+                    <a:bodyPr/>
+                    <a:lstStyle/>
+                    <a:p>
+                      <a:pPr algn="ctr">
+                        <a:spcBef>
+                          <a:spcPts val="300"/>
+                        </a:spcBef>
+                        <a:spcAft>
+                          <a:spcPts val="300"/>
+                        </a:spcAft>
+                        <a:buNone/>
+                      </a:pPr>
+                      <a:r>
+                        <a:rPr lang="pt-PT" sz="1200" noProof="0" dirty="0">
+                          <a:solidFill>
+                            <a:schemeClr val="tx1"/>
+                          </a:solidFill>
+                        </a:rPr>
+                        <a:t>7</a:t>
+                      </a:r>
+                    </a:p>
+                  </a:txBody>
+                  <a:tcPr marL="182880" marR="182880" marT="0" marB="0" anchor="ctr">
+                    <a:lnT w="12700" cap="flat" cmpd="sng" algn="ctr">
+                      <a:solidFill>
+                        <a:schemeClr val="tx1">
+                          <a:lumMod val="50000"/>
+                          <a:lumOff val="50000"/>
+                        </a:schemeClr>
+                      </a:solidFill>
+                      <a:prstDash val="solid"/>
+                      <a:round/>
+                      <a:headEnd type="none" w="med" len="med"/>
+                      <a:tailEnd type="none" w="med" len="med"/>
+                    </a:lnT>
+                    <a:lnB w="12700" cap="flat" cmpd="sng" algn="ctr">
+                      <a:solidFill>
+                        <a:srgbClr val="0866FF"/>
+                      </a:solidFill>
+                      <a:prstDash val="solid"/>
+                      <a:round/>
+                      <a:headEnd type="none" w="med" len="med"/>
+                      <a:tailEnd type="none" w="med" len="med"/>
+                    </a:lnB>
+                    <a:solidFill>
+                      <a:schemeClr val="bg1"/>
+                    </a:solidFill>
+                  </a:tcPr>
+                </a:tc>
+                <a:tc>
+                  <a:txBody>
+                    <a:bodyPr/>
+                    <a:lstStyle/>
+                    <a:p>
+                      <a:pPr algn="ctr">
+                        <a:spcBef>
+                          <a:spcPts val="300"/>
+                        </a:spcBef>
+                        <a:spcAft>
+                          <a:spcPts val="300"/>
+                        </a:spcAft>
+                        <a:buNone/>
+                      </a:pPr>
+                      <a:r>
+                        <a:rPr lang="pt-PT" sz="1200" noProof="0" dirty="0">
+                          <a:solidFill>
+                            <a:schemeClr val="tx1"/>
+                          </a:solidFill>
+                        </a:rPr>
+                        <a:t>0.014</a:t>
+                      </a:r>
+                    </a:p>
+                  </a:txBody>
+                  <a:tcPr marL="182880" marR="182880" marT="0" marB="0" anchor="ctr">
+                    <a:lnT w="12700" cap="flat" cmpd="sng" algn="ctr">
+                      <a:solidFill>
+                        <a:schemeClr val="tx1">
+                          <a:lumMod val="50000"/>
+                          <a:lumOff val="50000"/>
+                        </a:schemeClr>
+                      </a:solidFill>
+                      <a:prstDash val="solid"/>
+                      <a:round/>
+                      <a:headEnd type="none" w="med" len="med"/>
+                      <a:tailEnd type="none" w="med" len="med"/>
+                    </a:lnT>
+                    <a:lnB w="12700" cap="flat" cmpd="sng" algn="ctr">
+                      <a:solidFill>
+                        <a:srgbClr val="0866FF"/>
+                      </a:solidFill>
+                      <a:prstDash val="solid"/>
+                      <a:round/>
+                      <a:headEnd type="none" w="med" len="med"/>
+                      <a:tailEnd type="none" w="med" len="med"/>
+                    </a:lnB>
+                    <a:solidFill>
+                      <a:schemeClr val="bg1"/>
+                    </a:solidFill>
+                  </a:tcPr>
+                </a:tc>
+                <a:tc>
+                  <a:txBody>
+                    <a:bodyPr/>
+                    <a:lstStyle/>
+                    <a:p>
+                      <a:pPr algn="ctr">
+                        <a:spcBef>
+                          <a:spcPts val="300"/>
+                        </a:spcBef>
+                        <a:spcAft>
+                          <a:spcPts val="300"/>
+                        </a:spcAft>
+                        <a:buNone/>
+                      </a:pPr>
+                      <a:r>
+                        <a:rPr lang="pt-PT" sz="1200" noProof="0" dirty="0">
+                          <a:solidFill>
+                            <a:schemeClr val="tx1"/>
+                          </a:solidFill>
+                        </a:rPr>
+                        <a:t>500</a:t>
+                      </a:r>
+                    </a:p>
+                  </a:txBody>
+                  <a:tcPr marL="182880" marR="182880" marT="0" marB="0" anchor="ctr">
+                    <a:lnT w="12700" cap="flat" cmpd="sng" algn="ctr">
+                      <a:solidFill>
+                        <a:schemeClr val="tx1">
+                          <a:lumMod val="50000"/>
+                          <a:lumOff val="50000"/>
+                        </a:schemeClr>
+                      </a:solidFill>
+                      <a:prstDash val="solid"/>
+                      <a:round/>
+                      <a:headEnd type="none" w="med" len="med"/>
+                      <a:tailEnd type="none" w="med" len="med"/>
+                    </a:lnT>
+                    <a:lnB w="12700" cap="flat" cmpd="sng" algn="ctr">
+                      <a:solidFill>
+                        <a:srgbClr val="0866FF"/>
+                      </a:solidFill>
+                      <a:prstDash val="solid"/>
+                      <a:round/>
+                      <a:headEnd type="none" w="med" len="med"/>
+                      <a:tailEnd type="none" w="med" len="med"/>
+                    </a:lnB>
+                    <a:solidFill>
+                      <a:schemeClr val="bg1"/>
+                    </a:solidFill>
+                  </a:tcPr>
+                </a:tc>
+                <a:tc>
+                  <a:txBody>
+                    <a:bodyPr/>
+                    <a:lstStyle/>
+                    <a:p>
+                      <a:pPr algn="ctr">
+                        <a:spcBef>
+                          <a:spcPts val="300"/>
+                        </a:spcBef>
+                        <a:spcAft>
+                          <a:spcPts val="300"/>
+                        </a:spcAft>
+                        <a:buNone/>
+                      </a:pPr>
+                      <a:r>
+                        <a:rPr lang="pt-PT" sz="1200" noProof="0" dirty="0">
+                          <a:solidFill>
+                            <a:schemeClr val="tx1"/>
+                          </a:solidFill>
+                        </a:rPr>
+                        <a:t>1.000</a:t>
+                      </a:r>
+                    </a:p>
+                  </a:txBody>
+                  <a:tcPr marL="182880" marR="182880" marT="0" marB="0" anchor="ctr">
+                    <a:lnR w="12700" cap="flat" cmpd="sng" algn="ctr">
+                      <a:solidFill>
+                        <a:srgbClr val="0866FF"/>
+                      </a:solidFill>
+                      <a:prstDash val="solid"/>
+                      <a:round/>
+                      <a:headEnd type="none" w="med" len="med"/>
+                      <a:tailEnd type="none" w="med" len="med"/>
+                    </a:lnR>
+                    <a:lnT w="12700" cap="flat" cmpd="sng" algn="ctr">
+                      <a:solidFill>
+                        <a:schemeClr val="tx1">
+                          <a:lumMod val="50000"/>
+                          <a:lumOff val="50000"/>
+                        </a:schemeClr>
+                      </a:solidFill>
+                      <a:prstDash val="solid"/>
+                      <a:round/>
+                      <a:headEnd type="none" w="med" len="med"/>
+                      <a:tailEnd type="none" w="med" len="med"/>
+                    </a:lnT>
+                    <a:lnB w="12700" cap="flat" cmpd="sng" algn="ctr">
+                      <a:solidFill>
+                        <a:srgbClr val="0866FF"/>
+                      </a:solidFill>
+                      <a:prstDash val="solid"/>
+                      <a:round/>
+                      <a:headEnd type="none" w="med" len="med"/>
+                      <a:tailEnd type="none" w="med" len="med"/>
+                    </a:lnB>
+                    <a:solidFill>
+                      <a:schemeClr val="bg1"/>
+                    </a:solidFill>
+                  </a:tcPr>
+                </a:tc>
+                <a:extLst>
+                  <a:ext uri="{0D108BD9-81ED-4DB2-BD59-A6C34878D82A}">
+                    <a16:rowId xmlns:a16="http://schemas.microsoft.com/office/drawing/2014/main" val="3568166177"/>
+                  </a:ext>
+                </a:extLst>
+              </a:tr>
+            </a:tbl>
+          </a:graphicData>
+        </a:graphic>
+      </p:graphicFrame>
+      <p:sp>
+        <p:nvSpPr>
+          <p:cNvPr id="13" name="TextBox 12">
+            <a:extLst>
+              <a:ext uri="{FF2B5EF4-FFF2-40B4-BE49-F238E27FC236}">
+                <a16:creationId xmlns:a16="http://schemas.microsoft.com/office/drawing/2014/main" id="{32BFAA37-4291-70FB-E84B-9E7ED96DC74A}"/>
+              </a:ext>
+            </a:extLst>
+          </p:cNvPr>
+          <p:cNvSpPr txBox="1"/>
+          <p:nvPr/>
+        </p:nvSpPr>
+        <p:spPr>
+          <a:xfrm>
+            <a:off x="1028700" y="1311927"/>
+            <a:ext cx="4876800" cy="1908215"/>
+          </a:xfrm>
+          <a:prstGeom prst="rect">
+            <a:avLst/>
+          </a:prstGeom>
+          <a:noFill/>
+        </p:spPr>
+        <p:txBody>
+          <a:bodyPr wrap="square">
+            <a:spAutoFit/>
+          </a:bodyPr>
+          <a:lstStyle/>
+          <a:p>
+            <a:pPr algn="just"/>
+            <a:r>
+              <a:rPr lang="pt-BR" sz="3200" b="1" noProof="0" dirty="0"/>
+              <a:t>Type</a:t>
+            </a:r>
+          </a:p>
+          <a:p>
+            <a:pPr algn="just"/>
+            <a:endParaRPr lang="pt-BR" sz="1000" noProof="0" dirty="0"/>
+          </a:p>
+          <a:p>
+            <a:pPr algn="just"/>
+            <a:r>
+              <a:rPr lang="pt-BR" sz="1800" noProof="0" dirty="0"/>
+              <a:t>A </a:t>
+            </a:r>
+            <a:r>
+              <a:rPr lang="pt-BR" sz="1800" b="1" noProof="0" dirty="0"/>
+              <a:t>maior parte das publicações </a:t>
+            </a:r>
+            <a:r>
+              <a:rPr lang="pt-BR" sz="1800" noProof="0" dirty="0"/>
+              <a:t>foi realizada no </a:t>
+            </a:r>
+            <a:r>
+              <a:rPr lang="pt-BR" sz="1800" b="1" noProof="0" dirty="0"/>
+              <a:t>tipo</a:t>
+            </a:r>
+            <a:r>
+              <a:rPr lang="pt-BR" sz="1800" noProof="0" dirty="0"/>
+              <a:t> </a:t>
+            </a:r>
+            <a:r>
+              <a:rPr lang="pt-BR" sz="1800" b="1" noProof="0" dirty="0"/>
+              <a:t>Photo</a:t>
+            </a:r>
+            <a:r>
+              <a:rPr lang="pt-BR" sz="1800" noProof="0" dirty="0"/>
+              <a:t>, o que indica uma clara preferência por conteúdos visuais na estratégia de comunicação da página.</a:t>
+            </a:r>
+            <a:endParaRPr lang="pt-PT" sz="1800" noProof="0" dirty="0"/>
+          </a:p>
+        </p:txBody>
+      </p:sp>
+    </p:spTree>
+    <p:extLst>
+      <p:ext uri="{BB962C8B-B14F-4D97-AF65-F5344CB8AC3E}">
+        <p14:creationId xmlns:p14="http://schemas.microsoft.com/office/powerpoint/2010/main" val="1344194905"/>
+      </p:ext>
+    </p:extLst>
+  </p:cSld>
+  <p:clrMapOvr>
+    <a:masterClrMapping/>
+  </p:clrMapOvr>
+</p:sld>
+</file>
+
+<file path=ppt/slides/slide5.xml><?xml version="1.0" encoding="utf-8"?>
+<p:sld xmlns:a="http://schemas.openxmlformats.org/drawingml/2006/main" xmlns:r="http://schemas.openxmlformats.org/officeDocument/2006/relationships" xmlns:p="http://schemas.openxmlformats.org/presentationml/2006/main">
+  <p:cSld>
+    <p:spTree>
+      <p:nvGrpSpPr>
+        <p:cNvPr id="1" name="">
+          <a:extLst>
+            <a:ext uri="{FF2B5EF4-FFF2-40B4-BE49-F238E27FC236}">
+              <a16:creationId xmlns:a16="http://schemas.microsoft.com/office/drawing/2014/main" id="{2CBCA6B9-7330-BC42-D19C-90BE4BAE292D}"/>
+            </a:ext>
+          </a:extLst>
+        </p:cNvPr>
+        <p:cNvGrpSpPr/>
+        <p:nvPr/>
+      </p:nvGrpSpPr>
+      <p:grpSpPr>
+        <a:xfrm>
+          <a:off x="0" y="0"/>
+          <a:ext cx="0" cy="0"/>
+          <a:chOff x="0" y="0"/>
+          <a:chExt cx="0" cy="0"/>
+        </a:xfrm>
+      </p:grpSpPr>
+      <p:sp>
+        <p:nvSpPr>
+          <p:cNvPr id="7" name="TextBox 6">
+            <a:extLst>
+              <a:ext uri="{FF2B5EF4-FFF2-40B4-BE49-F238E27FC236}">
+                <a16:creationId xmlns:a16="http://schemas.microsoft.com/office/drawing/2014/main" id="{C2C13033-F77E-F5B2-088B-55E74BB31838}"/>
+              </a:ext>
+            </a:extLst>
+          </p:cNvPr>
+          <p:cNvSpPr txBox="1"/>
+          <p:nvPr/>
+        </p:nvSpPr>
+        <p:spPr>
+          <a:xfrm>
+            <a:off x="838200" y="457201"/>
+            <a:ext cx="5257800" cy="457199"/>
+          </a:xfrm>
+          <a:prstGeom prst="rect">
+            <a:avLst/>
+          </a:prstGeom>
+          <a:noFill/>
+        </p:spPr>
+        <p:txBody>
+          <a:bodyPr wrap="none" lIns="0" tIns="45720" rIns="0" bIns="0" rtlCol="0" anchor="ctr">
+            <a:noAutofit/>
+          </a:bodyPr>
+          <a:lstStyle/>
+          <a:p>
+            <a:r>
+              <a:rPr lang="pt-PT" sz="3200" noProof="0" dirty="0">
+                <a:solidFill>
+                  <a:srgbClr val="0866FF"/>
+                </a:solidFill>
+                <a:latin typeface="Klavika Bold" panose="02000806040000020004" pitchFamily="50" charset="0"/>
+              </a:rPr>
+              <a:t>Variáveis - Qualitativa</a:t>
+            </a:r>
+          </a:p>
+        </p:txBody>
+      </p:sp>
+      <p:sp>
+        <p:nvSpPr>
+          <p:cNvPr id="19" name="TextBox 18">
+            <a:extLst>
+              <a:ext uri="{FF2B5EF4-FFF2-40B4-BE49-F238E27FC236}">
+                <a16:creationId xmlns:a16="http://schemas.microsoft.com/office/drawing/2014/main" id="{7F61D37E-0436-A25C-08BC-70BC3BE4AF9B}"/>
+              </a:ext>
+            </a:extLst>
+          </p:cNvPr>
+          <p:cNvSpPr txBox="1"/>
+          <p:nvPr/>
+        </p:nvSpPr>
+        <p:spPr>
+          <a:xfrm>
+            <a:off x="8534400" y="457200"/>
+            <a:ext cx="2819400" cy="457200"/>
+          </a:xfrm>
+          <a:prstGeom prst="rect">
+            <a:avLst/>
+          </a:prstGeom>
+          <a:noFill/>
+        </p:spPr>
+        <p:txBody>
+          <a:bodyPr wrap="square" rtlCol="0" anchor="ctr">
+            <a:noAutofit/>
+          </a:bodyPr>
+          <a:lstStyle/>
+          <a:p>
+            <a:pPr algn="r"/>
+            <a:r>
+              <a:rPr lang="pt-PT" sz="1200" b="1" noProof="0" dirty="0"/>
+              <a:t>Facebook</a:t>
+            </a:r>
+          </a:p>
+          <a:p>
+            <a:pPr algn="r"/>
+            <a:r>
+              <a:rPr lang="pt-PT" sz="1200" noProof="0" dirty="0"/>
+              <a:t>Métricas de Interação | Fase 2</a:t>
+            </a:r>
+          </a:p>
+        </p:txBody>
+      </p:sp>
+      <p:sp>
+        <p:nvSpPr>
+          <p:cNvPr id="4" name="Date Placeholder 3">
+            <a:extLst>
+              <a:ext uri="{FF2B5EF4-FFF2-40B4-BE49-F238E27FC236}">
+                <a16:creationId xmlns:a16="http://schemas.microsoft.com/office/drawing/2014/main" id="{621B4909-8B62-9277-8908-073B7DB89EA5}"/>
+              </a:ext>
+            </a:extLst>
+          </p:cNvPr>
+          <p:cNvSpPr>
+            <a:spLocks noGrp="1"/>
+          </p:cNvSpPr>
+          <p:nvPr>
+            <p:ph type="dt" sz="half" idx="10"/>
+          </p:nvPr>
+        </p:nvSpPr>
+        <p:spPr/>
+        <p:txBody>
+          <a:bodyPr/>
+          <a:lstStyle/>
+          <a:p>
+            <a:r>
+              <a:rPr lang="en-US" dirty="0"/>
+              <a:t>11/04/2025</a:t>
+            </a:r>
+          </a:p>
+        </p:txBody>
+      </p:sp>
+      <p:sp>
+        <p:nvSpPr>
+          <p:cNvPr id="5" name="Slide Number Placeholder 4">
+            <a:extLst>
+              <a:ext uri="{FF2B5EF4-FFF2-40B4-BE49-F238E27FC236}">
+                <a16:creationId xmlns:a16="http://schemas.microsoft.com/office/drawing/2014/main" id="{F1261BE5-8FFF-88EC-7C3C-5B0DABB61D4F}"/>
+              </a:ext>
+            </a:extLst>
+          </p:cNvPr>
+          <p:cNvSpPr>
+            <a:spLocks noGrp="1"/>
+          </p:cNvSpPr>
+          <p:nvPr>
+            <p:ph type="sldNum" sz="quarter" idx="12"/>
+          </p:nvPr>
+        </p:nvSpPr>
+        <p:spPr/>
+        <p:txBody>
+          <a:bodyPr/>
+          <a:lstStyle/>
+          <a:p>
+            <a:fld id="{10451DF5-CD77-4BF3-911A-C2DA240CBD91}" type="slidenum">
+              <a:rPr lang="en-US" smtClean="0"/>
+              <a:t>5</a:t>
+            </a:fld>
+            <a:endParaRPr lang="en-US"/>
+          </a:p>
+        </p:txBody>
+      </p:sp>
+      <p:graphicFrame>
+        <p:nvGraphicFramePr>
+          <p:cNvPr id="8" name="Table 7">
+            <a:extLst>
+              <a:ext uri="{FF2B5EF4-FFF2-40B4-BE49-F238E27FC236}">
+                <a16:creationId xmlns:a16="http://schemas.microsoft.com/office/drawing/2014/main" id="{F380A920-AAC2-BB2C-04BB-6AA19AC75C97}"/>
+              </a:ext>
+            </a:extLst>
+          </p:cNvPr>
+          <p:cNvGraphicFramePr>
+            <a:graphicFrameLocks noGrp="1"/>
+          </p:cNvGraphicFramePr>
+          <p:nvPr>
+            <p:extLst>
+              <p:ext uri="{D42A27DB-BD31-4B8C-83A1-F6EECF244321}">
+                <p14:modId xmlns:p14="http://schemas.microsoft.com/office/powerpoint/2010/main" val="3137734983"/>
+              </p:ext>
+            </p:extLst>
+          </p:nvPr>
+        </p:nvGraphicFramePr>
+        <p:xfrm>
+          <a:off x="1089660" y="3619500"/>
+          <a:ext cx="4754880" cy="1463040"/>
+        </p:xfrm>
+        <a:graphic>
+          <a:graphicData uri="http://schemas.openxmlformats.org/drawingml/2006/table">
+            <a:tbl>
+              <a:tblPr firstRow="1" bandRow="1">
+                <a:tableStyleId>{2D5ABB26-0587-4C30-8999-92F81FD0307C}</a:tableStyleId>
+              </a:tblPr>
+              <a:tblGrid>
+                <a:gridCol w="1463040">
+                  <a:extLst>
+                    <a:ext uri="{9D8B030D-6E8A-4147-A177-3AD203B41FA5}">
+                      <a16:colId xmlns:a16="http://schemas.microsoft.com/office/drawing/2014/main" val="2250048251"/>
+                    </a:ext>
+                  </a:extLst>
+                </a:gridCol>
+                <a:gridCol w="822960">
+                  <a:extLst>
+                    <a:ext uri="{9D8B030D-6E8A-4147-A177-3AD203B41FA5}">
+                      <a16:colId xmlns:a16="http://schemas.microsoft.com/office/drawing/2014/main" val="2666622705"/>
+                    </a:ext>
+                  </a:extLst>
+                </a:gridCol>
+                <a:gridCol w="822960">
+                  <a:extLst>
+                    <a:ext uri="{9D8B030D-6E8A-4147-A177-3AD203B41FA5}">
+                      <a16:colId xmlns:a16="http://schemas.microsoft.com/office/drawing/2014/main" val="2520955974"/>
+                    </a:ext>
+                  </a:extLst>
+                </a:gridCol>
+                <a:gridCol w="822960">
+                  <a:extLst>
+                    <a:ext uri="{9D8B030D-6E8A-4147-A177-3AD203B41FA5}">
+                      <a16:colId xmlns:a16="http://schemas.microsoft.com/office/drawing/2014/main" val="1331230434"/>
+                    </a:ext>
+                  </a:extLst>
+                </a:gridCol>
+                <a:gridCol w="822960">
+                  <a:extLst>
+                    <a:ext uri="{9D8B030D-6E8A-4147-A177-3AD203B41FA5}">
+                      <a16:colId xmlns:a16="http://schemas.microsoft.com/office/drawing/2014/main" val="2490568336"/>
+                    </a:ext>
+                  </a:extLst>
+                </a:gridCol>
+              </a:tblGrid>
+              <a:tr h="365760">
+                <a:tc>
+                  <a:txBody>
+                    <a:bodyPr/>
+                    <a:lstStyle/>
+                    <a:p>
+                      <a:pPr algn="l">
+                        <a:spcBef>
+                          <a:spcPts val="300"/>
+                        </a:spcBef>
+                        <a:spcAft>
+                          <a:spcPts val="300"/>
+                        </a:spcAft>
+                        <a:buNone/>
+                      </a:pPr>
+                      <a:r>
+                        <a:rPr lang="pt-PT" sz="1400" b="0" noProof="0" dirty="0">
+                          <a:solidFill>
+                            <a:schemeClr val="bg1"/>
+                          </a:solidFill>
+                        </a:rPr>
+                        <a:t>xi</a:t>
+                      </a:r>
+                    </a:p>
+                  </a:txBody>
+                  <a:tcPr marL="182880" marR="182880" marT="0" marB="0" anchor="ctr">
+                    <a:lnL w="12700" cap="flat" cmpd="sng" algn="ctr">
+                      <a:solidFill>
+                        <a:srgbClr val="0866FF"/>
+                      </a:solidFill>
+                      <a:prstDash val="solid"/>
+                      <a:round/>
+                      <a:headEnd type="none" w="med" len="med"/>
+                      <a:tailEnd type="none" w="med" len="med"/>
+                    </a:lnL>
+                    <a:lnT w="12700" cap="flat" cmpd="sng" algn="ctr">
+                      <a:solidFill>
+                        <a:srgbClr val="0866FF"/>
+                      </a:solidFill>
+                      <a:prstDash val="solid"/>
+                      <a:round/>
+                      <a:headEnd type="none" w="med" len="med"/>
+                      <a:tailEnd type="none" w="med" len="med"/>
+                    </a:lnT>
+                    <a:solidFill>
+                      <a:srgbClr val="0866FF"/>
+                    </a:solidFill>
+                  </a:tcPr>
+                </a:tc>
+                <a:tc>
+                  <a:txBody>
+                    <a:bodyPr/>
+                    <a:lstStyle/>
+                    <a:p>
+                      <a:pPr algn="ctr">
+                        <a:spcBef>
+                          <a:spcPts val="300"/>
+                        </a:spcBef>
+                        <a:spcAft>
+                          <a:spcPts val="300"/>
+                        </a:spcAft>
+                        <a:buNone/>
+                      </a:pPr>
+                      <a:r>
+                        <a:rPr lang="pt-PT" sz="1400" b="1" noProof="0" dirty="0">
+                          <a:solidFill>
+                            <a:schemeClr val="bg1"/>
+                          </a:solidFill>
+                        </a:rPr>
+                        <a:t>ni</a:t>
+                      </a:r>
+                    </a:p>
+                  </a:txBody>
+                  <a:tcPr marL="182880" marR="182880" marT="0" marB="0" anchor="ctr">
+                    <a:lnT w="12700" cap="flat" cmpd="sng" algn="ctr">
+                      <a:solidFill>
+                        <a:srgbClr val="0866FF"/>
+                      </a:solidFill>
+                      <a:prstDash val="solid"/>
+                      <a:round/>
+                      <a:headEnd type="none" w="med" len="med"/>
+                      <a:tailEnd type="none" w="med" len="med"/>
+                    </a:lnT>
+                    <a:solidFill>
+                      <a:srgbClr val="0866FF"/>
+                    </a:solidFill>
+                  </a:tcPr>
+                </a:tc>
+                <a:tc>
+                  <a:txBody>
+                    <a:bodyPr/>
+                    <a:lstStyle/>
+                    <a:p>
+                      <a:pPr algn="ctr">
+                        <a:spcBef>
+                          <a:spcPts val="300"/>
+                        </a:spcBef>
+                        <a:spcAft>
+                          <a:spcPts val="300"/>
+                        </a:spcAft>
+                        <a:buNone/>
+                      </a:pPr>
+                      <a:r>
+                        <a:rPr lang="pt-PT" sz="1400" b="1" noProof="0" dirty="0">
+                          <a:solidFill>
+                            <a:schemeClr val="bg1"/>
+                          </a:solidFill>
+                        </a:rPr>
+                        <a:t>fi</a:t>
+                      </a:r>
+                    </a:p>
+                  </a:txBody>
+                  <a:tcPr marL="182880" marR="182880" marT="0" marB="0" anchor="ctr">
+                    <a:lnT w="12700" cap="flat" cmpd="sng" algn="ctr">
+                      <a:solidFill>
+                        <a:srgbClr val="0866FF"/>
+                      </a:solidFill>
+                      <a:prstDash val="solid"/>
+                      <a:round/>
+                      <a:headEnd type="none" w="med" len="med"/>
+                      <a:tailEnd type="none" w="med" len="med"/>
+                    </a:lnT>
+                    <a:solidFill>
+                      <a:srgbClr val="0866FF"/>
+                    </a:solidFill>
+                  </a:tcPr>
+                </a:tc>
+                <a:tc>
+                  <a:txBody>
+                    <a:bodyPr/>
+                    <a:lstStyle/>
+                    <a:p>
+                      <a:pPr algn="ctr">
+                        <a:spcBef>
+                          <a:spcPts val="300"/>
+                        </a:spcBef>
+                        <a:spcAft>
+                          <a:spcPts val="300"/>
+                        </a:spcAft>
+                        <a:buNone/>
+                      </a:pPr>
+                      <a:r>
+                        <a:rPr lang="pt-PT" sz="1400" b="1" noProof="0" dirty="0">
+                          <a:solidFill>
+                            <a:schemeClr val="bg1"/>
+                          </a:solidFill>
+                        </a:rPr>
+                        <a:t>NI</a:t>
+                      </a:r>
+                    </a:p>
+                  </a:txBody>
+                  <a:tcPr marL="182880" marR="182880" marT="0" marB="0" anchor="ctr">
+                    <a:lnT w="12700" cap="flat" cmpd="sng" algn="ctr">
+                      <a:solidFill>
+                        <a:srgbClr val="0866FF"/>
+                      </a:solidFill>
+                      <a:prstDash val="solid"/>
+                      <a:round/>
+                      <a:headEnd type="none" w="med" len="med"/>
+                      <a:tailEnd type="none" w="med" len="med"/>
+                    </a:lnT>
+                    <a:solidFill>
+                      <a:srgbClr val="0866FF"/>
+                    </a:solidFill>
+                  </a:tcPr>
+                </a:tc>
+                <a:tc>
+                  <a:txBody>
+                    <a:bodyPr/>
+                    <a:lstStyle/>
+                    <a:p>
+                      <a:pPr algn="ctr">
+                        <a:spcBef>
+                          <a:spcPts val="300"/>
+                        </a:spcBef>
+                        <a:spcAft>
+                          <a:spcPts val="300"/>
+                        </a:spcAft>
+                        <a:buNone/>
+                      </a:pPr>
+                      <a:r>
+                        <a:rPr lang="pt-PT" sz="1400" b="1" noProof="0" dirty="0">
+                          <a:solidFill>
+                            <a:schemeClr val="bg1"/>
+                          </a:solidFill>
+                        </a:rPr>
+                        <a:t>FI</a:t>
+                      </a:r>
+                    </a:p>
+                  </a:txBody>
+                  <a:tcPr marL="182880" marR="182880" marT="0" marB="0" anchor="ctr">
+                    <a:lnR w="12700" cap="flat" cmpd="sng" algn="ctr">
+                      <a:solidFill>
+                        <a:srgbClr val="0866FF"/>
+                      </a:solidFill>
+                      <a:prstDash val="solid"/>
+                      <a:round/>
+                      <a:headEnd type="none" w="med" len="med"/>
+                      <a:tailEnd type="none" w="med" len="med"/>
+                    </a:lnR>
+                    <a:lnT w="12700" cap="flat" cmpd="sng" algn="ctr">
+                      <a:solidFill>
+                        <a:srgbClr val="0866FF"/>
+                      </a:solidFill>
+                      <a:prstDash val="solid"/>
+                      <a:round/>
+                      <a:headEnd type="none" w="med" len="med"/>
+                      <a:tailEnd type="none" w="med" len="med"/>
+                    </a:lnT>
+                    <a:solidFill>
+                      <a:srgbClr val="0866FF"/>
+                    </a:solidFill>
+                  </a:tcPr>
+                </a:tc>
+                <a:extLst>
+                  <a:ext uri="{0D108BD9-81ED-4DB2-BD59-A6C34878D82A}">
+                    <a16:rowId xmlns:a16="http://schemas.microsoft.com/office/drawing/2014/main" val="1624116784"/>
+                  </a:ext>
+                </a:extLst>
+              </a:tr>
+              <a:tr h="365760">
+                <a:tc>
+                  <a:txBody>
+                    <a:bodyPr/>
+                    <a:lstStyle/>
+                    <a:p>
+                      <a:pPr algn="l">
+                        <a:spcBef>
+                          <a:spcPts val="300"/>
+                        </a:spcBef>
+                        <a:spcAft>
+                          <a:spcPts val="300"/>
+                        </a:spcAft>
+                        <a:buNone/>
+                      </a:pPr>
+                      <a:r>
+                        <a:rPr lang="pt-PT" sz="1200" b="1" noProof="0" dirty="0" err="1">
+                          <a:solidFill>
+                            <a:schemeClr val="tx1"/>
+                          </a:solidFill>
+                        </a:rPr>
+                        <a:t>Action</a:t>
+                      </a:r>
+                      <a:endParaRPr lang="pt-PT" sz="1200" b="1" noProof="0" dirty="0">
+                        <a:solidFill>
+                          <a:schemeClr val="tx1"/>
+                        </a:solidFill>
+                      </a:endParaRPr>
+                    </a:p>
+                  </a:txBody>
+                  <a:tcPr marL="182880" marR="182880" marT="0" marB="0" anchor="ctr">
+                    <a:lnL w="12700" cap="flat" cmpd="sng" algn="ctr">
+                      <a:solidFill>
+                        <a:srgbClr val="0866FF"/>
+                      </a:solidFill>
+                      <a:prstDash val="solid"/>
+                      <a:round/>
+                      <a:headEnd type="none" w="med" len="med"/>
+                      <a:tailEnd type="none" w="med" len="med"/>
+                    </a:lnL>
+                    <a:lnB w="12700" cap="flat" cmpd="sng" algn="ctr">
+                      <a:solidFill>
+                        <a:schemeClr val="tx1">
+                          <a:lumMod val="50000"/>
+                          <a:lumOff val="50000"/>
+                        </a:schemeClr>
+                      </a:solidFill>
+                      <a:prstDash val="solid"/>
+                      <a:round/>
+                      <a:headEnd type="none" w="med" len="med"/>
+                      <a:tailEnd type="none" w="med" len="med"/>
+                    </a:lnB>
+                    <a:solidFill>
+                      <a:schemeClr val="bg1"/>
+                    </a:solidFill>
+                  </a:tcPr>
+                </a:tc>
+                <a:tc>
+                  <a:txBody>
+                    <a:bodyPr/>
+                    <a:lstStyle/>
+                    <a:p>
+                      <a:pPr algn="ctr">
+                        <a:spcBef>
+                          <a:spcPts val="300"/>
+                        </a:spcBef>
+                        <a:spcAft>
+                          <a:spcPts val="300"/>
+                        </a:spcAft>
+                        <a:buNone/>
+                      </a:pPr>
+                      <a:r>
+                        <a:rPr lang="pt-PT" sz="1200" b="0" noProof="0" dirty="0">
+                          <a:solidFill>
+                            <a:schemeClr val="tx1"/>
+                          </a:solidFill>
+                        </a:rPr>
+                        <a:t>215</a:t>
+                      </a:r>
+                    </a:p>
+                  </a:txBody>
+                  <a:tcPr marL="182880" marR="182880" marT="0" marB="0" anchor="ctr">
+                    <a:lnB w="12700" cap="flat" cmpd="sng" algn="ctr">
+                      <a:solidFill>
+                        <a:schemeClr val="tx1">
+                          <a:lumMod val="50000"/>
+                          <a:lumOff val="50000"/>
+                        </a:schemeClr>
+                      </a:solidFill>
+                      <a:prstDash val="solid"/>
+                      <a:round/>
+                      <a:headEnd type="none" w="med" len="med"/>
+                      <a:tailEnd type="none" w="med" len="med"/>
+                    </a:lnB>
+                    <a:solidFill>
+                      <a:schemeClr val="bg1"/>
+                    </a:solidFill>
+                  </a:tcPr>
+                </a:tc>
+                <a:tc>
+                  <a:txBody>
+                    <a:bodyPr/>
+                    <a:lstStyle/>
+                    <a:p>
+                      <a:pPr algn="ctr">
+                        <a:spcBef>
+                          <a:spcPts val="300"/>
+                        </a:spcBef>
+                        <a:spcAft>
+                          <a:spcPts val="300"/>
+                        </a:spcAft>
+                        <a:buNone/>
+                      </a:pPr>
+                      <a:r>
+                        <a:rPr lang="pt-PT" sz="1200" b="0" noProof="0" dirty="0">
+                          <a:solidFill>
+                            <a:schemeClr val="tx1"/>
+                          </a:solidFill>
+                        </a:rPr>
+                        <a:t>0.43</a:t>
+                      </a:r>
+                    </a:p>
+                  </a:txBody>
+                  <a:tcPr marL="182880" marR="182880" marT="0" marB="0" anchor="ctr">
+                    <a:lnB w="12700" cap="flat" cmpd="sng" algn="ctr">
+                      <a:solidFill>
+                        <a:schemeClr val="tx1">
+                          <a:lumMod val="50000"/>
+                          <a:lumOff val="50000"/>
+                        </a:schemeClr>
+                      </a:solidFill>
+                      <a:prstDash val="solid"/>
+                      <a:round/>
+                      <a:headEnd type="none" w="med" len="med"/>
+                      <a:tailEnd type="none" w="med" len="med"/>
+                    </a:lnB>
+                    <a:solidFill>
+                      <a:schemeClr val="bg1"/>
+                    </a:solidFill>
+                  </a:tcPr>
+                </a:tc>
+                <a:tc>
+                  <a:txBody>
+                    <a:bodyPr/>
+                    <a:lstStyle/>
+                    <a:p>
+                      <a:pPr algn="ctr">
+                        <a:spcBef>
+                          <a:spcPts val="300"/>
+                        </a:spcBef>
+                        <a:spcAft>
+                          <a:spcPts val="300"/>
+                        </a:spcAft>
+                        <a:buNone/>
+                      </a:pPr>
+                      <a:r>
+                        <a:rPr lang="pt-PT" sz="1200" b="0" noProof="0" dirty="0">
+                          <a:solidFill>
+                            <a:schemeClr val="tx1"/>
+                          </a:solidFill>
+                        </a:rPr>
+                        <a:t>215</a:t>
+                      </a:r>
+                    </a:p>
+                  </a:txBody>
+                  <a:tcPr marL="182880" marR="182880" marT="0" marB="0" anchor="ctr">
+                    <a:lnB w="12700" cap="flat" cmpd="sng" algn="ctr">
+                      <a:solidFill>
+                        <a:schemeClr val="tx1">
+                          <a:lumMod val="50000"/>
+                          <a:lumOff val="50000"/>
+                        </a:schemeClr>
+                      </a:solidFill>
+                      <a:prstDash val="solid"/>
+                      <a:round/>
+                      <a:headEnd type="none" w="med" len="med"/>
+                      <a:tailEnd type="none" w="med" len="med"/>
+                    </a:lnB>
+                    <a:solidFill>
+                      <a:schemeClr val="bg1"/>
+                    </a:solidFill>
+                  </a:tcPr>
+                </a:tc>
+                <a:tc>
+                  <a:txBody>
+                    <a:bodyPr/>
+                    <a:lstStyle/>
+                    <a:p>
+                      <a:pPr algn="ctr">
+                        <a:spcBef>
+                          <a:spcPts val="300"/>
+                        </a:spcBef>
+                        <a:spcAft>
+                          <a:spcPts val="300"/>
+                        </a:spcAft>
+                        <a:buNone/>
+                      </a:pPr>
+                      <a:r>
+                        <a:rPr lang="pt-PT" sz="1200" b="0" noProof="0" dirty="0">
+                          <a:solidFill>
+                            <a:schemeClr val="tx1"/>
+                          </a:solidFill>
+                        </a:rPr>
+                        <a:t>0.43</a:t>
+                      </a:r>
+                    </a:p>
+                  </a:txBody>
+                  <a:tcPr marL="182880" marR="182880" marT="0" marB="0" anchor="ctr">
+                    <a:lnR w="12700" cap="flat" cmpd="sng" algn="ctr">
+                      <a:solidFill>
+                        <a:srgbClr val="0866FF"/>
+                      </a:solidFill>
+                      <a:prstDash val="solid"/>
+                      <a:round/>
+                      <a:headEnd type="none" w="med" len="med"/>
+                      <a:tailEnd type="none" w="med" len="med"/>
+                    </a:lnR>
+                    <a:lnB w="12700" cap="flat" cmpd="sng" algn="ctr">
+                      <a:solidFill>
+                        <a:schemeClr val="tx1">
+                          <a:lumMod val="50000"/>
+                          <a:lumOff val="50000"/>
+                        </a:schemeClr>
+                      </a:solidFill>
+                      <a:prstDash val="solid"/>
+                      <a:round/>
+                      <a:headEnd type="none" w="med" len="med"/>
+                      <a:tailEnd type="none" w="med" len="med"/>
+                    </a:lnB>
+                    <a:solidFill>
+                      <a:schemeClr val="bg1"/>
+                    </a:solidFill>
+                  </a:tcPr>
+                </a:tc>
+                <a:extLst>
+                  <a:ext uri="{0D108BD9-81ED-4DB2-BD59-A6C34878D82A}">
+                    <a16:rowId xmlns:a16="http://schemas.microsoft.com/office/drawing/2014/main" val="3465758157"/>
+                  </a:ext>
+                </a:extLst>
+              </a:tr>
+              <a:tr h="365760">
+                <a:tc>
+                  <a:txBody>
+                    <a:bodyPr/>
+                    <a:lstStyle/>
+                    <a:p>
+                      <a:pPr algn="l">
+                        <a:spcBef>
+                          <a:spcPts val="300"/>
+                        </a:spcBef>
+                        <a:spcAft>
+                          <a:spcPts val="300"/>
+                        </a:spcAft>
+                        <a:buNone/>
+                      </a:pPr>
+                      <a:r>
+                        <a:rPr lang="pt-PT" sz="1200" b="1" noProof="0" dirty="0" err="1">
+                          <a:solidFill>
+                            <a:schemeClr val="tx1"/>
+                          </a:solidFill>
+                        </a:rPr>
+                        <a:t>Inspiration</a:t>
+                      </a:r>
+                      <a:endParaRPr lang="pt-PT" sz="1200" b="1" noProof="0" dirty="0">
+                        <a:solidFill>
+                          <a:schemeClr val="tx1"/>
+                        </a:solidFill>
+                      </a:endParaRPr>
+                    </a:p>
+                  </a:txBody>
+                  <a:tcPr marL="182880" marR="182880" marT="0" marB="0" anchor="ctr">
+                    <a:lnL w="12700" cap="flat" cmpd="sng" algn="ctr">
+                      <a:solidFill>
+                        <a:srgbClr val="0866FF"/>
+                      </a:solidFill>
+                      <a:prstDash val="solid"/>
+                      <a:round/>
+                      <a:headEnd type="none" w="med" len="med"/>
+                      <a:tailEnd type="none" w="med" len="med"/>
+                    </a:lnL>
+                    <a:lnT w="12700" cap="flat" cmpd="sng" algn="ctr">
+                      <a:solidFill>
+                        <a:schemeClr val="tx1">
+                          <a:lumMod val="50000"/>
+                          <a:lumOff val="50000"/>
+                        </a:schemeClr>
+                      </a:solidFill>
+                      <a:prstDash val="solid"/>
+                      <a:round/>
+                      <a:headEnd type="none" w="med" len="med"/>
+                      <a:tailEnd type="none" w="med" len="med"/>
+                    </a:lnT>
+                    <a:lnB w="12700" cap="flat" cmpd="sng" algn="ctr">
+                      <a:solidFill>
+                        <a:schemeClr val="tx1">
+                          <a:lumMod val="50000"/>
+                          <a:lumOff val="50000"/>
+                        </a:schemeClr>
+                      </a:solidFill>
+                      <a:prstDash val="solid"/>
+                      <a:round/>
+                      <a:headEnd type="none" w="med" len="med"/>
+                      <a:tailEnd type="none" w="med" len="med"/>
+                    </a:lnB>
+                    <a:solidFill>
+                      <a:schemeClr val="bg1"/>
+                    </a:solidFill>
+                  </a:tcPr>
+                </a:tc>
+                <a:tc>
+                  <a:txBody>
+                    <a:bodyPr/>
+                    <a:lstStyle/>
+                    <a:p>
+                      <a:pPr algn="ctr">
+                        <a:spcBef>
+                          <a:spcPts val="300"/>
+                        </a:spcBef>
+                        <a:spcAft>
+                          <a:spcPts val="300"/>
+                        </a:spcAft>
+                        <a:buNone/>
+                      </a:pPr>
+                      <a:r>
+                        <a:rPr lang="pt-PT" sz="1200" b="0" noProof="0" dirty="0">
+                          <a:solidFill>
+                            <a:schemeClr val="tx1"/>
+                          </a:solidFill>
+                        </a:rPr>
+                        <a:t>155</a:t>
+                      </a:r>
+                    </a:p>
+                  </a:txBody>
+                  <a:tcPr marL="182880" marR="182880" marT="0" marB="0" anchor="ctr">
+                    <a:lnT w="12700" cap="flat" cmpd="sng" algn="ctr">
+                      <a:solidFill>
+                        <a:schemeClr val="tx1">
+                          <a:lumMod val="50000"/>
+                          <a:lumOff val="50000"/>
+                        </a:schemeClr>
+                      </a:solidFill>
+                      <a:prstDash val="solid"/>
+                      <a:round/>
+                      <a:headEnd type="none" w="med" len="med"/>
+                      <a:tailEnd type="none" w="med" len="med"/>
+                    </a:lnT>
+                    <a:lnB w="12700" cap="flat" cmpd="sng" algn="ctr">
+                      <a:solidFill>
+                        <a:schemeClr val="tx1">
+                          <a:lumMod val="50000"/>
+                          <a:lumOff val="50000"/>
+                        </a:schemeClr>
+                      </a:solidFill>
+                      <a:prstDash val="solid"/>
+                      <a:round/>
+                      <a:headEnd type="none" w="med" len="med"/>
+                      <a:tailEnd type="none" w="med" len="med"/>
+                    </a:lnB>
+                    <a:solidFill>
+                      <a:schemeClr val="bg1"/>
+                    </a:solidFill>
+                  </a:tcPr>
+                </a:tc>
+                <a:tc>
+                  <a:txBody>
+                    <a:bodyPr/>
+                    <a:lstStyle/>
+                    <a:p>
+                      <a:pPr algn="ctr">
+                        <a:spcBef>
+                          <a:spcPts val="300"/>
+                        </a:spcBef>
+                        <a:spcAft>
+                          <a:spcPts val="300"/>
+                        </a:spcAft>
+                        <a:buNone/>
+                      </a:pPr>
+                      <a:r>
+                        <a:rPr lang="pt-PT" sz="1200" b="0" noProof="0" dirty="0">
+                          <a:solidFill>
+                            <a:schemeClr val="tx1"/>
+                          </a:solidFill>
+                        </a:rPr>
+                        <a:t>0.31</a:t>
+                      </a:r>
+                    </a:p>
+                  </a:txBody>
+                  <a:tcPr marL="182880" marR="182880" marT="0" marB="0" anchor="ctr">
+                    <a:lnT w="12700" cap="flat" cmpd="sng" algn="ctr">
+                      <a:solidFill>
+                        <a:schemeClr val="tx1">
+                          <a:lumMod val="50000"/>
+                          <a:lumOff val="50000"/>
+                        </a:schemeClr>
+                      </a:solidFill>
+                      <a:prstDash val="solid"/>
+                      <a:round/>
+                      <a:headEnd type="none" w="med" len="med"/>
+                      <a:tailEnd type="none" w="med" len="med"/>
+                    </a:lnT>
+                    <a:lnB w="12700" cap="flat" cmpd="sng" algn="ctr">
+                      <a:solidFill>
+                        <a:schemeClr val="tx1">
+                          <a:lumMod val="50000"/>
+                          <a:lumOff val="50000"/>
+                        </a:schemeClr>
+                      </a:solidFill>
+                      <a:prstDash val="solid"/>
+                      <a:round/>
+                      <a:headEnd type="none" w="med" len="med"/>
+                      <a:tailEnd type="none" w="med" len="med"/>
+                    </a:lnB>
+                    <a:solidFill>
+                      <a:schemeClr val="bg1"/>
+                    </a:solidFill>
+                  </a:tcPr>
+                </a:tc>
+                <a:tc>
+                  <a:txBody>
+                    <a:bodyPr/>
+                    <a:lstStyle/>
+                    <a:p>
+                      <a:pPr algn="ctr">
+                        <a:spcBef>
+                          <a:spcPts val="300"/>
+                        </a:spcBef>
+                        <a:spcAft>
+                          <a:spcPts val="300"/>
+                        </a:spcAft>
+                        <a:buNone/>
+                      </a:pPr>
+                      <a:r>
+                        <a:rPr lang="pt-PT" sz="1200" b="0" noProof="0" dirty="0">
+                          <a:solidFill>
+                            <a:schemeClr val="tx1"/>
+                          </a:solidFill>
+                        </a:rPr>
+                        <a:t>370</a:t>
+                      </a:r>
+                    </a:p>
+                  </a:txBody>
+                  <a:tcPr marL="182880" marR="182880" marT="0" marB="0" anchor="ctr">
+                    <a:lnT w="12700" cap="flat" cmpd="sng" algn="ctr">
+                      <a:solidFill>
+                        <a:schemeClr val="tx1">
+                          <a:lumMod val="50000"/>
+                          <a:lumOff val="50000"/>
+                        </a:schemeClr>
+                      </a:solidFill>
+                      <a:prstDash val="solid"/>
+                      <a:round/>
+                      <a:headEnd type="none" w="med" len="med"/>
+                      <a:tailEnd type="none" w="med" len="med"/>
+                    </a:lnT>
+                    <a:lnB w="12700" cap="flat" cmpd="sng" algn="ctr">
+                      <a:solidFill>
+                        <a:schemeClr val="tx1">
+                          <a:lumMod val="50000"/>
+                          <a:lumOff val="50000"/>
+                        </a:schemeClr>
+                      </a:solidFill>
+                      <a:prstDash val="solid"/>
+                      <a:round/>
+                      <a:headEnd type="none" w="med" len="med"/>
+                      <a:tailEnd type="none" w="med" len="med"/>
+                    </a:lnB>
+                    <a:solidFill>
+                      <a:schemeClr val="bg1"/>
+                    </a:solidFill>
+                  </a:tcPr>
+                </a:tc>
+                <a:tc>
+                  <a:txBody>
+                    <a:bodyPr/>
+                    <a:lstStyle/>
+                    <a:p>
+                      <a:pPr algn="ctr">
+                        <a:spcBef>
+                          <a:spcPts val="300"/>
+                        </a:spcBef>
+                        <a:spcAft>
+                          <a:spcPts val="300"/>
+                        </a:spcAft>
+                        <a:buNone/>
+                      </a:pPr>
+                      <a:r>
+                        <a:rPr lang="pt-PT" sz="1200" b="0" noProof="0" dirty="0">
+                          <a:solidFill>
+                            <a:schemeClr val="tx1"/>
+                          </a:solidFill>
+                        </a:rPr>
+                        <a:t>0.74</a:t>
+                      </a:r>
+                    </a:p>
+                  </a:txBody>
+                  <a:tcPr marL="182880" marR="182880" marT="0" marB="0" anchor="ctr">
+                    <a:lnR w="12700" cap="flat" cmpd="sng" algn="ctr">
+                      <a:solidFill>
+                        <a:srgbClr val="0866FF"/>
+                      </a:solidFill>
+                      <a:prstDash val="solid"/>
+                      <a:round/>
+                      <a:headEnd type="none" w="med" len="med"/>
+                      <a:tailEnd type="none" w="med" len="med"/>
+                    </a:lnR>
+                    <a:lnT w="12700" cap="flat" cmpd="sng" algn="ctr">
+                      <a:solidFill>
+                        <a:schemeClr val="tx1">
+                          <a:lumMod val="50000"/>
+                          <a:lumOff val="50000"/>
+                        </a:schemeClr>
+                      </a:solidFill>
+                      <a:prstDash val="solid"/>
+                      <a:round/>
+                      <a:headEnd type="none" w="med" len="med"/>
+                      <a:tailEnd type="none" w="med" len="med"/>
+                    </a:lnT>
+                    <a:lnB w="12700" cap="flat" cmpd="sng" algn="ctr">
+                      <a:solidFill>
+                        <a:schemeClr val="tx1">
+                          <a:lumMod val="50000"/>
+                          <a:lumOff val="50000"/>
+                        </a:schemeClr>
+                      </a:solidFill>
+                      <a:prstDash val="solid"/>
+                      <a:round/>
+                      <a:headEnd type="none" w="med" len="med"/>
+                      <a:tailEnd type="none" w="med" len="med"/>
+                    </a:lnB>
+                    <a:solidFill>
+                      <a:schemeClr val="bg1"/>
+                    </a:solidFill>
+                  </a:tcPr>
+                </a:tc>
+                <a:extLst>
+                  <a:ext uri="{0D108BD9-81ED-4DB2-BD59-A6C34878D82A}">
+                    <a16:rowId xmlns:a16="http://schemas.microsoft.com/office/drawing/2014/main" val="749202451"/>
+                  </a:ext>
+                </a:extLst>
+              </a:tr>
+              <a:tr h="365760">
+                <a:tc>
+                  <a:txBody>
+                    <a:bodyPr/>
+                    <a:lstStyle/>
+                    <a:p>
+                      <a:pPr algn="l">
+                        <a:spcBef>
+                          <a:spcPts val="300"/>
+                        </a:spcBef>
+                        <a:spcAft>
+                          <a:spcPts val="300"/>
+                        </a:spcAft>
+                        <a:buNone/>
+                      </a:pPr>
+                      <a:r>
+                        <a:rPr lang="pt-PT" sz="1200" b="1" noProof="0" dirty="0" err="1">
+                          <a:solidFill>
+                            <a:schemeClr val="tx1"/>
+                          </a:solidFill>
+                        </a:rPr>
+                        <a:t>Product</a:t>
+                      </a:r>
+                      <a:endParaRPr lang="pt-PT" sz="1200" b="1" noProof="0" dirty="0">
+                        <a:solidFill>
+                          <a:schemeClr val="tx1"/>
+                        </a:solidFill>
+                      </a:endParaRPr>
+                    </a:p>
+                  </a:txBody>
+                  <a:tcPr marL="182880" marR="182880" marT="0" marB="0" anchor="ctr">
+                    <a:lnL w="12700" cap="flat" cmpd="sng" algn="ctr">
+                      <a:solidFill>
+                        <a:srgbClr val="0866FF"/>
+                      </a:solidFill>
+                      <a:prstDash val="solid"/>
+                      <a:round/>
+                      <a:headEnd type="none" w="med" len="med"/>
+                      <a:tailEnd type="none" w="med" len="med"/>
+                    </a:lnL>
+                    <a:lnT w="12700" cap="flat" cmpd="sng" algn="ctr">
+                      <a:solidFill>
+                        <a:schemeClr val="tx1">
+                          <a:lumMod val="50000"/>
+                          <a:lumOff val="50000"/>
+                        </a:schemeClr>
+                      </a:solidFill>
+                      <a:prstDash val="solid"/>
+                      <a:round/>
+                      <a:headEnd type="none" w="med" len="med"/>
+                      <a:tailEnd type="none" w="med" len="med"/>
+                    </a:lnT>
+                    <a:lnB w="12700" cap="flat" cmpd="sng" algn="ctr">
+                      <a:solidFill>
+                        <a:schemeClr val="tx1">
+                          <a:lumMod val="50000"/>
+                          <a:lumOff val="50000"/>
+                        </a:schemeClr>
+                      </a:solidFill>
+                      <a:prstDash val="solid"/>
+                      <a:round/>
+                      <a:headEnd type="none" w="med" len="med"/>
+                      <a:tailEnd type="none" w="med" len="med"/>
+                    </a:lnB>
+                    <a:solidFill>
+                      <a:schemeClr val="bg1"/>
+                    </a:solidFill>
+                  </a:tcPr>
+                </a:tc>
+                <a:tc>
+                  <a:txBody>
+                    <a:bodyPr/>
+                    <a:lstStyle/>
+                    <a:p>
+                      <a:pPr algn="ctr">
+                        <a:spcBef>
+                          <a:spcPts val="300"/>
+                        </a:spcBef>
+                        <a:spcAft>
+                          <a:spcPts val="300"/>
+                        </a:spcAft>
+                        <a:buNone/>
+                      </a:pPr>
+                      <a:r>
+                        <a:rPr lang="pt-PT" sz="1200" b="0" noProof="0" dirty="0">
+                          <a:solidFill>
+                            <a:schemeClr val="tx1"/>
+                          </a:solidFill>
+                        </a:rPr>
+                        <a:t>130</a:t>
+                      </a:r>
+                    </a:p>
+                  </a:txBody>
+                  <a:tcPr marL="182880" marR="182880" marT="0" marB="0" anchor="ctr">
+                    <a:lnT w="12700" cap="flat" cmpd="sng" algn="ctr">
+                      <a:solidFill>
+                        <a:schemeClr val="tx1">
+                          <a:lumMod val="50000"/>
+                          <a:lumOff val="50000"/>
+                        </a:schemeClr>
+                      </a:solidFill>
+                      <a:prstDash val="solid"/>
+                      <a:round/>
+                      <a:headEnd type="none" w="med" len="med"/>
+                      <a:tailEnd type="none" w="med" len="med"/>
+                    </a:lnT>
+                    <a:lnB w="12700" cap="flat" cmpd="sng" algn="ctr">
+                      <a:solidFill>
+                        <a:schemeClr val="tx1">
+                          <a:lumMod val="50000"/>
+                          <a:lumOff val="50000"/>
+                        </a:schemeClr>
+                      </a:solidFill>
+                      <a:prstDash val="solid"/>
+                      <a:round/>
+                      <a:headEnd type="none" w="med" len="med"/>
+                      <a:tailEnd type="none" w="med" len="med"/>
+                    </a:lnB>
+                    <a:solidFill>
+                      <a:schemeClr val="bg1"/>
+                    </a:solidFill>
+                  </a:tcPr>
+                </a:tc>
+                <a:tc>
+                  <a:txBody>
+                    <a:bodyPr/>
+                    <a:lstStyle/>
+                    <a:p>
+                      <a:pPr algn="ctr">
+                        <a:spcBef>
+                          <a:spcPts val="300"/>
+                        </a:spcBef>
+                        <a:spcAft>
+                          <a:spcPts val="300"/>
+                        </a:spcAft>
+                        <a:buNone/>
+                      </a:pPr>
+                      <a:r>
+                        <a:rPr lang="pt-PT" sz="1200" b="0" noProof="0" dirty="0">
+                          <a:solidFill>
+                            <a:schemeClr val="tx1"/>
+                          </a:solidFill>
+                        </a:rPr>
+                        <a:t>0.26</a:t>
+                      </a:r>
+                    </a:p>
+                  </a:txBody>
+                  <a:tcPr marL="182880" marR="182880" marT="0" marB="0" anchor="ctr">
+                    <a:lnT w="12700" cap="flat" cmpd="sng" algn="ctr">
+                      <a:solidFill>
+                        <a:schemeClr val="tx1">
+                          <a:lumMod val="50000"/>
+                          <a:lumOff val="50000"/>
+                        </a:schemeClr>
+                      </a:solidFill>
+                      <a:prstDash val="solid"/>
+                      <a:round/>
+                      <a:headEnd type="none" w="med" len="med"/>
+                      <a:tailEnd type="none" w="med" len="med"/>
+                    </a:lnT>
+                    <a:lnB w="12700" cap="flat" cmpd="sng" algn="ctr">
+                      <a:solidFill>
+                        <a:schemeClr val="tx1">
+                          <a:lumMod val="50000"/>
+                          <a:lumOff val="50000"/>
+                        </a:schemeClr>
+                      </a:solidFill>
+                      <a:prstDash val="solid"/>
+                      <a:round/>
+                      <a:headEnd type="none" w="med" len="med"/>
+                      <a:tailEnd type="none" w="med" len="med"/>
+                    </a:lnB>
+                    <a:solidFill>
+                      <a:schemeClr val="bg1"/>
+                    </a:solidFill>
+                  </a:tcPr>
+                </a:tc>
+                <a:tc>
+                  <a:txBody>
+                    <a:bodyPr/>
+                    <a:lstStyle/>
+                    <a:p>
+                      <a:pPr algn="ctr">
+                        <a:spcBef>
+                          <a:spcPts val="300"/>
+                        </a:spcBef>
+                        <a:spcAft>
+                          <a:spcPts val="300"/>
+                        </a:spcAft>
+                        <a:buNone/>
+                      </a:pPr>
+                      <a:r>
+                        <a:rPr lang="pt-PT" sz="1200" b="0" noProof="0" dirty="0">
+                          <a:solidFill>
+                            <a:schemeClr val="tx1"/>
+                          </a:solidFill>
+                        </a:rPr>
+                        <a:t>500</a:t>
+                      </a:r>
+                    </a:p>
+                  </a:txBody>
+                  <a:tcPr marL="182880" marR="182880" marT="0" marB="0" anchor="ctr">
+                    <a:lnT w="12700" cap="flat" cmpd="sng" algn="ctr">
+                      <a:solidFill>
+                        <a:schemeClr val="tx1">
+                          <a:lumMod val="50000"/>
+                          <a:lumOff val="50000"/>
+                        </a:schemeClr>
+                      </a:solidFill>
+                      <a:prstDash val="solid"/>
+                      <a:round/>
+                      <a:headEnd type="none" w="med" len="med"/>
+                      <a:tailEnd type="none" w="med" len="med"/>
+                    </a:lnT>
+                    <a:lnB w="12700" cap="flat" cmpd="sng" algn="ctr">
+                      <a:solidFill>
+                        <a:schemeClr val="tx1">
+                          <a:lumMod val="50000"/>
+                          <a:lumOff val="50000"/>
+                        </a:schemeClr>
+                      </a:solidFill>
+                      <a:prstDash val="solid"/>
+                      <a:round/>
+                      <a:headEnd type="none" w="med" len="med"/>
+                      <a:tailEnd type="none" w="med" len="med"/>
+                    </a:lnB>
+                    <a:solidFill>
+                      <a:schemeClr val="bg1"/>
+                    </a:solidFill>
+                  </a:tcPr>
+                </a:tc>
+                <a:tc>
+                  <a:txBody>
+                    <a:bodyPr/>
+                    <a:lstStyle/>
+                    <a:p>
+                      <a:pPr algn="ctr">
+                        <a:spcBef>
+                          <a:spcPts val="300"/>
+                        </a:spcBef>
+                        <a:spcAft>
+                          <a:spcPts val="300"/>
+                        </a:spcAft>
+                        <a:buNone/>
+                      </a:pPr>
+                      <a:r>
+                        <a:rPr lang="pt-PT" sz="1200" b="0" noProof="0" dirty="0">
+                          <a:solidFill>
+                            <a:schemeClr val="tx1"/>
+                          </a:solidFill>
+                        </a:rPr>
+                        <a:t>1.00</a:t>
+                      </a:r>
+                    </a:p>
+                  </a:txBody>
+                  <a:tcPr marL="182880" marR="182880" marT="0" marB="0" anchor="ctr">
+                    <a:lnR w="12700" cap="flat" cmpd="sng" algn="ctr">
+                      <a:solidFill>
+                        <a:srgbClr val="0866FF"/>
+                      </a:solidFill>
+                      <a:prstDash val="solid"/>
+                      <a:round/>
+                      <a:headEnd type="none" w="med" len="med"/>
+                      <a:tailEnd type="none" w="med" len="med"/>
+                    </a:lnR>
+                    <a:lnT w="12700" cap="flat" cmpd="sng" algn="ctr">
+                      <a:solidFill>
+                        <a:schemeClr val="tx1">
+                          <a:lumMod val="50000"/>
+                          <a:lumOff val="50000"/>
+                        </a:schemeClr>
+                      </a:solidFill>
+                      <a:prstDash val="solid"/>
+                      <a:round/>
+                      <a:headEnd type="none" w="med" len="med"/>
+                      <a:tailEnd type="none" w="med" len="med"/>
+                    </a:lnT>
+                    <a:lnB w="12700" cap="flat" cmpd="sng" algn="ctr">
+                      <a:solidFill>
+                        <a:schemeClr val="tx1">
+                          <a:lumMod val="50000"/>
+                          <a:lumOff val="50000"/>
+                        </a:schemeClr>
+                      </a:solidFill>
+                      <a:prstDash val="solid"/>
+                      <a:round/>
+                      <a:headEnd type="none" w="med" len="med"/>
+                      <a:tailEnd type="none" w="med" len="med"/>
+                    </a:lnB>
+                    <a:solidFill>
+                      <a:schemeClr val="bg1"/>
+                    </a:solidFill>
+                  </a:tcPr>
+                </a:tc>
+                <a:extLst>
+                  <a:ext uri="{0D108BD9-81ED-4DB2-BD59-A6C34878D82A}">
+                    <a16:rowId xmlns:a16="http://schemas.microsoft.com/office/drawing/2014/main" val="1377538796"/>
+                  </a:ext>
+                </a:extLst>
+              </a:tr>
+            </a:tbl>
+          </a:graphicData>
+        </a:graphic>
+      </p:graphicFrame>
+      <p:pic>
+        <p:nvPicPr>
+          <p:cNvPr id="9" name="Picture 8" descr="A chart of different colored squares&#10;&#10;AI-generated content may be incorrect.">
+            <a:extLst>
+              <a:ext uri="{FF2B5EF4-FFF2-40B4-BE49-F238E27FC236}">
+                <a16:creationId xmlns:a16="http://schemas.microsoft.com/office/drawing/2014/main" id="{B112F158-0F3E-0062-DE84-373EEA27AFA2}"/>
+              </a:ext>
+            </a:extLst>
+          </p:cNvPr>
+          <p:cNvPicPr>
+            <a:picLocks noChangeAspect="1"/>
+          </p:cNvPicPr>
+          <p:nvPr/>
+        </p:nvPicPr>
+        <p:blipFill>
+          <a:blip r:embed="rId2">
+            <a:extLst>
+              <a:ext uri="{28A0092B-C50C-407E-A947-70E740481C1C}">
+                <a14:useLocalDpi xmlns:a14="http://schemas.microsoft.com/office/drawing/2010/main" val="0"/>
+              </a:ext>
+            </a:extLst>
+          </a:blip>
+          <a:stretch>
+            <a:fillRect/>
+          </a:stretch>
+        </p:blipFill>
+        <p:spPr>
+          <a:xfrm>
+            <a:off x="6286500" y="1790700"/>
+            <a:ext cx="4876800" cy="3657600"/>
+          </a:xfrm>
+          <a:prstGeom prst="rect">
+            <a:avLst/>
+          </a:prstGeom>
+          <a:ln w="19050">
+            <a:solidFill>
+              <a:srgbClr val="0866FF"/>
+            </a:solidFill>
+          </a:ln>
+        </p:spPr>
+      </p:pic>
+      <p:sp>
+        <p:nvSpPr>
+          <p:cNvPr id="10" name="TextBox 9">
+            <a:extLst>
+              <a:ext uri="{FF2B5EF4-FFF2-40B4-BE49-F238E27FC236}">
+                <a16:creationId xmlns:a16="http://schemas.microsoft.com/office/drawing/2014/main" id="{85E9240B-8A97-1DED-D57D-E34B770ADE7E}"/>
+              </a:ext>
+            </a:extLst>
+          </p:cNvPr>
+          <p:cNvSpPr txBox="1"/>
+          <p:nvPr/>
+        </p:nvSpPr>
+        <p:spPr>
+          <a:xfrm>
+            <a:off x="1028700" y="1311927"/>
+            <a:ext cx="4876800" cy="2154436"/>
+          </a:xfrm>
+          <a:prstGeom prst="rect">
+            <a:avLst/>
+          </a:prstGeom>
+          <a:noFill/>
+        </p:spPr>
+        <p:txBody>
+          <a:bodyPr wrap="square">
+            <a:spAutoFit/>
+          </a:bodyPr>
+          <a:lstStyle/>
+          <a:p>
+            <a:pPr algn="just"/>
+            <a:r>
+              <a:rPr lang="pt-BR" sz="3200" b="1" noProof="0" dirty="0"/>
+              <a:t>Category</a:t>
+            </a:r>
+          </a:p>
+          <a:p>
+            <a:pPr algn="just"/>
+            <a:endParaRPr lang="pt-BR" sz="1000" noProof="0" dirty="0"/>
+          </a:p>
+          <a:p>
+            <a:pPr algn="just"/>
+            <a:r>
+              <a:rPr lang="pt-BR" sz="1800" noProof="0" dirty="0"/>
+              <a:t>Houve um </a:t>
+            </a:r>
+            <a:r>
+              <a:rPr lang="pt-BR" sz="1800" b="1" noProof="0" dirty="0"/>
+              <a:t>equilíbrio entre as três categorias </a:t>
+            </a:r>
+            <a:r>
+              <a:rPr lang="pt-BR" sz="1800" noProof="0" dirty="0"/>
+              <a:t>de publicações. Os dados indicam que as publicações Action, Inspiration e Product estão distribuídas de forma similar, refletindo uma estratégia diversificada.</a:t>
+            </a:r>
+          </a:p>
+        </p:txBody>
+      </p:sp>
+    </p:spTree>
+    <p:extLst>
+      <p:ext uri="{BB962C8B-B14F-4D97-AF65-F5344CB8AC3E}">
+        <p14:creationId xmlns:p14="http://schemas.microsoft.com/office/powerpoint/2010/main" val="2143023973"/>
+      </p:ext>
+    </p:extLst>
+  </p:cSld>
+  <p:clrMapOvr>
+    <a:masterClrMapping/>
+  </p:clrMapOvr>
+</p:sld>
+</file>
+
+<file path=ppt/slides/slide6.xml><?xml version="1.0" encoding="utf-8"?>
+<p:sld xmlns:a="http://schemas.openxmlformats.org/drawingml/2006/main" xmlns:r="http://schemas.openxmlformats.org/officeDocument/2006/relationships" xmlns:p="http://schemas.openxmlformats.org/presentationml/2006/main">
+  <p:cSld>
+    <p:spTree>
+      <p:nvGrpSpPr>
+        <p:cNvPr id="1" name="">
+          <a:extLst>
+            <a:ext uri="{FF2B5EF4-FFF2-40B4-BE49-F238E27FC236}">
+              <a16:creationId xmlns:a16="http://schemas.microsoft.com/office/drawing/2014/main" id="{FF679324-FAB6-A762-C550-89D52AEAC47B}"/>
+            </a:ext>
+          </a:extLst>
+        </p:cNvPr>
+        <p:cNvGrpSpPr/>
+        <p:nvPr/>
+      </p:nvGrpSpPr>
+      <p:grpSpPr>
+        <a:xfrm>
+          <a:off x="0" y="0"/>
+          <a:ext cx="0" cy="0"/>
+          <a:chOff x="0" y="0"/>
+          <a:chExt cx="0" cy="0"/>
+        </a:xfrm>
+      </p:grpSpPr>
+      <p:sp>
+        <p:nvSpPr>
+          <p:cNvPr id="7" name="TextBox 6">
+            <a:extLst>
+              <a:ext uri="{FF2B5EF4-FFF2-40B4-BE49-F238E27FC236}">
+                <a16:creationId xmlns:a16="http://schemas.microsoft.com/office/drawing/2014/main" id="{ACCAB267-B92A-F43E-75DE-AA1F814D1425}"/>
+              </a:ext>
+            </a:extLst>
+          </p:cNvPr>
+          <p:cNvSpPr txBox="1"/>
+          <p:nvPr/>
+        </p:nvSpPr>
+        <p:spPr>
+          <a:xfrm>
+            <a:off x="838200" y="457201"/>
+            <a:ext cx="5257800" cy="457199"/>
+          </a:xfrm>
+          <a:prstGeom prst="rect">
+            <a:avLst/>
+          </a:prstGeom>
+          <a:noFill/>
+        </p:spPr>
+        <p:txBody>
+          <a:bodyPr wrap="none" lIns="0" tIns="45720" rIns="0" bIns="0" rtlCol="0" anchor="ctr">
+            <a:noAutofit/>
+          </a:bodyPr>
+          <a:lstStyle/>
+          <a:p>
+            <a:r>
+              <a:rPr lang="pt-PT" sz="3200" noProof="0" dirty="0">
+                <a:solidFill>
+                  <a:srgbClr val="0866FF"/>
+                </a:solidFill>
+                <a:latin typeface="Klavika Bold" panose="02000806040000020004" pitchFamily="50" charset="0"/>
+              </a:rPr>
+              <a:t>Variáveis - Qualitativa</a:t>
+            </a:r>
+          </a:p>
+        </p:txBody>
+      </p:sp>
+      <p:sp>
+        <p:nvSpPr>
+          <p:cNvPr id="19" name="TextBox 18">
+            <a:extLst>
+              <a:ext uri="{FF2B5EF4-FFF2-40B4-BE49-F238E27FC236}">
+                <a16:creationId xmlns:a16="http://schemas.microsoft.com/office/drawing/2014/main" id="{0F763DF3-7851-C980-C66C-6311CCC891DF}"/>
+              </a:ext>
+            </a:extLst>
+          </p:cNvPr>
+          <p:cNvSpPr txBox="1"/>
+          <p:nvPr/>
+        </p:nvSpPr>
+        <p:spPr>
+          <a:xfrm>
+            <a:off x="8534400" y="457200"/>
+            <a:ext cx="2819400" cy="457200"/>
+          </a:xfrm>
+          <a:prstGeom prst="rect">
+            <a:avLst/>
+          </a:prstGeom>
+          <a:noFill/>
+        </p:spPr>
+        <p:txBody>
+          <a:bodyPr wrap="square" rtlCol="0" anchor="ctr">
+            <a:noAutofit/>
+          </a:bodyPr>
+          <a:lstStyle/>
+          <a:p>
+            <a:pPr algn="r"/>
+            <a:r>
+              <a:rPr lang="pt-PT" sz="1200" b="1" noProof="0" dirty="0"/>
+              <a:t>Facebook</a:t>
+            </a:r>
+          </a:p>
+          <a:p>
+            <a:pPr algn="r"/>
+            <a:r>
+              <a:rPr lang="pt-PT" sz="1200" noProof="0" dirty="0"/>
+              <a:t>Métricas de Interação | Fase 2</a:t>
+            </a:r>
+          </a:p>
+        </p:txBody>
+      </p:sp>
+      <p:sp>
+        <p:nvSpPr>
+          <p:cNvPr id="4" name="Date Placeholder 3">
+            <a:extLst>
+              <a:ext uri="{FF2B5EF4-FFF2-40B4-BE49-F238E27FC236}">
+                <a16:creationId xmlns:a16="http://schemas.microsoft.com/office/drawing/2014/main" id="{993F4CAC-5047-AB74-AF14-CB1DB2BD9FED}"/>
+              </a:ext>
+            </a:extLst>
+          </p:cNvPr>
+          <p:cNvSpPr>
+            <a:spLocks noGrp="1"/>
+          </p:cNvSpPr>
+          <p:nvPr>
+            <p:ph type="dt" sz="half" idx="10"/>
+          </p:nvPr>
+        </p:nvSpPr>
+        <p:spPr/>
+        <p:txBody>
+          <a:bodyPr/>
+          <a:lstStyle/>
+          <a:p>
+            <a:r>
+              <a:rPr lang="en-US" dirty="0"/>
+              <a:t>11/04/2025</a:t>
+            </a:r>
+          </a:p>
+        </p:txBody>
+      </p:sp>
+      <p:sp>
+        <p:nvSpPr>
+          <p:cNvPr id="5" name="Slide Number Placeholder 4">
+            <a:extLst>
+              <a:ext uri="{FF2B5EF4-FFF2-40B4-BE49-F238E27FC236}">
+                <a16:creationId xmlns:a16="http://schemas.microsoft.com/office/drawing/2014/main" id="{83A0B7F7-3DD3-6FB9-74C2-F93FC67A2FC2}"/>
+              </a:ext>
+            </a:extLst>
+          </p:cNvPr>
+          <p:cNvSpPr>
+            <a:spLocks noGrp="1"/>
+          </p:cNvSpPr>
+          <p:nvPr>
+            <p:ph type="sldNum" sz="quarter" idx="12"/>
+          </p:nvPr>
+        </p:nvSpPr>
+        <p:spPr/>
+        <p:txBody>
+          <a:bodyPr/>
+          <a:lstStyle/>
+          <a:p>
+            <a:fld id="{10451DF5-CD77-4BF3-911A-C2DA240CBD91}" type="slidenum">
+              <a:rPr lang="en-US" smtClean="0"/>
+              <a:t>6</a:t>
+            </a:fld>
+            <a:endParaRPr lang="en-US"/>
+          </a:p>
+        </p:txBody>
+      </p:sp>
+      <p:graphicFrame>
+        <p:nvGraphicFramePr>
+          <p:cNvPr id="8" name="Table 7">
+            <a:extLst>
+              <a:ext uri="{FF2B5EF4-FFF2-40B4-BE49-F238E27FC236}">
+                <a16:creationId xmlns:a16="http://schemas.microsoft.com/office/drawing/2014/main" id="{116401D6-2602-2D25-5D83-7A6F88B6DB61}"/>
+              </a:ext>
+            </a:extLst>
+          </p:cNvPr>
+          <p:cNvGraphicFramePr>
+            <a:graphicFrameLocks noGrp="1"/>
+          </p:cNvGraphicFramePr>
+          <p:nvPr>
+            <p:extLst>
+              <p:ext uri="{D42A27DB-BD31-4B8C-83A1-F6EECF244321}">
+                <p14:modId xmlns:p14="http://schemas.microsoft.com/office/powerpoint/2010/main" val="2349561868"/>
+              </p:ext>
+            </p:extLst>
+          </p:nvPr>
+        </p:nvGraphicFramePr>
+        <p:xfrm>
+          <a:off x="1089660" y="3619500"/>
+          <a:ext cx="4754880" cy="1097280"/>
+        </p:xfrm>
+        <a:graphic>
+          <a:graphicData uri="http://schemas.openxmlformats.org/drawingml/2006/table">
+            <a:tbl>
+              <a:tblPr firstRow="1" bandRow="1">
+                <a:tableStyleId>{2D5ABB26-0587-4C30-8999-92F81FD0307C}</a:tableStyleId>
+              </a:tblPr>
+              <a:tblGrid>
+                <a:gridCol w="1463040">
+                  <a:extLst>
+                    <a:ext uri="{9D8B030D-6E8A-4147-A177-3AD203B41FA5}">
+                      <a16:colId xmlns:a16="http://schemas.microsoft.com/office/drawing/2014/main" val="2250048251"/>
+                    </a:ext>
+                  </a:extLst>
+                </a:gridCol>
+                <a:gridCol w="822960">
+                  <a:extLst>
+                    <a:ext uri="{9D8B030D-6E8A-4147-A177-3AD203B41FA5}">
+                      <a16:colId xmlns:a16="http://schemas.microsoft.com/office/drawing/2014/main" val="2666622705"/>
+                    </a:ext>
+                  </a:extLst>
+                </a:gridCol>
+                <a:gridCol w="822960">
+                  <a:extLst>
+                    <a:ext uri="{9D8B030D-6E8A-4147-A177-3AD203B41FA5}">
+                      <a16:colId xmlns:a16="http://schemas.microsoft.com/office/drawing/2014/main" val="2520955974"/>
+                    </a:ext>
+                  </a:extLst>
+                </a:gridCol>
+                <a:gridCol w="822960">
+                  <a:extLst>
+                    <a:ext uri="{9D8B030D-6E8A-4147-A177-3AD203B41FA5}">
+                      <a16:colId xmlns:a16="http://schemas.microsoft.com/office/drawing/2014/main" val="1331230434"/>
+                    </a:ext>
+                  </a:extLst>
+                </a:gridCol>
+                <a:gridCol w="822960">
+                  <a:extLst>
+                    <a:ext uri="{9D8B030D-6E8A-4147-A177-3AD203B41FA5}">
+                      <a16:colId xmlns:a16="http://schemas.microsoft.com/office/drawing/2014/main" val="2490568336"/>
+                    </a:ext>
+                  </a:extLst>
+                </a:gridCol>
+              </a:tblGrid>
+              <a:tr h="365760">
+                <a:tc>
+                  <a:txBody>
+                    <a:bodyPr/>
+                    <a:lstStyle/>
+                    <a:p>
+                      <a:pPr algn="l">
+                        <a:spcBef>
+                          <a:spcPts val="300"/>
+                        </a:spcBef>
+                        <a:spcAft>
+                          <a:spcPts val="300"/>
+                        </a:spcAft>
+                        <a:buNone/>
+                      </a:pPr>
+                      <a:r>
+                        <a:rPr lang="pt-PT" sz="1400" b="0" noProof="0" dirty="0">
+                          <a:solidFill>
+                            <a:schemeClr val="bg1"/>
+                          </a:solidFill>
+                        </a:rPr>
+                        <a:t>xi</a:t>
+                      </a:r>
+                    </a:p>
+                  </a:txBody>
+                  <a:tcPr marL="182880" marR="182880" marT="0" marB="0" anchor="ctr">
+                    <a:lnL w="12700" cap="flat" cmpd="sng" algn="ctr">
+                      <a:solidFill>
+                        <a:srgbClr val="0866FF"/>
+                      </a:solidFill>
+                      <a:prstDash val="solid"/>
+                      <a:round/>
+                      <a:headEnd type="none" w="med" len="med"/>
+                      <a:tailEnd type="none" w="med" len="med"/>
+                    </a:lnL>
+                    <a:lnT w="12700" cap="flat" cmpd="sng" algn="ctr">
+                      <a:solidFill>
+                        <a:srgbClr val="0866FF"/>
+                      </a:solidFill>
+                      <a:prstDash val="solid"/>
+                      <a:round/>
+                      <a:headEnd type="none" w="med" len="med"/>
+                      <a:tailEnd type="none" w="med" len="med"/>
+                    </a:lnT>
+                    <a:solidFill>
+                      <a:srgbClr val="0866FF"/>
+                    </a:solidFill>
+                  </a:tcPr>
+                </a:tc>
+                <a:tc>
+                  <a:txBody>
+                    <a:bodyPr/>
+                    <a:lstStyle/>
+                    <a:p>
+                      <a:pPr algn="ctr">
+                        <a:spcBef>
+                          <a:spcPts val="300"/>
+                        </a:spcBef>
+                        <a:spcAft>
+                          <a:spcPts val="300"/>
+                        </a:spcAft>
+                        <a:buNone/>
+                      </a:pPr>
+                      <a:r>
+                        <a:rPr lang="pt-PT" sz="1400" b="1" noProof="0" dirty="0">
+                          <a:solidFill>
+                            <a:schemeClr val="bg1"/>
+                          </a:solidFill>
+                        </a:rPr>
+                        <a:t>ni</a:t>
+                      </a:r>
+                    </a:p>
+                  </a:txBody>
+                  <a:tcPr marL="182880" marR="182880" marT="0" marB="0" anchor="ctr">
+                    <a:lnT w="12700" cap="flat" cmpd="sng" algn="ctr">
+                      <a:solidFill>
+                        <a:srgbClr val="0866FF"/>
+                      </a:solidFill>
+                      <a:prstDash val="solid"/>
+                      <a:round/>
+                      <a:headEnd type="none" w="med" len="med"/>
+                      <a:tailEnd type="none" w="med" len="med"/>
+                    </a:lnT>
+                    <a:solidFill>
+                      <a:srgbClr val="0866FF"/>
+                    </a:solidFill>
+                  </a:tcPr>
+                </a:tc>
+                <a:tc>
+                  <a:txBody>
+                    <a:bodyPr/>
+                    <a:lstStyle/>
+                    <a:p>
+                      <a:pPr algn="ctr">
+                        <a:spcBef>
+                          <a:spcPts val="300"/>
+                        </a:spcBef>
+                        <a:spcAft>
+                          <a:spcPts val="300"/>
+                        </a:spcAft>
+                        <a:buNone/>
+                      </a:pPr>
+                      <a:r>
+                        <a:rPr lang="pt-PT" sz="1400" b="1" noProof="0" dirty="0">
+                          <a:solidFill>
+                            <a:schemeClr val="bg1"/>
+                          </a:solidFill>
+                        </a:rPr>
+                        <a:t>fi</a:t>
+                      </a:r>
+                    </a:p>
+                  </a:txBody>
+                  <a:tcPr marL="182880" marR="182880" marT="0" marB="0" anchor="ctr">
+                    <a:lnT w="12700" cap="flat" cmpd="sng" algn="ctr">
+                      <a:solidFill>
+                        <a:srgbClr val="0866FF"/>
+                      </a:solidFill>
+                      <a:prstDash val="solid"/>
+                      <a:round/>
+                      <a:headEnd type="none" w="med" len="med"/>
+                      <a:tailEnd type="none" w="med" len="med"/>
+                    </a:lnT>
+                    <a:solidFill>
+                      <a:srgbClr val="0866FF"/>
+                    </a:solidFill>
+                  </a:tcPr>
+                </a:tc>
+                <a:tc>
+                  <a:txBody>
+                    <a:bodyPr/>
+                    <a:lstStyle/>
+                    <a:p>
+                      <a:pPr algn="ctr">
+                        <a:spcBef>
+                          <a:spcPts val="300"/>
+                        </a:spcBef>
+                        <a:spcAft>
+                          <a:spcPts val="300"/>
+                        </a:spcAft>
+                        <a:buNone/>
+                      </a:pPr>
+                      <a:r>
+                        <a:rPr lang="pt-PT" sz="1400" b="1" noProof="0" dirty="0">
+                          <a:solidFill>
+                            <a:schemeClr val="bg1"/>
+                          </a:solidFill>
+                        </a:rPr>
+                        <a:t>NI</a:t>
+                      </a:r>
+                    </a:p>
+                  </a:txBody>
+                  <a:tcPr marL="182880" marR="182880" marT="0" marB="0" anchor="ctr">
+                    <a:lnT w="12700" cap="flat" cmpd="sng" algn="ctr">
+                      <a:solidFill>
+                        <a:srgbClr val="0866FF"/>
+                      </a:solidFill>
+                      <a:prstDash val="solid"/>
+                      <a:round/>
+                      <a:headEnd type="none" w="med" len="med"/>
+                      <a:tailEnd type="none" w="med" len="med"/>
+                    </a:lnT>
+                    <a:solidFill>
+                      <a:srgbClr val="0866FF"/>
+                    </a:solidFill>
+                  </a:tcPr>
+                </a:tc>
+                <a:tc>
+                  <a:txBody>
+                    <a:bodyPr/>
+                    <a:lstStyle/>
+                    <a:p>
+                      <a:pPr algn="ctr">
+                        <a:spcBef>
+                          <a:spcPts val="300"/>
+                        </a:spcBef>
+                        <a:spcAft>
+                          <a:spcPts val="300"/>
+                        </a:spcAft>
+                        <a:buNone/>
+                      </a:pPr>
+                      <a:r>
+                        <a:rPr lang="pt-PT" sz="1400" b="1" noProof="0" dirty="0">
+                          <a:solidFill>
+                            <a:schemeClr val="bg1"/>
+                          </a:solidFill>
+                        </a:rPr>
+                        <a:t>FI</a:t>
+                      </a:r>
+                    </a:p>
+                  </a:txBody>
+                  <a:tcPr marL="182880" marR="182880" marT="0" marB="0" anchor="ctr">
+                    <a:lnR w="12700" cap="flat" cmpd="sng" algn="ctr">
+                      <a:solidFill>
+                        <a:srgbClr val="0866FF"/>
+                      </a:solidFill>
+                      <a:prstDash val="solid"/>
+                      <a:round/>
+                      <a:headEnd type="none" w="med" len="med"/>
+                      <a:tailEnd type="none" w="med" len="med"/>
+                    </a:lnR>
+                    <a:lnT w="12700" cap="flat" cmpd="sng" algn="ctr">
+                      <a:solidFill>
+                        <a:srgbClr val="0866FF"/>
+                      </a:solidFill>
+                      <a:prstDash val="solid"/>
+                      <a:round/>
+                      <a:headEnd type="none" w="med" len="med"/>
+                      <a:tailEnd type="none" w="med" len="med"/>
+                    </a:lnT>
+                    <a:solidFill>
+                      <a:srgbClr val="0866FF"/>
+                    </a:solidFill>
+                  </a:tcPr>
+                </a:tc>
+                <a:extLst>
+                  <a:ext uri="{0D108BD9-81ED-4DB2-BD59-A6C34878D82A}">
+                    <a16:rowId xmlns:a16="http://schemas.microsoft.com/office/drawing/2014/main" val="1624116784"/>
+                  </a:ext>
+                </a:extLst>
+              </a:tr>
+              <a:tr h="365760">
+                <a:tc>
+                  <a:txBody>
+                    <a:bodyPr/>
+                    <a:lstStyle/>
+                    <a:p>
+                      <a:pPr algn="l">
+                        <a:spcBef>
+                          <a:spcPts val="300"/>
+                        </a:spcBef>
+                        <a:spcAft>
+                          <a:spcPts val="300"/>
+                        </a:spcAft>
+                        <a:buNone/>
+                      </a:pPr>
+                      <a:r>
+                        <a:rPr lang="pt-PT" sz="1200" b="1" noProof="0" dirty="0" err="1">
+                          <a:solidFill>
+                            <a:schemeClr val="tx1"/>
+                          </a:solidFill>
+                        </a:rPr>
+                        <a:t>Yes</a:t>
+                      </a:r>
+                      <a:endParaRPr lang="pt-PT" sz="1200" b="1" noProof="0" dirty="0">
+                        <a:solidFill>
+                          <a:schemeClr val="tx1"/>
+                        </a:solidFill>
+                      </a:endParaRPr>
+                    </a:p>
+                  </a:txBody>
+                  <a:tcPr marL="182880" marR="182880" marT="0" marB="0" anchor="ctr">
+                    <a:lnL w="12700" cap="flat" cmpd="sng" algn="ctr">
+                      <a:solidFill>
+                        <a:srgbClr val="0866FF"/>
+                      </a:solidFill>
+                      <a:prstDash val="solid"/>
+                      <a:round/>
+                      <a:headEnd type="none" w="med" len="med"/>
+                      <a:tailEnd type="none" w="med" len="med"/>
+                    </a:lnL>
+                    <a:lnB w="12700" cap="flat" cmpd="sng" algn="ctr">
+                      <a:solidFill>
+                        <a:schemeClr val="tx1">
+                          <a:lumMod val="50000"/>
+                          <a:lumOff val="50000"/>
+                        </a:schemeClr>
+                      </a:solidFill>
+                      <a:prstDash val="solid"/>
+                      <a:round/>
+                      <a:headEnd type="none" w="med" len="med"/>
+                      <a:tailEnd type="none" w="med" len="med"/>
+                    </a:lnB>
+                    <a:solidFill>
+                      <a:schemeClr val="bg1"/>
+                    </a:solidFill>
+                  </a:tcPr>
+                </a:tc>
+                <a:tc>
+                  <a:txBody>
+                    <a:bodyPr/>
+                    <a:lstStyle/>
+                    <a:p>
+                      <a:pPr algn="ctr">
+                        <a:spcBef>
+                          <a:spcPts val="300"/>
+                        </a:spcBef>
+                        <a:spcAft>
+                          <a:spcPts val="300"/>
+                        </a:spcAft>
+                        <a:buNone/>
+                      </a:pPr>
+                      <a:r>
+                        <a:rPr lang="pt-PT" sz="1200" b="0" noProof="0" dirty="0">
+                          <a:solidFill>
+                            <a:schemeClr val="tx1"/>
+                          </a:solidFill>
+                        </a:rPr>
+                        <a:t>361</a:t>
+                      </a:r>
+                    </a:p>
+                  </a:txBody>
+                  <a:tcPr marL="182880" marR="182880" marT="0" marB="0" anchor="ctr">
+                    <a:lnB w="12700" cap="flat" cmpd="sng" algn="ctr">
+                      <a:solidFill>
+                        <a:schemeClr val="tx1">
+                          <a:lumMod val="50000"/>
+                          <a:lumOff val="50000"/>
+                        </a:schemeClr>
+                      </a:solidFill>
+                      <a:prstDash val="solid"/>
+                      <a:round/>
+                      <a:headEnd type="none" w="med" len="med"/>
+                      <a:tailEnd type="none" w="med" len="med"/>
+                    </a:lnB>
+                    <a:solidFill>
+                      <a:schemeClr val="bg1"/>
+                    </a:solidFill>
+                  </a:tcPr>
+                </a:tc>
+                <a:tc>
+                  <a:txBody>
+                    <a:bodyPr/>
+                    <a:lstStyle/>
+                    <a:p>
+                      <a:pPr algn="ctr">
+                        <a:spcBef>
+                          <a:spcPts val="300"/>
+                        </a:spcBef>
+                        <a:spcAft>
+                          <a:spcPts val="300"/>
+                        </a:spcAft>
+                        <a:buNone/>
+                      </a:pPr>
+                      <a:r>
+                        <a:rPr lang="pt-PT" sz="1200" b="0" noProof="0" dirty="0">
+                          <a:solidFill>
+                            <a:schemeClr val="tx1"/>
+                          </a:solidFill>
+                        </a:rPr>
+                        <a:t>0.722</a:t>
+                      </a:r>
+                    </a:p>
+                  </a:txBody>
+                  <a:tcPr marL="182880" marR="182880" marT="0" marB="0" anchor="ctr">
+                    <a:lnB w="12700" cap="flat" cmpd="sng" algn="ctr">
+                      <a:solidFill>
+                        <a:schemeClr val="tx1">
+                          <a:lumMod val="50000"/>
+                          <a:lumOff val="50000"/>
+                        </a:schemeClr>
+                      </a:solidFill>
+                      <a:prstDash val="solid"/>
+                      <a:round/>
+                      <a:headEnd type="none" w="med" len="med"/>
+                      <a:tailEnd type="none" w="med" len="med"/>
+                    </a:lnB>
+                    <a:solidFill>
+                      <a:schemeClr val="bg1"/>
+                    </a:solidFill>
+                  </a:tcPr>
+                </a:tc>
+                <a:tc>
+                  <a:txBody>
+                    <a:bodyPr/>
+                    <a:lstStyle/>
+                    <a:p>
+                      <a:pPr algn="ctr">
+                        <a:spcBef>
+                          <a:spcPts val="300"/>
+                        </a:spcBef>
+                        <a:spcAft>
+                          <a:spcPts val="300"/>
+                        </a:spcAft>
+                        <a:buNone/>
+                      </a:pPr>
+                      <a:r>
+                        <a:rPr lang="pt-PT" sz="1200" b="0" noProof="0" dirty="0">
+                          <a:solidFill>
+                            <a:schemeClr val="tx1"/>
+                          </a:solidFill>
+                        </a:rPr>
+                        <a:t>361</a:t>
+                      </a:r>
+                    </a:p>
+                  </a:txBody>
+                  <a:tcPr marL="182880" marR="182880" marT="0" marB="0" anchor="ctr">
+                    <a:lnB w="12700" cap="flat" cmpd="sng" algn="ctr">
+                      <a:solidFill>
+                        <a:schemeClr val="tx1">
+                          <a:lumMod val="50000"/>
+                          <a:lumOff val="50000"/>
+                        </a:schemeClr>
+                      </a:solidFill>
+                      <a:prstDash val="solid"/>
+                      <a:round/>
+                      <a:headEnd type="none" w="med" len="med"/>
+                      <a:tailEnd type="none" w="med" len="med"/>
+                    </a:lnB>
+                    <a:solidFill>
+                      <a:schemeClr val="bg1"/>
+                    </a:solidFill>
+                  </a:tcPr>
+                </a:tc>
+                <a:tc>
+                  <a:txBody>
+                    <a:bodyPr/>
+                    <a:lstStyle/>
+                    <a:p>
+                      <a:pPr algn="ctr">
+                        <a:spcBef>
+                          <a:spcPts val="300"/>
+                        </a:spcBef>
+                        <a:spcAft>
+                          <a:spcPts val="300"/>
+                        </a:spcAft>
+                        <a:buNone/>
+                      </a:pPr>
+                      <a:r>
+                        <a:rPr lang="pt-PT" sz="1200" b="0" noProof="0" dirty="0">
+                          <a:solidFill>
+                            <a:schemeClr val="tx1"/>
+                          </a:solidFill>
+                        </a:rPr>
+                        <a:t>0.722</a:t>
+                      </a:r>
+                    </a:p>
+                  </a:txBody>
+                  <a:tcPr marL="182880" marR="182880" marT="0" marB="0" anchor="ctr">
+                    <a:lnR w="12700" cap="flat" cmpd="sng" algn="ctr">
+                      <a:solidFill>
+                        <a:srgbClr val="0866FF"/>
+                      </a:solidFill>
+                      <a:prstDash val="solid"/>
+                      <a:round/>
+                      <a:headEnd type="none" w="med" len="med"/>
+                      <a:tailEnd type="none" w="med" len="med"/>
+                    </a:lnR>
+                    <a:lnB w="12700" cap="flat" cmpd="sng" algn="ctr">
+                      <a:solidFill>
+                        <a:schemeClr val="tx1">
+                          <a:lumMod val="50000"/>
+                          <a:lumOff val="50000"/>
+                        </a:schemeClr>
+                      </a:solidFill>
+                      <a:prstDash val="solid"/>
+                      <a:round/>
+                      <a:headEnd type="none" w="med" len="med"/>
+                      <a:tailEnd type="none" w="med" len="med"/>
+                    </a:lnB>
+                    <a:solidFill>
+                      <a:schemeClr val="bg1"/>
+                    </a:solidFill>
+                  </a:tcPr>
+                </a:tc>
+                <a:extLst>
+                  <a:ext uri="{0D108BD9-81ED-4DB2-BD59-A6C34878D82A}">
+                    <a16:rowId xmlns:a16="http://schemas.microsoft.com/office/drawing/2014/main" val="3465758157"/>
+                  </a:ext>
+                </a:extLst>
+              </a:tr>
+              <a:tr h="365760">
+                <a:tc>
+                  <a:txBody>
+                    <a:bodyPr/>
+                    <a:lstStyle/>
+                    <a:p>
+                      <a:pPr algn="l">
+                        <a:spcBef>
+                          <a:spcPts val="300"/>
+                        </a:spcBef>
+                        <a:spcAft>
+                          <a:spcPts val="300"/>
+                        </a:spcAft>
+                        <a:buNone/>
+                      </a:pPr>
+                      <a:r>
+                        <a:rPr lang="pt-PT" sz="1200" b="1" noProof="0" dirty="0">
+                          <a:solidFill>
+                            <a:schemeClr val="tx1"/>
+                          </a:solidFill>
+                        </a:rPr>
+                        <a:t>No</a:t>
+                      </a:r>
+                    </a:p>
+                  </a:txBody>
+                  <a:tcPr marL="182880" marR="182880" marT="0" marB="0" anchor="ctr">
+                    <a:lnL w="12700" cap="flat" cmpd="sng" algn="ctr">
+                      <a:solidFill>
+                        <a:srgbClr val="0866FF"/>
+                      </a:solidFill>
+                      <a:prstDash val="solid"/>
+                      <a:round/>
+                      <a:headEnd type="none" w="med" len="med"/>
+                      <a:tailEnd type="none" w="med" len="med"/>
+                    </a:lnL>
+                    <a:lnT w="12700" cap="flat" cmpd="sng" algn="ctr">
+                      <a:solidFill>
+                        <a:schemeClr val="tx1">
+                          <a:lumMod val="50000"/>
+                          <a:lumOff val="50000"/>
+                        </a:schemeClr>
+                      </a:solidFill>
+                      <a:prstDash val="solid"/>
+                      <a:round/>
+                      <a:headEnd type="none" w="med" len="med"/>
+                      <a:tailEnd type="none" w="med" len="med"/>
+                    </a:lnT>
+                    <a:lnB w="12700" cap="flat" cmpd="sng" algn="ctr">
+                      <a:solidFill>
+                        <a:schemeClr val="tx1">
+                          <a:lumMod val="50000"/>
+                          <a:lumOff val="50000"/>
+                        </a:schemeClr>
+                      </a:solidFill>
+                      <a:prstDash val="solid"/>
+                      <a:round/>
+                      <a:headEnd type="none" w="med" len="med"/>
+                      <a:tailEnd type="none" w="med" len="med"/>
+                    </a:lnB>
+                    <a:solidFill>
+                      <a:schemeClr val="bg1"/>
+                    </a:solidFill>
+                  </a:tcPr>
+                </a:tc>
+                <a:tc>
+                  <a:txBody>
+                    <a:bodyPr/>
+                    <a:lstStyle/>
+                    <a:p>
+                      <a:pPr algn="ctr">
+                        <a:spcBef>
+                          <a:spcPts val="300"/>
+                        </a:spcBef>
+                        <a:spcAft>
+                          <a:spcPts val="300"/>
+                        </a:spcAft>
+                        <a:buNone/>
+                      </a:pPr>
+                      <a:r>
+                        <a:rPr lang="pt-PT" sz="1200" b="0" noProof="0" dirty="0">
+                          <a:solidFill>
+                            <a:schemeClr val="tx1"/>
+                          </a:solidFill>
+                        </a:rPr>
+                        <a:t>139</a:t>
+                      </a:r>
+                    </a:p>
+                  </a:txBody>
+                  <a:tcPr marL="182880" marR="182880" marT="0" marB="0" anchor="ctr">
+                    <a:lnT w="12700" cap="flat" cmpd="sng" algn="ctr">
+                      <a:solidFill>
+                        <a:schemeClr val="tx1">
+                          <a:lumMod val="50000"/>
+                          <a:lumOff val="50000"/>
+                        </a:schemeClr>
+                      </a:solidFill>
+                      <a:prstDash val="solid"/>
+                      <a:round/>
+                      <a:headEnd type="none" w="med" len="med"/>
+                      <a:tailEnd type="none" w="med" len="med"/>
+                    </a:lnT>
+                    <a:lnB w="12700" cap="flat" cmpd="sng" algn="ctr">
+                      <a:solidFill>
+                        <a:schemeClr val="tx1">
+                          <a:lumMod val="50000"/>
+                          <a:lumOff val="50000"/>
+                        </a:schemeClr>
+                      </a:solidFill>
+                      <a:prstDash val="solid"/>
+                      <a:round/>
+                      <a:headEnd type="none" w="med" len="med"/>
+                      <a:tailEnd type="none" w="med" len="med"/>
+                    </a:lnB>
+                    <a:solidFill>
+                      <a:schemeClr val="bg1"/>
+                    </a:solidFill>
+                  </a:tcPr>
+                </a:tc>
+                <a:tc>
+                  <a:txBody>
+                    <a:bodyPr/>
+                    <a:lstStyle/>
+                    <a:p>
+                      <a:pPr algn="ctr">
+                        <a:spcBef>
+                          <a:spcPts val="300"/>
+                        </a:spcBef>
+                        <a:spcAft>
+                          <a:spcPts val="300"/>
+                        </a:spcAft>
+                        <a:buNone/>
+                      </a:pPr>
+                      <a:r>
+                        <a:rPr lang="pt-PT" sz="1200" b="0" noProof="0" dirty="0">
+                          <a:solidFill>
+                            <a:schemeClr val="tx1"/>
+                          </a:solidFill>
+                        </a:rPr>
+                        <a:t>0.278</a:t>
+                      </a:r>
+                    </a:p>
+                  </a:txBody>
+                  <a:tcPr marL="182880" marR="182880" marT="0" marB="0" anchor="ctr">
+                    <a:lnT w="12700" cap="flat" cmpd="sng" algn="ctr">
+                      <a:solidFill>
+                        <a:schemeClr val="tx1">
+                          <a:lumMod val="50000"/>
+                          <a:lumOff val="50000"/>
+                        </a:schemeClr>
+                      </a:solidFill>
+                      <a:prstDash val="solid"/>
+                      <a:round/>
+                      <a:headEnd type="none" w="med" len="med"/>
+                      <a:tailEnd type="none" w="med" len="med"/>
+                    </a:lnT>
+                    <a:lnB w="12700" cap="flat" cmpd="sng" algn="ctr">
+                      <a:solidFill>
+                        <a:schemeClr val="tx1">
+                          <a:lumMod val="50000"/>
+                          <a:lumOff val="50000"/>
+                        </a:schemeClr>
+                      </a:solidFill>
+                      <a:prstDash val="solid"/>
+                      <a:round/>
+                      <a:headEnd type="none" w="med" len="med"/>
+                      <a:tailEnd type="none" w="med" len="med"/>
+                    </a:lnB>
+                    <a:solidFill>
+                      <a:schemeClr val="bg1"/>
+                    </a:solidFill>
+                  </a:tcPr>
+                </a:tc>
+                <a:tc>
+                  <a:txBody>
+                    <a:bodyPr/>
+                    <a:lstStyle/>
+                    <a:p>
+                      <a:pPr algn="ctr">
+                        <a:spcBef>
+                          <a:spcPts val="300"/>
+                        </a:spcBef>
+                        <a:spcAft>
+                          <a:spcPts val="300"/>
+                        </a:spcAft>
+                        <a:buNone/>
+                      </a:pPr>
+                      <a:r>
+                        <a:rPr lang="pt-PT" sz="1200" b="0" noProof="0" dirty="0">
+                          <a:solidFill>
+                            <a:schemeClr val="tx1"/>
+                          </a:solidFill>
+                        </a:rPr>
+                        <a:t>500</a:t>
+                      </a:r>
+                    </a:p>
+                  </a:txBody>
+                  <a:tcPr marL="182880" marR="182880" marT="0" marB="0" anchor="ctr">
+                    <a:lnT w="12700" cap="flat" cmpd="sng" algn="ctr">
+                      <a:solidFill>
+                        <a:schemeClr val="tx1">
+                          <a:lumMod val="50000"/>
+                          <a:lumOff val="50000"/>
+                        </a:schemeClr>
+                      </a:solidFill>
+                      <a:prstDash val="solid"/>
+                      <a:round/>
+                      <a:headEnd type="none" w="med" len="med"/>
+                      <a:tailEnd type="none" w="med" len="med"/>
+                    </a:lnT>
+                    <a:lnB w="12700" cap="flat" cmpd="sng" algn="ctr">
+                      <a:solidFill>
+                        <a:schemeClr val="tx1">
+                          <a:lumMod val="50000"/>
+                          <a:lumOff val="50000"/>
+                        </a:schemeClr>
+                      </a:solidFill>
+                      <a:prstDash val="solid"/>
+                      <a:round/>
+                      <a:headEnd type="none" w="med" len="med"/>
+                      <a:tailEnd type="none" w="med" len="med"/>
+                    </a:lnB>
+                    <a:solidFill>
+                      <a:schemeClr val="bg1"/>
+                    </a:solidFill>
+                  </a:tcPr>
+                </a:tc>
+                <a:tc>
+                  <a:txBody>
+                    <a:bodyPr/>
+                    <a:lstStyle/>
+                    <a:p>
+                      <a:pPr algn="ctr">
+                        <a:spcBef>
+                          <a:spcPts val="300"/>
+                        </a:spcBef>
+                        <a:spcAft>
+                          <a:spcPts val="300"/>
+                        </a:spcAft>
+                        <a:buNone/>
+                      </a:pPr>
+                      <a:r>
+                        <a:rPr lang="pt-PT" sz="1200" b="0" noProof="0" dirty="0">
+                          <a:solidFill>
+                            <a:schemeClr val="tx1"/>
+                          </a:solidFill>
+                        </a:rPr>
+                        <a:t>1.0</a:t>
+                      </a:r>
+                    </a:p>
+                  </a:txBody>
+                  <a:tcPr marL="182880" marR="182880" marT="0" marB="0" anchor="ctr">
+                    <a:lnR w="12700" cap="flat" cmpd="sng" algn="ctr">
+                      <a:solidFill>
+                        <a:srgbClr val="0866FF"/>
+                      </a:solidFill>
+                      <a:prstDash val="solid"/>
+                      <a:round/>
+                      <a:headEnd type="none" w="med" len="med"/>
+                      <a:tailEnd type="none" w="med" len="med"/>
+                    </a:lnR>
+                    <a:lnT w="12700" cap="flat" cmpd="sng" algn="ctr">
+                      <a:solidFill>
+                        <a:schemeClr val="tx1">
+                          <a:lumMod val="50000"/>
+                          <a:lumOff val="50000"/>
+                        </a:schemeClr>
+                      </a:solidFill>
+                      <a:prstDash val="solid"/>
+                      <a:round/>
+                      <a:headEnd type="none" w="med" len="med"/>
+                      <a:tailEnd type="none" w="med" len="med"/>
+                    </a:lnT>
+                    <a:lnB w="12700" cap="flat" cmpd="sng" algn="ctr">
+                      <a:solidFill>
+                        <a:schemeClr val="tx1">
+                          <a:lumMod val="50000"/>
+                          <a:lumOff val="50000"/>
+                        </a:schemeClr>
+                      </a:solidFill>
+                      <a:prstDash val="solid"/>
+                      <a:round/>
+                      <a:headEnd type="none" w="med" len="med"/>
+                      <a:tailEnd type="none" w="med" len="med"/>
+                    </a:lnB>
+                    <a:solidFill>
+                      <a:schemeClr val="bg1"/>
+                    </a:solidFill>
+                  </a:tcPr>
+                </a:tc>
+                <a:extLst>
+                  <a:ext uri="{0D108BD9-81ED-4DB2-BD59-A6C34878D82A}">
+                    <a16:rowId xmlns:a16="http://schemas.microsoft.com/office/drawing/2014/main" val="749202451"/>
+                  </a:ext>
+                </a:extLst>
+              </a:tr>
+            </a:tbl>
+          </a:graphicData>
+        </a:graphic>
+      </p:graphicFrame>
+      <p:pic>
+        <p:nvPicPr>
+          <p:cNvPr id="2" name="Picture 1" descr="A red and yellow pie chart&#10;&#10;AI-generated content may be incorrect.">
+            <a:extLst>
+              <a:ext uri="{FF2B5EF4-FFF2-40B4-BE49-F238E27FC236}">
+                <a16:creationId xmlns:a16="http://schemas.microsoft.com/office/drawing/2014/main" id="{053462FB-4411-920F-25A6-B3710902C196}"/>
+              </a:ext>
+            </a:extLst>
+          </p:cNvPr>
+          <p:cNvPicPr>
+            <a:picLocks noChangeAspect="1"/>
+          </p:cNvPicPr>
+          <p:nvPr/>
+        </p:nvPicPr>
+        <p:blipFill>
+          <a:blip r:embed="rId2">
+            <a:extLst>
+              <a:ext uri="{28A0092B-C50C-407E-A947-70E740481C1C}">
+                <a14:useLocalDpi xmlns:a14="http://schemas.microsoft.com/office/drawing/2010/main" val="0"/>
+              </a:ext>
+            </a:extLst>
+          </a:blip>
+          <a:stretch>
+            <a:fillRect/>
+          </a:stretch>
+        </p:blipFill>
+        <p:spPr>
+          <a:xfrm>
+            <a:off x="6286500" y="1806575"/>
+            <a:ext cx="4876800" cy="3657600"/>
+          </a:xfrm>
+          <a:prstGeom prst="rect">
+            <a:avLst/>
+          </a:prstGeom>
+          <a:ln w="19050">
+            <a:solidFill>
+              <a:srgbClr val="0866FF"/>
+            </a:solidFill>
+          </a:ln>
+        </p:spPr>
+      </p:pic>
+      <p:sp>
+        <p:nvSpPr>
+          <p:cNvPr id="10" name="TextBox 9">
+            <a:extLst>
+              <a:ext uri="{FF2B5EF4-FFF2-40B4-BE49-F238E27FC236}">
+                <a16:creationId xmlns:a16="http://schemas.microsoft.com/office/drawing/2014/main" id="{B25B4A23-2842-4E38-9AEB-1C80E617D203}"/>
+              </a:ext>
+            </a:extLst>
+          </p:cNvPr>
+          <p:cNvSpPr txBox="1"/>
+          <p:nvPr/>
+        </p:nvSpPr>
+        <p:spPr>
+          <a:xfrm>
+            <a:off x="1028700" y="1311927"/>
+            <a:ext cx="4876800" cy="1846659"/>
+          </a:xfrm>
+          <a:prstGeom prst="rect">
+            <a:avLst/>
+          </a:prstGeom>
+          <a:noFill/>
+        </p:spPr>
+        <p:txBody>
+          <a:bodyPr wrap="square">
+            <a:spAutoFit/>
+          </a:bodyPr>
+          <a:lstStyle/>
+          <a:p>
+            <a:pPr algn="just"/>
+            <a:r>
+              <a:rPr lang="pt-BR" sz="3200" b="1" noProof="0" dirty="0"/>
+              <a:t>Paid</a:t>
+            </a:r>
+          </a:p>
+          <a:p>
+            <a:pPr algn="just"/>
+            <a:endParaRPr lang="pt-BR" sz="1000" noProof="0" dirty="0"/>
+          </a:p>
+          <a:p>
+            <a:pPr algn="just"/>
+            <a:r>
+              <a:rPr lang="pt-BR" sz="1800" noProof="0" dirty="0"/>
+              <a:t>A maioria dos posts foi gratuita, com cerca de </a:t>
+            </a:r>
+            <a:r>
+              <a:rPr lang="pt-BR" sz="1800" b="1" noProof="0" dirty="0"/>
+              <a:t>29% sendo patrocinados </a:t>
+            </a:r>
+            <a:r>
+              <a:rPr lang="pt-BR" sz="1800" noProof="0" dirty="0"/>
+              <a:t>– um investimento moderado que indica maior confiança na divulgação orgânica.</a:t>
+            </a:r>
+          </a:p>
+        </p:txBody>
+      </p:sp>
+    </p:spTree>
+    <p:extLst>
+      <p:ext uri="{BB962C8B-B14F-4D97-AF65-F5344CB8AC3E}">
+        <p14:creationId xmlns:p14="http://schemas.microsoft.com/office/powerpoint/2010/main" val="640454305"/>
+      </p:ext>
+    </p:extLst>
+  </p:cSld>
+  <p:clrMapOvr>
+    <a:masterClrMapping/>
+  </p:clrMapOvr>
+</p:sld>
+</file>
+
+<file path=ppt/slides/slide7.xml><?xml version="1.0" encoding="utf-8"?>
 <p:sld xmlns:a="http://schemas.openxmlformats.org/drawingml/2006/main" xmlns:r="http://schemas.openxmlformats.org/officeDocument/2006/relationships" xmlns:p="http://schemas.openxmlformats.org/presentationml/2006/main">
   <p:cSld>
     <p:spTree>
@@ -5072,7 +11700,7 @@
           <a:p>
             <a:fld id="{10451DF5-CD77-4BF3-911A-C2DA240CBD91}" type="slidenum">
               <a:rPr lang="en-US" smtClean="0"/>
-              <a:t>3</a:t>
+              <a:t>7</a:t>
             </a:fld>
             <a:endParaRPr lang="en-US"/>
           </a:p>
